--- a/draco/draco.pptx
+++ b/draco/draco.pptx
@@ -5,7 +5,7 @@
     <p:sldMasterId id="2147483648" r:id="rId1"/>
   </p:sldMasterIdLst>
   <p:notesMasterIdLst>
-    <p:notesMasterId r:id="rId14"/>
+    <p:notesMasterId r:id="rId15"/>
   </p:notesMasterIdLst>
   <p:sldIdLst>
     <p:sldId id="259" r:id="rId2"/>
@@ -15,11 +15,12 @@
     <p:sldId id="268" r:id="rId6"/>
     <p:sldId id="269" r:id="rId7"/>
     <p:sldId id="270" r:id="rId8"/>
-    <p:sldId id="271" r:id="rId9"/>
-    <p:sldId id="260" r:id="rId10"/>
-    <p:sldId id="265" r:id="rId11"/>
-    <p:sldId id="262" r:id="rId12"/>
-    <p:sldId id="266" r:id="rId13"/>
+    <p:sldId id="272" r:id="rId9"/>
+    <p:sldId id="271" r:id="rId10"/>
+    <p:sldId id="260" r:id="rId11"/>
+    <p:sldId id="265" r:id="rId12"/>
+    <p:sldId id="262" r:id="rId13"/>
+    <p:sldId id="266" r:id="rId14"/>
   </p:sldIdLst>
   <p:sldSz cx="12192000" cy="6858000"/>
   <p:notesSz cx="6858000" cy="9144000"/>
@@ -211,7 +212,7 @@
           <a:p>
             <a:fld id="{4989576E-9FA4-2E4F-88EC-EA38BFFC86FB}" type="datetimeFigureOut">
               <a:rPr lang="en-CN" smtClean="0"/>
-              <a:t>2023/4/3</a:t>
+              <a:t>2023/4/10</a:t>
             </a:fld>
             <a:endParaRPr lang="en-CN"/>
           </a:p>
@@ -644,7 +645,7 @@
             <a:fld id="{2BFA28D5-F3C6-B341-8C19-FDBEE6E73C15}" type="datetimeFigureOut">
               <a:rPr lang="en-CN" smtClean="0"/>
               <a:pPr/>
-              <a:t>2023/4/3</a:t>
+              <a:t>2023/4/10</a:t>
             </a:fld>
             <a:endParaRPr lang="en-CN" dirty="0"/>
           </a:p>
@@ -772,7 +773,7 @@
           <a:p>
             <a:fld id="{2BFA28D5-F3C6-B341-8C19-FDBEE6E73C15}" type="datetimeFigureOut">
               <a:rPr lang="en-CN" smtClean="0"/>
-              <a:t>2023/4/3</a:t>
+              <a:t>2023/4/10</a:t>
             </a:fld>
             <a:endParaRPr lang="en-CN"/>
           </a:p>
@@ -964,7 +965,7 @@
           <a:p>
             <a:fld id="{2BFA28D5-F3C6-B341-8C19-FDBEE6E73C15}" type="datetimeFigureOut">
               <a:rPr lang="en-CN" smtClean="0"/>
-              <a:t>2023/4/3</a:t>
+              <a:t>2023/4/10</a:t>
             </a:fld>
             <a:endParaRPr lang="en-CN"/>
           </a:p>
@@ -1337,7 +1338,7 @@
           <a:p>
             <a:fld id="{2BFA28D5-F3C6-B341-8C19-FDBEE6E73C15}" type="datetimeFigureOut">
               <a:rPr lang="en-CN" smtClean="0"/>
-              <a:t>2023/4/3</a:t>
+              <a:t>2023/4/10</a:t>
             </a:fld>
             <a:endParaRPr lang="en-CN"/>
           </a:p>
@@ -1834,6 +1835,58 @@
       </p:grpSpPr>
       <p:sp>
         <p:nvSpPr>
+          <p:cNvPr id="35" name="Rounded Rectangle 34">
+            <a:extLst>
+              <a:ext uri="{FF2B5EF4-FFF2-40B4-BE49-F238E27FC236}">
+                <a16:creationId xmlns:a16="http://schemas.microsoft.com/office/drawing/2014/main" id="{E62B4614-E3CD-794F-A30D-0B0BE6FFB1BB}"/>
+              </a:ext>
+            </a:extLst>
+          </p:cNvPr>
+          <p:cNvSpPr/>
+          <p:nvPr/>
+        </p:nvSpPr>
+        <p:spPr>
+          <a:xfrm>
+            <a:off x="282649" y="4411222"/>
+            <a:ext cx="11494554" cy="1000376"/>
+          </a:xfrm>
+          <a:prstGeom prst="roundRect">
+            <a:avLst/>
+          </a:prstGeom>
+          <a:solidFill>
+            <a:srgbClr val="CFE2F4"/>
+          </a:solidFill>
+          <a:ln>
+            <a:prstDash val="dash"/>
+          </a:ln>
+        </p:spPr>
+        <p:style>
+          <a:lnRef idx="2">
+            <a:schemeClr val="accent1">
+              <a:shade val="50000"/>
+            </a:schemeClr>
+          </a:lnRef>
+          <a:fillRef idx="1">
+            <a:schemeClr val="accent1"/>
+          </a:fillRef>
+          <a:effectRef idx="0">
+            <a:schemeClr val="accent1"/>
+          </a:effectRef>
+          <a:fontRef idx="minor">
+            <a:schemeClr val="lt1"/>
+          </a:fontRef>
+        </p:style>
+        <p:txBody>
+          <a:bodyPr rtlCol="0" anchor="ctr"/>
+          <a:lstStyle/>
+          <a:p>
+            <a:pPr algn="ctr"/>
+            <a:endParaRPr lang="en-CN"/>
+          </a:p>
+        </p:txBody>
+      </p:sp>
+      <p:sp>
+        <p:nvSpPr>
           <p:cNvPr id="3" name="Title 2">
             <a:extLst>
               <a:ext uri="{FF2B5EF4-FFF2-40B4-BE49-F238E27FC236}">
@@ -2315,6 +2368,1462 @@
           </a:fontRef>
         </p:style>
       </p:cxnSp>
+      <p:sp>
+        <p:nvSpPr>
+          <p:cNvPr id="14" name="Rounded Rectangle 13">
+            <a:extLst>
+              <a:ext uri="{FF2B5EF4-FFF2-40B4-BE49-F238E27FC236}">
+                <a16:creationId xmlns:a16="http://schemas.microsoft.com/office/drawing/2014/main" id="{BA4B1C42-82FC-7F4B-9AC5-8BDE39605D4B}"/>
+              </a:ext>
+            </a:extLst>
+          </p:cNvPr>
+          <p:cNvSpPr/>
+          <p:nvPr/>
+        </p:nvSpPr>
+        <p:spPr>
+          <a:xfrm>
+            <a:off x="282649" y="3214633"/>
+            <a:ext cx="11494554" cy="1000376"/>
+          </a:xfrm>
+          <a:prstGeom prst="roundRect">
+            <a:avLst/>
+          </a:prstGeom>
+          <a:solidFill>
+            <a:srgbClr val="CFE2F4"/>
+          </a:solidFill>
+          <a:ln>
+            <a:prstDash val="dash"/>
+          </a:ln>
+        </p:spPr>
+        <p:style>
+          <a:lnRef idx="2">
+            <a:schemeClr val="accent1">
+              <a:shade val="50000"/>
+            </a:schemeClr>
+          </a:lnRef>
+          <a:fillRef idx="1">
+            <a:schemeClr val="accent1"/>
+          </a:fillRef>
+          <a:effectRef idx="0">
+            <a:schemeClr val="accent1"/>
+          </a:effectRef>
+          <a:fontRef idx="minor">
+            <a:schemeClr val="lt1"/>
+          </a:fontRef>
+        </p:style>
+        <p:txBody>
+          <a:bodyPr rtlCol="0" anchor="ctr"/>
+          <a:lstStyle/>
+          <a:p>
+            <a:pPr algn="ctr"/>
+            <a:endParaRPr lang="en-CN"/>
+          </a:p>
+        </p:txBody>
+      </p:sp>
+      <p:sp>
+        <p:nvSpPr>
+          <p:cNvPr id="15" name="Rectangle 14">
+            <a:extLst>
+              <a:ext uri="{FF2B5EF4-FFF2-40B4-BE49-F238E27FC236}">
+                <a16:creationId xmlns:a16="http://schemas.microsoft.com/office/drawing/2014/main" id="{B4A732EF-857C-3044-864E-17AA9CA81CE4}"/>
+              </a:ext>
+            </a:extLst>
+          </p:cNvPr>
+          <p:cNvSpPr/>
+          <p:nvPr/>
+        </p:nvSpPr>
+        <p:spPr>
+          <a:xfrm>
+            <a:off x="395010" y="3348416"/>
+            <a:ext cx="1620079" cy="705679"/>
+          </a:xfrm>
+          <a:prstGeom prst="rect">
+            <a:avLst/>
+          </a:prstGeom>
+          <a:noFill/>
+          <a:ln>
+            <a:solidFill>
+              <a:schemeClr val="tx1"/>
+            </a:solidFill>
+          </a:ln>
+        </p:spPr>
+        <p:style>
+          <a:lnRef idx="2">
+            <a:schemeClr val="accent1">
+              <a:shade val="50000"/>
+            </a:schemeClr>
+          </a:lnRef>
+          <a:fillRef idx="1">
+            <a:schemeClr val="accent1"/>
+          </a:fillRef>
+          <a:effectRef idx="0">
+            <a:schemeClr val="accent1"/>
+          </a:effectRef>
+          <a:fontRef idx="minor">
+            <a:schemeClr val="lt1"/>
+          </a:fontRef>
+        </p:style>
+        <p:txBody>
+          <a:bodyPr rtlCol="0" anchor="ctr"/>
+          <a:lstStyle/>
+          <a:p>
+            <a:pPr algn="ctr"/>
+            <a:r>
+              <a:rPr lang="en-CN" dirty="0">
+                <a:solidFill>
+                  <a:schemeClr val="tx1"/>
+                </a:solidFill>
+              </a:rPr>
+              <a:t>V, F set to V table</a:t>
+            </a:r>
+          </a:p>
+        </p:txBody>
+      </p:sp>
+      <p:sp>
+        <p:nvSpPr>
+          <p:cNvPr id="16" name="Rectangle 15">
+            <a:extLst>
+              <a:ext uri="{FF2B5EF4-FFF2-40B4-BE49-F238E27FC236}">
+                <a16:creationId xmlns:a16="http://schemas.microsoft.com/office/drawing/2014/main" id="{D381605A-BAE6-3845-8E19-03C69AD1C0C3}"/>
+              </a:ext>
+            </a:extLst>
+          </p:cNvPr>
+          <p:cNvSpPr/>
+          <p:nvPr/>
+        </p:nvSpPr>
+        <p:spPr>
+          <a:xfrm>
+            <a:off x="2590947" y="3348416"/>
+            <a:ext cx="1620079" cy="705679"/>
+          </a:xfrm>
+          <a:prstGeom prst="rect">
+            <a:avLst/>
+          </a:prstGeom>
+          <a:noFill/>
+          <a:ln>
+            <a:solidFill>
+              <a:schemeClr val="tx1"/>
+            </a:solidFill>
+          </a:ln>
+        </p:spPr>
+        <p:style>
+          <a:lnRef idx="2">
+            <a:schemeClr val="accent1">
+              <a:shade val="50000"/>
+            </a:schemeClr>
+          </a:lnRef>
+          <a:fillRef idx="1">
+            <a:schemeClr val="accent1"/>
+          </a:fillRef>
+          <a:effectRef idx="0">
+            <a:schemeClr val="accent1"/>
+          </a:effectRef>
+          <a:fontRef idx="minor">
+            <a:schemeClr val="lt1"/>
+          </a:fontRef>
+        </p:style>
+        <p:txBody>
+          <a:bodyPr rtlCol="0" anchor="ctr"/>
+          <a:lstStyle/>
+          <a:p>
+            <a:pPr algn="ctr"/>
+            <a:r>
+              <a:rPr lang="en-CN" dirty="0">
+                <a:solidFill>
+                  <a:schemeClr val="tx1"/>
+                </a:solidFill>
+              </a:rPr>
+              <a:t>V table to O table</a:t>
+            </a:r>
+          </a:p>
+        </p:txBody>
+      </p:sp>
+      <p:cxnSp>
+        <p:nvCxnSpPr>
+          <p:cNvPr id="17" name="Straight Arrow Connector 16">
+            <a:extLst>
+              <a:ext uri="{FF2B5EF4-FFF2-40B4-BE49-F238E27FC236}">
+                <a16:creationId xmlns:a16="http://schemas.microsoft.com/office/drawing/2014/main" id="{C97780BA-9FA7-2D41-B496-90D6143E4832}"/>
+              </a:ext>
+            </a:extLst>
+          </p:cNvPr>
+          <p:cNvCxnSpPr>
+            <a:cxnSpLocks/>
+            <a:stCxn id="15" idx="3"/>
+            <a:endCxn id="16" idx="1"/>
+          </p:cNvCxnSpPr>
+          <p:nvPr/>
+        </p:nvCxnSpPr>
+        <p:spPr>
+          <a:xfrm>
+            <a:off x="2015089" y="3701256"/>
+            <a:ext cx="575858" cy="0"/>
+          </a:xfrm>
+          <a:prstGeom prst="straightConnector1">
+            <a:avLst/>
+          </a:prstGeom>
+          <a:ln>
+            <a:solidFill>
+              <a:schemeClr val="tx1"/>
+            </a:solidFill>
+            <a:tailEnd type="triangle"/>
+          </a:ln>
+        </p:spPr>
+        <p:style>
+          <a:lnRef idx="1">
+            <a:schemeClr val="accent1"/>
+          </a:lnRef>
+          <a:fillRef idx="0">
+            <a:schemeClr val="accent1"/>
+          </a:fillRef>
+          <a:effectRef idx="0">
+            <a:schemeClr val="accent1"/>
+          </a:effectRef>
+          <a:fontRef idx="minor">
+            <a:schemeClr val="tx1"/>
+          </a:fontRef>
+        </p:style>
+      </p:cxnSp>
+      <p:sp>
+        <p:nvSpPr>
+          <p:cNvPr id="18" name="Rectangle 17">
+            <a:extLst>
+              <a:ext uri="{FF2B5EF4-FFF2-40B4-BE49-F238E27FC236}">
+                <a16:creationId xmlns:a16="http://schemas.microsoft.com/office/drawing/2014/main" id="{6FD073AA-1F0E-DB4C-9A5C-1A7E944E5F67}"/>
+              </a:ext>
+            </a:extLst>
+          </p:cNvPr>
+          <p:cNvSpPr/>
+          <p:nvPr/>
+        </p:nvSpPr>
+        <p:spPr>
+          <a:xfrm>
+            <a:off x="4786884" y="3348416"/>
+            <a:ext cx="1620079" cy="705679"/>
+          </a:xfrm>
+          <a:prstGeom prst="rect">
+            <a:avLst/>
+          </a:prstGeom>
+          <a:noFill/>
+          <a:ln>
+            <a:solidFill>
+              <a:schemeClr val="tx1"/>
+            </a:solidFill>
+          </a:ln>
+        </p:spPr>
+        <p:style>
+          <a:lnRef idx="2">
+            <a:schemeClr val="accent1">
+              <a:shade val="50000"/>
+            </a:schemeClr>
+          </a:lnRef>
+          <a:fillRef idx="1">
+            <a:schemeClr val="accent1"/>
+          </a:fillRef>
+          <a:effectRef idx="0">
+            <a:schemeClr val="accent1"/>
+          </a:effectRef>
+          <a:fontRef idx="minor">
+            <a:schemeClr val="lt1"/>
+          </a:fontRef>
+        </p:style>
+        <p:txBody>
+          <a:bodyPr rtlCol="0" anchor="ctr"/>
+          <a:lstStyle/>
+          <a:p>
+            <a:pPr algn="ctr"/>
+            <a:r>
+              <a:rPr lang="en-CN" dirty="0">
+                <a:solidFill>
+                  <a:schemeClr val="tx1"/>
+                </a:solidFill>
+              </a:rPr>
+              <a:t>Breaking Non-manifold edges</a:t>
+            </a:r>
+          </a:p>
+        </p:txBody>
+      </p:sp>
+      <p:cxnSp>
+        <p:nvCxnSpPr>
+          <p:cNvPr id="19" name="Straight Arrow Connector 18">
+            <a:extLst>
+              <a:ext uri="{FF2B5EF4-FFF2-40B4-BE49-F238E27FC236}">
+                <a16:creationId xmlns:a16="http://schemas.microsoft.com/office/drawing/2014/main" id="{B805D36D-99A6-934C-914F-9F5EA4BFB0B7}"/>
+              </a:ext>
+            </a:extLst>
+          </p:cNvPr>
+          <p:cNvCxnSpPr>
+            <a:cxnSpLocks/>
+            <a:stCxn id="16" idx="3"/>
+            <a:endCxn id="18" idx="1"/>
+          </p:cNvCxnSpPr>
+          <p:nvPr/>
+        </p:nvCxnSpPr>
+        <p:spPr>
+          <a:xfrm>
+            <a:off x="4211026" y="3701256"/>
+            <a:ext cx="575858" cy="0"/>
+          </a:xfrm>
+          <a:prstGeom prst="straightConnector1">
+            <a:avLst/>
+          </a:prstGeom>
+          <a:ln>
+            <a:solidFill>
+              <a:schemeClr val="tx1"/>
+            </a:solidFill>
+            <a:tailEnd type="triangle"/>
+          </a:ln>
+        </p:spPr>
+        <p:style>
+          <a:lnRef idx="1">
+            <a:schemeClr val="accent1"/>
+          </a:lnRef>
+          <a:fillRef idx="0">
+            <a:schemeClr val="accent1"/>
+          </a:fillRef>
+          <a:effectRef idx="0">
+            <a:schemeClr val="accent1"/>
+          </a:effectRef>
+          <a:fontRef idx="minor">
+            <a:schemeClr val="tx1"/>
+          </a:fontRef>
+        </p:style>
+      </p:cxnSp>
+      <p:sp>
+        <p:nvSpPr>
+          <p:cNvPr id="20" name="Rectangle 19">
+            <a:extLst>
+              <a:ext uri="{FF2B5EF4-FFF2-40B4-BE49-F238E27FC236}">
+                <a16:creationId xmlns:a16="http://schemas.microsoft.com/office/drawing/2014/main" id="{D757DBFE-E8C8-6640-BF6B-8E66A8534CCA}"/>
+              </a:ext>
+            </a:extLst>
+          </p:cNvPr>
+          <p:cNvSpPr/>
+          <p:nvPr/>
+        </p:nvSpPr>
+        <p:spPr>
+          <a:xfrm>
+            <a:off x="6932018" y="3348416"/>
+            <a:ext cx="1620079" cy="705679"/>
+          </a:xfrm>
+          <a:prstGeom prst="rect">
+            <a:avLst/>
+          </a:prstGeom>
+          <a:noFill/>
+          <a:ln>
+            <a:solidFill>
+              <a:schemeClr val="tx1"/>
+            </a:solidFill>
+          </a:ln>
+        </p:spPr>
+        <p:style>
+          <a:lnRef idx="2">
+            <a:schemeClr val="accent1">
+              <a:shade val="50000"/>
+            </a:schemeClr>
+          </a:lnRef>
+          <a:fillRef idx="1">
+            <a:schemeClr val="accent1"/>
+          </a:fillRef>
+          <a:effectRef idx="0">
+            <a:schemeClr val="accent1"/>
+          </a:effectRef>
+          <a:fontRef idx="minor">
+            <a:schemeClr val="lt1"/>
+          </a:fontRef>
+        </p:style>
+        <p:txBody>
+          <a:bodyPr rtlCol="0" anchor="ctr"/>
+          <a:lstStyle/>
+          <a:p>
+            <a:pPr algn="ctr"/>
+            <a:r>
+              <a:rPr lang="en-CN" dirty="0">
+                <a:solidFill>
+                  <a:schemeClr val="tx1"/>
+                </a:solidFill>
+              </a:rPr>
+              <a:t>Breaking Non-manifold vertices</a:t>
+            </a:r>
+          </a:p>
+        </p:txBody>
+      </p:sp>
+      <p:cxnSp>
+        <p:nvCxnSpPr>
+          <p:cNvPr id="21" name="Straight Arrow Connector 20">
+            <a:extLst>
+              <a:ext uri="{FF2B5EF4-FFF2-40B4-BE49-F238E27FC236}">
+                <a16:creationId xmlns:a16="http://schemas.microsoft.com/office/drawing/2014/main" id="{EAB81FEF-E498-074A-A95D-CBE7DC392E2A}"/>
+              </a:ext>
+            </a:extLst>
+          </p:cNvPr>
+          <p:cNvCxnSpPr>
+            <a:cxnSpLocks/>
+            <a:stCxn id="18" idx="3"/>
+            <a:endCxn id="20" idx="1"/>
+          </p:cNvCxnSpPr>
+          <p:nvPr/>
+        </p:nvCxnSpPr>
+        <p:spPr>
+          <a:xfrm>
+            <a:off x="6406963" y="3701256"/>
+            <a:ext cx="525055" cy="0"/>
+          </a:xfrm>
+          <a:prstGeom prst="straightConnector1">
+            <a:avLst/>
+          </a:prstGeom>
+          <a:ln>
+            <a:solidFill>
+              <a:schemeClr val="tx1"/>
+            </a:solidFill>
+            <a:tailEnd type="triangle"/>
+          </a:ln>
+        </p:spPr>
+        <p:style>
+          <a:lnRef idx="1">
+            <a:schemeClr val="accent1"/>
+          </a:lnRef>
+          <a:fillRef idx="0">
+            <a:schemeClr val="accent1"/>
+          </a:fillRef>
+          <a:effectRef idx="0">
+            <a:schemeClr val="accent1"/>
+          </a:effectRef>
+          <a:fontRef idx="minor">
+            <a:schemeClr val="tx1"/>
+          </a:fontRef>
+        </p:style>
+      </p:cxnSp>
+      <p:cxnSp>
+        <p:nvCxnSpPr>
+          <p:cNvPr id="22" name="Straight Arrow Connector 21">
+            <a:extLst>
+              <a:ext uri="{FF2B5EF4-FFF2-40B4-BE49-F238E27FC236}">
+                <a16:creationId xmlns:a16="http://schemas.microsoft.com/office/drawing/2014/main" id="{EAD7C64B-23B0-C348-9414-89E8F017A606}"/>
+              </a:ext>
+            </a:extLst>
+          </p:cNvPr>
+          <p:cNvCxnSpPr>
+            <a:cxnSpLocks/>
+          </p:cNvCxnSpPr>
+          <p:nvPr/>
+        </p:nvCxnSpPr>
+        <p:spPr>
+          <a:xfrm>
+            <a:off x="8552097" y="3701256"/>
+            <a:ext cx="525055" cy="0"/>
+          </a:xfrm>
+          <a:prstGeom prst="straightConnector1">
+            <a:avLst/>
+          </a:prstGeom>
+          <a:ln>
+            <a:solidFill>
+              <a:schemeClr val="tx1"/>
+            </a:solidFill>
+            <a:tailEnd type="triangle"/>
+          </a:ln>
+        </p:spPr>
+        <p:style>
+          <a:lnRef idx="1">
+            <a:schemeClr val="accent1"/>
+          </a:lnRef>
+          <a:fillRef idx="0">
+            <a:schemeClr val="accent1"/>
+          </a:fillRef>
+          <a:effectRef idx="0">
+            <a:schemeClr val="accent1"/>
+          </a:effectRef>
+          <a:fontRef idx="minor">
+            <a:schemeClr val="tx1"/>
+          </a:fontRef>
+        </p:style>
+      </p:cxnSp>
+      <p:sp>
+        <p:nvSpPr>
+          <p:cNvPr id="23" name="TextBox 22">
+            <a:extLst>
+              <a:ext uri="{FF2B5EF4-FFF2-40B4-BE49-F238E27FC236}">
+                <a16:creationId xmlns:a16="http://schemas.microsoft.com/office/drawing/2014/main" id="{68E33F39-1A18-2548-A547-EABDBBE3CAA9}"/>
+              </a:ext>
+            </a:extLst>
+          </p:cNvPr>
+          <p:cNvSpPr txBox="1"/>
+          <p:nvPr/>
+        </p:nvSpPr>
+        <p:spPr>
+          <a:xfrm>
+            <a:off x="9069464" y="3506770"/>
+            <a:ext cx="343364" cy="369332"/>
+          </a:xfrm>
+          <a:prstGeom prst="rect">
+            <a:avLst/>
+          </a:prstGeom>
+          <a:noFill/>
+        </p:spPr>
+        <p:txBody>
+          <a:bodyPr wrap="none" rtlCol="0">
+            <a:spAutoFit/>
+          </a:bodyPr>
+          <a:lstStyle/>
+          <a:p>
+            <a:r>
+              <a:rPr lang="en-CN" dirty="0"/>
+              <a:t>…</a:t>
+            </a:r>
+          </a:p>
+        </p:txBody>
+      </p:sp>
+      <p:sp>
+        <p:nvSpPr>
+          <p:cNvPr id="29" name="Rectangle 28">
+            <a:extLst>
+              <a:ext uri="{FF2B5EF4-FFF2-40B4-BE49-F238E27FC236}">
+                <a16:creationId xmlns:a16="http://schemas.microsoft.com/office/drawing/2014/main" id="{4C0633F9-9E40-D04A-AF64-43460AC43E47}"/>
+              </a:ext>
+            </a:extLst>
+          </p:cNvPr>
+          <p:cNvSpPr/>
+          <p:nvPr/>
+        </p:nvSpPr>
+        <p:spPr>
+          <a:xfrm>
+            <a:off x="395010" y="4540718"/>
+            <a:ext cx="1620079" cy="705679"/>
+          </a:xfrm>
+          <a:prstGeom prst="rect">
+            <a:avLst/>
+          </a:prstGeom>
+          <a:noFill/>
+          <a:ln>
+            <a:solidFill>
+              <a:schemeClr val="tx1"/>
+            </a:solidFill>
+          </a:ln>
+        </p:spPr>
+        <p:style>
+          <a:lnRef idx="2">
+            <a:schemeClr val="accent1">
+              <a:shade val="50000"/>
+            </a:schemeClr>
+          </a:lnRef>
+          <a:fillRef idx="1">
+            <a:schemeClr val="accent1"/>
+          </a:fillRef>
+          <a:effectRef idx="0">
+            <a:schemeClr val="accent1"/>
+          </a:effectRef>
+          <a:fontRef idx="minor">
+            <a:schemeClr val="lt1"/>
+          </a:fontRef>
+        </p:style>
+        <p:txBody>
+          <a:bodyPr rtlCol="0" anchor="ctr"/>
+          <a:lstStyle/>
+          <a:p>
+            <a:pPr algn="ctr"/>
+            <a:r>
+              <a:rPr lang="en-CN" dirty="0">
+                <a:solidFill>
+                  <a:schemeClr val="tx1"/>
+                </a:solidFill>
+              </a:rPr>
+              <a:t>FindHoles</a:t>
+            </a:r>
+          </a:p>
+        </p:txBody>
+      </p:sp>
+      <p:sp>
+        <p:nvSpPr>
+          <p:cNvPr id="30" name="Rectangle 29">
+            <a:extLst>
+              <a:ext uri="{FF2B5EF4-FFF2-40B4-BE49-F238E27FC236}">
+                <a16:creationId xmlns:a16="http://schemas.microsoft.com/office/drawing/2014/main" id="{78B41B50-9A5B-8442-AE52-BCA9C8453338}"/>
+              </a:ext>
+            </a:extLst>
+          </p:cNvPr>
+          <p:cNvSpPr/>
+          <p:nvPr/>
+        </p:nvSpPr>
+        <p:spPr>
+          <a:xfrm>
+            <a:off x="2590947" y="4540718"/>
+            <a:ext cx="1620079" cy="705679"/>
+          </a:xfrm>
+          <a:prstGeom prst="rect">
+            <a:avLst/>
+          </a:prstGeom>
+          <a:noFill/>
+          <a:ln>
+            <a:solidFill>
+              <a:schemeClr val="tx1"/>
+            </a:solidFill>
+          </a:ln>
+        </p:spPr>
+        <p:style>
+          <a:lnRef idx="2">
+            <a:schemeClr val="accent1">
+              <a:shade val="50000"/>
+            </a:schemeClr>
+          </a:lnRef>
+          <a:fillRef idx="1">
+            <a:schemeClr val="accent1"/>
+          </a:fillRef>
+          <a:effectRef idx="0">
+            <a:schemeClr val="accent1"/>
+          </a:effectRef>
+          <a:fontRef idx="minor">
+            <a:schemeClr val="lt1"/>
+          </a:fontRef>
+        </p:style>
+        <p:txBody>
+          <a:bodyPr rtlCol="0" anchor="ctr"/>
+          <a:lstStyle/>
+          <a:p>
+            <a:pPr algn="ctr"/>
+            <a:r>
+              <a:rPr lang="en-CN" dirty="0">
+                <a:solidFill>
+                  <a:schemeClr val="tx1"/>
+                </a:solidFill>
+              </a:rPr>
+              <a:t>EncodeTraversalSymbols</a:t>
+            </a:r>
+          </a:p>
+        </p:txBody>
+      </p:sp>
+      <p:cxnSp>
+        <p:nvCxnSpPr>
+          <p:cNvPr id="31" name="Straight Arrow Connector 30">
+            <a:extLst>
+              <a:ext uri="{FF2B5EF4-FFF2-40B4-BE49-F238E27FC236}">
+                <a16:creationId xmlns:a16="http://schemas.microsoft.com/office/drawing/2014/main" id="{4C1F8DD5-C643-364A-9CD4-623AB5CCD539}"/>
+              </a:ext>
+            </a:extLst>
+          </p:cNvPr>
+          <p:cNvCxnSpPr>
+            <a:cxnSpLocks/>
+            <a:stCxn id="29" idx="3"/>
+            <a:endCxn id="30" idx="1"/>
+          </p:cNvCxnSpPr>
+          <p:nvPr/>
+        </p:nvCxnSpPr>
+        <p:spPr>
+          <a:xfrm>
+            <a:off x="2015089" y="4893558"/>
+            <a:ext cx="575858" cy="0"/>
+          </a:xfrm>
+          <a:prstGeom prst="straightConnector1">
+            <a:avLst/>
+          </a:prstGeom>
+          <a:ln>
+            <a:solidFill>
+              <a:schemeClr val="tx1"/>
+            </a:solidFill>
+            <a:tailEnd type="triangle"/>
+          </a:ln>
+        </p:spPr>
+        <p:style>
+          <a:lnRef idx="1">
+            <a:schemeClr val="accent1"/>
+          </a:lnRef>
+          <a:fillRef idx="0">
+            <a:schemeClr val="accent1"/>
+          </a:fillRef>
+          <a:effectRef idx="0">
+            <a:schemeClr val="accent1"/>
+          </a:effectRef>
+          <a:fontRef idx="minor">
+            <a:schemeClr val="tx1"/>
+          </a:fontRef>
+        </p:style>
+      </p:cxnSp>
+      <p:sp>
+        <p:nvSpPr>
+          <p:cNvPr id="32" name="Rectangle 31">
+            <a:extLst>
+              <a:ext uri="{FF2B5EF4-FFF2-40B4-BE49-F238E27FC236}">
+                <a16:creationId xmlns:a16="http://schemas.microsoft.com/office/drawing/2014/main" id="{ED2B5ABA-62E5-4041-AC25-6CB455BA999A}"/>
+              </a:ext>
+            </a:extLst>
+          </p:cNvPr>
+          <p:cNvSpPr/>
+          <p:nvPr/>
+        </p:nvSpPr>
+        <p:spPr>
+          <a:xfrm>
+            <a:off x="4786884" y="4540718"/>
+            <a:ext cx="1620079" cy="705679"/>
+          </a:xfrm>
+          <a:prstGeom prst="rect">
+            <a:avLst/>
+          </a:prstGeom>
+          <a:noFill/>
+          <a:ln>
+            <a:solidFill>
+              <a:schemeClr val="tx1"/>
+            </a:solidFill>
+          </a:ln>
+        </p:spPr>
+        <p:style>
+          <a:lnRef idx="2">
+            <a:schemeClr val="accent1">
+              <a:shade val="50000"/>
+            </a:schemeClr>
+          </a:lnRef>
+          <a:fillRef idx="1">
+            <a:schemeClr val="accent1"/>
+          </a:fillRef>
+          <a:effectRef idx="0">
+            <a:schemeClr val="accent1"/>
+          </a:effectRef>
+          <a:fontRef idx="minor">
+            <a:schemeClr val="lt1"/>
+          </a:fontRef>
+        </p:style>
+        <p:txBody>
+          <a:bodyPr rtlCol="0" anchor="ctr"/>
+          <a:lstStyle/>
+          <a:p>
+            <a:pPr algn="ctr"/>
+            <a:r>
+              <a:rPr lang="en-US" b="0" i="0" dirty="0" err="1">
+                <a:solidFill>
+                  <a:schemeClr val="tx1"/>
+                </a:solidFill>
+                <a:effectLst/>
+              </a:rPr>
+              <a:t>EncodeStartFaces</a:t>
+            </a:r>
+            <a:endParaRPr lang="en-CN" dirty="0">
+              <a:solidFill>
+                <a:schemeClr val="tx1"/>
+              </a:solidFill>
+            </a:endParaRPr>
+          </a:p>
+        </p:txBody>
+      </p:sp>
+      <p:cxnSp>
+        <p:nvCxnSpPr>
+          <p:cNvPr id="33" name="Straight Arrow Connector 32">
+            <a:extLst>
+              <a:ext uri="{FF2B5EF4-FFF2-40B4-BE49-F238E27FC236}">
+                <a16:creationId xmlns:a16="http://schemas.microsoft.com/office/drawing/2014/main" id="{03BBB071-D0AC-1349-8FA4-09F1C87F6B7B}"/>
+              </a:ext>
+            </a:extLst>
+          </p:cNvPr>
+          <p:cNvCxnSpPr>
+            <a:cxnSpLocks/>
+            <a:stCxn id="30" idx="3"/>
+            <a:endCxn id="32" idx="1"/>
+          </p:cNvCxnSpPr>
+          <p:nvPr/>
+        </p:nvCxnSpPr>
+        <p:spPr>
+          <a:xfrm>
+            <a:off x="4211026" y="4893558"/>
+            <a:ext cx="575858" cy="0"/>
+          </a:xfrm>
+          <a:prstGeom prst="straightConnector1">
+            <a:avLst/>
+          </a:prstGeom>
+          <a:ln>
+            <a:solidFill>
+              <a:schemeClr val="tx1"/>
+            </a:solidFill>
+            <a:tailEnd type="triangle"/>
+          </a:ln>
+        </p:spPr>
+        <p:style>
+          <a:lnRef idx="1">
+            <a:schemeClr val="accent1"/>
+          </a:lnRef>
+          <a:fillRef idx="0">
+            <a:schemeClr val="accent1"/>
+          </a:fillRef>
+          <a:effectRef idx="0">
+            <a:schemeClr val="accent1"/>
+          </a:effectRef>
+          <a:fontRef idx="minor">
+            <a:schemeClr val="tx1"/>
+          </a:fontRef>
+        </p:style>
+      </p:cxnSp>
+      <p:sp>
+        <p:nvSpPr>
+          <p:cNvPr id="28" name="Rectangle 27">
+            <a:extLst>
+              <a:ext uri="{FF2B5EF4-FFF2-40B4-BE49-F238E27FC236}">
+                <a16:creationId xmlns:a16="http://schemas.microsoft.com/office/drawing/2014/main" id="{D0D270EF-F053-C449-9889-B80652B30726}"/>
+              </a:ext>
+            </a:extLst>
+          </p:cNvPr>
+          <p:cNvSpPr/>
+          <p:nvPr/>
+        </p:nvSpPr>
+        <p:spPr>
+          <a:xfrm>
+            <a:off x="6932017" y="4540717"/>
+            <a:ext cx="1620079" cy="705679"/>
+          </a:xfrm>
+          <a:prstGeom prst="rect">
+            <a:avLst/>
+          </a:prstGeom>
+          <a:noFill/>
+          <a:ln>
+            <a:solidFill>
+              <a:schemeClr val="tx1"/>
+            </a:solidFill>
+          </a:ln>
+        </p:spPr>
+        <p:style>
+          <a:lnRef idx="2">
+            <a:schemeClr val="accent1">
+              <a:shade val="50000"/>
+            </a:schemeClr>
+          </a:lnRef>
+          <a:fillRef idx="1">
+            <a:schemeClr val="accent1"/>
+          </a:fillRef>
+          <a:effectRef idx="0">
+            <a:schemeClr val="accent1"/>
+          </a:effectRef>
+          <a:fontRef idx="minor">
+            <a:schemeClr val="lt1"/>
+          </a:fontRef>
+        </p:style>
+        <p:txBody>
+          <a:bodyPr rtlCol="0" anchor="ctr"/>
+          <a:lstStyle/>
+          <a:p>
+            <a:pPr algn="ctr"/>
+            <a:r>
+              <a:rPr lang="en-US" b="0" i="0" dirty="0" err="1">
+                <a:solidFill>
+                  <a:schemeClr val="tx1"/>
+                </a:solidFill>
+                <a:effectLst/>
+              </a:rPr>
+              <a:t>EncodeAttributeSeams</a:t>
+            </a:r>
+            <a:endParaRPr lang="en-CN" dirty="0">
+              <a:solidFill>
+                <a:schemeClr val="tx1"/>
+              </a:solidFill>
+            </a:endParaRPr>
+          </a:p>
+        </p:txBody>
+      </p:sp>
+      <p:cxnSp>
+        <p:nvCxnSpPr>
+          <p:cNvPr id="34" name="Straight Arrow Connector 33">
+            <a:extLst>
+              <a:ext uri="{FF2B5EF4-FFF2-40B4-BE49-F238E27FC236}">
+                <a16:creationId xmlns:a16="http://schemas.microsoft.com/office/drawing/2014/main" id="{89C89F35-CE2A-5349-AA7B-C51F624892B1}"/>
+              </a:ext>
+            </a:extLst>
+          </p:cNvPr>
+          <p:cNvCxnSpPr>
+            <a:cxnSpLocks/>
+            <a:stCxn id="32" idx="3"/>
+            <a:endCxn id="28" idx="1"/>
+          </p:cNvCxnSpPr>
+          <p:nvPr/>
+        </p:nvCxnSpPr>
+        <p:spPr>
+          <a:xfrm flipV="1">
+            <a:off x="6406963" y="4893557"/>
+            <a:ext cx="525054" cy="1"/>
+          </a:xfrm>
+          <a:prstGeom prst="straightConnector1">
+            <a:avLst/>
+          </a:prstGeom>
+          <a:ln>
+            <a:solidFill>
+              <a:schemeClr val="tx1"/>
+            </a:solidFill>
+            <a:tailEnd type="triangle"/>
+          </a:ln>
+        </p:spPr>
+        <p:style>
+          <a:lnRef idx="1">
+            <a:schemeClr val="accent1"/>
+          </a:lnRef>
+          <a:fillRef idx="0">
+            <a:schemeClr val="accent1"/>
+          </a:fillRef>
+          <a:effectRef idx="0">
+            <a:schemeClr val="accent1"/>
+          </a:effectRef>
+          <a:fontRef idx="minor">
+            <a:schemeClr val="tx1"/>
+          </a:fontRef>
+        </p:style>
+      </p:cxnSp>
+      <p:sp>
+        <p:nvSpPr>
+          <p:cNvPr id="36" name="Rounded Rectangle 35">
+            <a:extLst>
+              <a:ext uri="{FF2B5EF4-FFF2-40B4-BE49-F238E27FC236}">
+                <a16:creationId xmlns:a16="http://schemas.microsoft.com/office/drawing/2014/main" id="{4D0BD89A-732A-6B4E-9FEF-23DE1656600D}"/>
+              </a:ext>
+            </a:extLst>
+          </p:cNvPr>
+          <p:cNvSpPr/>
+          <p:nvPr/>
+        </p:nvSpPr>
+        <p:spPr>
+          <a:xfrm>
+            <a:off x="282649" y="5648691"/>
+            <a:ext cx="11494554" cy="1000376"/>
+          </a:xfrm>
+          <a:prstGeom prst="roundRect">
+            <a:avLst/>
+          </a:prstGeom>
+          <a:solidFill>
+            <a:srgbClr val="CFE2F4"/>
+          </a:solidFill>
+          <a:ln>
+            <a:prstDash val="dash"/>
+          </a:ln>
+        </p:spPr>
+        <p:style>
+          <a:lnRef idx="2">
+            <a:schemeClr val="accent1">
+              <a:shade val="50000"/>
+            </a:schemeClr>
+          </a:lnRef>
+          <a:fillRef idx="1">
+            <a:schemeClr val="accent1"/>
+          </a:fillRef>
+          <a:effectRef idx="0">
+            <a:schemeClr val="accent1"/>
+          </a:effectRef>
+          <a:fontRef idx="minor">
+            <a:schemeClr val="lt1"/>
+          </a:fontRef>
+        </p:style>
+        <p:txBody>
+          <a:bodyPr rtlCol="0" anchor="ctr"/>
+          <a:lstStyle/>
+          <a:p>
+            <a:pPr algn="ctr"/>
+            <a:endParaRPr lang="en-CN"/>
+          </a:p>
+        </p:txBody>
+      </p:sp>
+    </p:spTree>
+    <p:extLst>
+      <p:ext uri="{BB962C8B-B14F-4D97-AF65-F5344CB8AC3E}">
+        <p14:creationId xmlns:p14="http://schemas.microsoft.com/office/powerpoint/2010/main" val="1371694900"/>
+      </p:ext>
+    </p:extLst>
+  </p:cSld>
+  <p:clrMapOvr>
+    <a:masterClrMapping/>
+  </p:clrMapOvr>
+</p:sld>
+</file>
+
+<file path=ppt/slides/slide11.xml><?xml version="1.0" encoding="utf-8"?>
+<p:sld xmlns:a="http://schemas.openxmlformats.org/drawingml/2006/main" xmlns:r="http://schemas.openxmlformats.org/officeDocument/2006/relationships" xmlns:p="http://schemas.openxmlformats.org/presentationml/2006/main">
+  <p:cSld>
+    <p:spTree>
+      <p:nvGrpSpPr>
+        <p:cNvPr id="1" name=""/>
+        <p:cNvGrpSpPr/>
+        <p:nvPr/>
+      </p:nvGrpSpPr>
+      <p:grpSpPr>
+        <a:xfrm>
+          <a:off x="0" y="0"/>
+          <a:ext cx="0" cy="0"/>
+          <a:chOff x="0" y="0"/>
+          <a:chExt cx="0" cy="0"/>
+        </a:xfrm>
+      </p:grpSpPr>
+      <p:sp>
+        <p:nvSpPr>
+          <p:cNvPr id="3" name="Title 2">
+            <a:extLst>
+              <a:ext uri="{FF2B5EF4-FFF2-40B4-BE49-F238E27FC236}">
+                <a16:creationId xmlns:a16="http://schemas.microsoft.com/office/drawing/2014/main" id="{E8B67ED7-19C5-2D44-87D0-3DA202E461F0}"/>
+              </a:ext>
+            </a:extLst>
+          </p:cNvPr>
+          <p:cNvSpPr>
+            <a:spLocks noGrp="1"/>
+          </p:cNvSpPr>
+          <p:nvPr>
+            <p:ph type="title"/>
+          </p:nvPr>
+        </p:nvSpPr>
+        <p:spPr/>
+        <p:txBody>
+          <a:bodyPr/>
+          <a:lstStyle/>
+          <a:p>
+            <a:r>
+              <a:rPr lang="en-CN" dirty="0"/>
+              <a:t>Draco: Encoding</a:t>
+            </a:r>
+          </a:p>
+        </p:txBody>
+      </p:sp>
+      <p:pic>
+        <p:nvPicPr>
+          <p:cNvPr id="4" name="Picture 3" descr="A picture containing dark, black, lagomorph&#10;&#10;Description automatically generated">
+            <a:extLst>
+              <a:ext uri="{FF2B5EF4-FFF2-40B4-BE49-F238E27FC236}">
+                <a16:creationId xmlns:a16="http://schemas.microsoft.com/office/drawing/2014/main" id="{94F31DA3-4A7C-4442-9793-8FC212075BB9}"/>
+              </a:ext>
+            </a:extLst>
+          </p:cNvPr>
+          <p:cNvPicPr>
+            <a:picLocks noChangeAspect="1"/>
+          </p:cNvPicPr>
+          <p:nvPr/>
+        </p:nvPicPr>
+        <p:blipFill>
+          <a:blip r:embed="rId2"/>
+          <a:stretch>
+            <a:fillRect/>
+          </a:stretch>
+        </p:blipFill>
+        <p:spPr>
+          <a:xfrm>
+            <a:off x="-692725" y="1203546"/>
+            <a:ext cx="2880000" cy="2160000"/>
+          </a:xfrm>
+          <a:prstGeom prst="rect">
+            <a:avLst/>
+          </a:prstGeom>
+        </p:spPr>
+      </p:pic>
+      <p:sp>
+        <p:nvSpPr>
+          <p:cNvPr id="5" name="Rectangle 4">
+            <a:extLst>
+              <a:ext uri="{FF2B5EF4-FFF2-40B4-BE49-F238E27FC236}">
+                <a16:creationId xmlns:a16="http://schemas.microsoft.com/office/drawing/2014/main" id="{3FD048B9-93DE-6149-97F1-388E76B57836}"/>
+              </a:ext>
+            </a:extLst>
+          </p:cNvPr>
+          <p:cNvSpPr/>
+          <p:nvPr/>
+        </p:nvSpPr>
+        <p:spPr>
+          <a:xfrm>
+            <a:off x="1974854" y="1930706"/>
+            <a:ext cx="1620079" cy="705679"/>
+          </a:xfrm>
+          <a:prstGeom prst="rect">
+            <a:avLst/>
+          </a:prstGeom>
+          <a:noFill/>
+          <a:ln>
+            <a:solidFill>
+              <a:schemeClr val="tx1"/>
+            </a:solidFill>
+          </a:ln>
+        </p:spPr>
+        <p:style>
+          <a:lnRef idx="2">
+            <a:schemeClr val="accent1">
+              <a:shade val="50000"/>
+            </a:schemeClr>
+          </a:lnRef>
+          <a:fillRef idx="1">
+            <a:schemeClr val="accent1"/>
+          </a:fillRef>
+          <a:effectRef idx="0">
+            <a:schemeClr val="accent1"/>
+          </a:effectRef>
+          <a:fontRef idx="minor">
+            <a:schemeClr val="lt1"/>
+          </a:fontRef>
+        </p:style>
+        <p:txBody>
+          <a:bodyPr rtlCol="0" anchor="ctr"/>
+          <a:lstStyle/>
+          <a:p>
+            <a:pPr algn="ctr"/>
+            <a:r>
+              <a:rPr lang="en-CN" dirty="0">
+                <a:solidFill>
+                  <a:schemeClr val="tx1"/>
+                </a:solidFill>
+              </a:rPr>
+              <a:t>Encoding Header</a:t>
+            </a:r>
+          </a:p>
+        </p:txBody>
+      </p:sp>
+      <p:sp>
+        <p:nvSpPr>
+          <p:cNvPr id="6" name="Rectangle 5">
+            <a:extLst>
+              <a:ext uri="{FF2B5EF4-FFF2-40B4-BE49-F238E27FC236}">
+                <a16:creationId xmlns:a16="http://schemas.microsoft.com/office/drawing/2014/main" id="{79D8C38F-41D2-CC42-BCE4-1606CECA13D9}"/>
+              </a:ext>
+            </a:extLst>
+          </p:cNvPr>
+          <p:cNvSpPr/>
+          <p:nvPr/>
+        </p:nvSpPr>
+        <p:spPr>
+          <a:xfrm>
+            <a:off x="4170791" y="1930706"/>
+            <a:ext cx="1620079" cy="705679"/>
+          </a:xfrm>
+          <a:prstGeom prst="rect">
+            <a:avLst/>
+          </a:prstGeom>
+          <a:noFill/>
+          <a:ln>
+            <a:solidFill>
+              <a:schemeClr val="tx1"/>
+            </a:solidFill>
+          </a:ln>
+        </p:spPr>
+        <p:style>
+          <a:lnRef idx="2">
+            <a:schemeClr val="accent1">
+              <a:shade val="50000"/>
+            </a:schemeClr>
+          </a:lnRef>
+          <a:fillRef idx="1">
+            <a:schemeClr val="accent1"/>
+          </a:fillRef>
+          <a:effectRef idx="0">
+            <a:schemeClr val="accent1"/>
+          </a:effectRef>
+          <a:fontRef idx="minor">
+            <a:schemeClr val="lt1"/>
+          </a:fontRef>
+        </p:style>
+        <p:txBody>
+          <a:bodyPr rtlCol="0" anchor="ctr"/>
+          <a:lstStyle/>
+          <a:p>
+            <a:pPr algn="ctr"/>
+            <a:r>
+              <a:rPr lang="en-CN" dirty="0">
+                <a:solidFill>
+                  <a:schemeClr val="tx1"/>
+                </a:solidFill>
+              </a:rPr>
+              <a:t>Mesh</a:t>
+            </a:r>
+          </a:p>
+          <a:p>
+            <a:pPr algn="ctr"/>
+            <a:r>
+              <a:rPr lang="en-CN" dirty="0">
+                <a:solidFill>
+                  <a:schemeClr val="tx1"/>
+                </a:solidFill>
+              </a:rPr>
+              <a:t>Optimization</a:t>
+            </a:r>
+          </a:p>
+        </p:txBody>
+      </p:sp>
+      <p:cxnSp>
+        <p:nvCxnSpPr>
+          <p:cNvPr id="7" name="Straight Arrow Connector 6">
+            <a:extLst>
+              <a:ext uri="{FF2B5EF4-FFF2-40B4-BE49-F238E27FC236}">
+                <a16:creationId xmlns:a16="http://schemas.microsoft.com/office/drawing/2014/main" id="{4A4F96E9-3BCE-1D4C-9694-CA45D56329BA}"/>
+              </a:ext>
+            </a:extLst>
+          </p:cNvPr>
+          <p:cNvCxnSpPr>
+            <a:cxnSpLocks/>
+            <a:stCxn id="5" idx="3"/>
+            <a:endCxn id="6" idx="1"/>
+          </p:cNvCxnSpPr>
+          <p:nvPr/>
+        </p:nvCxnSpPr>
+        <p:spPr>
+          <a:xfrm>
+            <a:off x="3594933" y="2283546"/>
+            <a:ext cx="575858" cy="0"/>
+          </a:xfrm>
+          <a:prstGeom prst="straightConnector1">
+            <a:avLst/>
+          </a:prstGeom>
+          <a:ln>
+            <a:solidFill>
+              <a:schemeClr val="tx1"/>
+            </a:solidFill>
+            <a:tailEnd type="triangle"/>
+          </a:ln>
+        </p:spPr>
+        <p:style>
+          <a:lnRef idx="1">
+            <a:schemeClr val="accent1"/>
+          </a:lnRef>
+          <a:fillRef idx="0">
+            <a:schemeClr val="accent1"/>
+          </a:fillRef>
+          <a:effectRef idx="0">
+            <a:schemeClr val="accent1"/>
+          </a:effectRef>
+          <a:fontRef idx="minor">
+            <a:schemeClr val="tx1"/>
+          </a:fontRef>
+        </p:style>
+      </p:cxnSp>
+      <p:cxnSp>
+        <p:nvCxnSpPr>
+          <p:cNvPr id="8" name="Straight Arrow Connector 7">
+            <a:extLst>
+              <a:ext uri="{FF2B5EF4-FFF2-40B4-BE49-F238E27FC236}">
+                <a16:creationId xmlns:a16="http://schemas.microsoft.com/office/drawing/2014/main" id="{377796E4-500B-6C42-954E-B1D479CDB3C5}"/>
+              </a:ext>
+            </a:extLst>
+          </p:cNvPr>
+          <p:cNvCxnSpPr>
+            <a:cxnSpLocks/>
+          </p:cNvCxnSpPr>
+          <p:nvPr/>
+        </p:nvCxnSpPr>
+        <p:spPr>
+          <a:xfrm>
+            <a:off x="1296140" y="2283545"/>
+            <a:ext cx="683324" cy="0"/>
+          </a:xfrm>
+          <a:prstGeom prst="straightConnector1">
+            <a:avLst/>
+          </a:prstGeom>
+          <a:ln>
+            <a:solidFill>
+              <a:schemeClr val="tx1"/>
+            </a:solidFill>
+            <a:tailEnd type="triangle"/>
+          </a:ln>
+        </p:spPr>
+        <p:style>
+          <a:lnRef idx="1">
+            <a:schemeClr val="accent1"/>
+          </a:lnRef>
+          <a:fillRef idx="0">
+            <a:schemeClr val="accent1"/>
+          </a:fillRef>
+          <a:effectRef idx="0">
+            <a:schemeClr val="accent1"/>
+          </a:effectRef>
+          <a:fontRef idx="minor">
+            <a:schemeClr val="tx1"/>
+          </a:fontRef>
+        </p:style>
+      </p:cxnSp>
+      <p:cxnSp>
+        <p:nvCxnSpPr>
+          <p:cNvPr id="9" name="Straight Arrow Connector 8">
+            <a:extLst>
+              <a:ext uri="{FF2B5EF4-FFF2-40B4-BE49-F238E27FC236}">
+                <a16:creationId xmlns:a16="http://schemas.microsoft.com/office/drawing/2014/main" id="{4F4B0FD7-51CD-CB43-92B3-3D676FF6CA63}"/>
+              </a:ext>
+            </a:extLst>
+          </p:cNvPr>
+          <p:cNvCxnSpPr/>
+          <p:nvPr/>
+        </p:nvCxnSpPr>
+        <p:spPr>
+          <a:xfrm flipV="1">
+            <a:off x="5790870" y="2281981"/>
+            <a:ext cx="523865" cy="1564"/>
+          </a:xfrm>
+          <a:prstGeom prst="straightConnector1">
+            <a:avLst/>
+          </a:prstGeom>
+          <a:ln>
+            <a:solidFill>
+              <a:schemeClr val="tx1"/>
+            </a:solidFill>
+            <a:tailEnd type="triangle"/>
+          </a:ln>
+        </p:spPr>
+        <p:style>
+          <a:lnRef idx="1">
+            <a:schemeClr val="accent1"/>
+          </a:lnRef>
+          <a:fillRef idx="0">
+            <a:schemeClr val="accent1"/>
+          </a:fillRef>
+          <a:effectRef idx="0">
+            <a:schemeClr val="accent1"/>
+          </a:effectRef>
+          <a:fontRef idx="minor">
+            <a:schemeClr val="tx1"/>
+          </a:fontRef>
+        </p:style>
+      </p:cxnSp>
+      <p:sp>
+        <p:nvSpPr>
+          <p:cNvPr id="11" name="Rectangle 10">
+            <a:extLst>
+              <a:ext uri="{FF2B5EF4-FFF2-40B4-BE49-F238E27FC236}">
+                <a16:creationId xmlns:a16="http://schemas.microsoft.com/office/drawing/2014/main" id="{6D4E82FA-E504-094B-8919-C04E2C867C55}"/>
+              </a:ext>
+            </a:extLst>
+          </p:cNvPr>
+          <p:cNvSpPr/>
+          <p:nvPr/>
+        </p:nvSpPr>
+        <p:spPr>
+          <a:xfrm>
+            <a:off x="6310125" y="1929141"/>
+            <a:ext cx="1620079" cy="705679"/>
+          </a:xfrm>
+          <a:prstGeom prst="rect">
+            <a:avLst/>
+          </a:prstGeom>
+          <a:noFill/>
+          <a:ln>
+            <a:solidFill>
+              <a:schemeClr val="tx1"/>
+            </a:solidFill>
+          </a:ln>
+        </p:spPr>
+        <p:style>
+          <a:lnRef idx="2">
+            <a:schemeClr val="accent1">
+              <a:shade val="50000"/>
+            </a:schemeClr>
+          </a:lnRef>
+          <a:fillRef idx="1">
+            <a:schemeClr val="accent1"/>
+          </a:fillRef>
+          <a:effectRef idx="0">
+            <a:schemeClr val="accent1"/>
+          </a:effectRef>
+          <a:fontRef idx="minor">
+            <a:schemeClr val="lt1"/>
+          </a:fontRef>
+        </p:style>
+        <p:txBody>
+          <a:bodyPr rtlCol="0" anchor="ctr"/>
+          <a:lstStyle/>
+          <a:p>
+            <a:pPr algn="ctr"/>
+            <a:r>
+              <a:rPr lang="en-CN" dirty="0">
+                <a:solidFill>
+                  <a:schemeClr val="tx1"/>
+                </a:solidFill>
+              </a:rPr>
+              <a:t>Encoding Connectivity</a:t>
+            </a:r>
+          </a:p>
+        </p:txBody>
+      </p:sp>
+      <p:sp>
+        <p:nvSpPr>
+          <p:cNvPr id="12" name="Rectangle 11">
+            <a:extLst>
+              <a:ext uri="{FF2B5EF4-FFF2-40B4-BE49-F238E27FC236}">
+                <a16:creationId xmlns:a16="http://schemas.microsoft.com/office/drawing/2014/main" id="{FE7C36D9-CC9D-8945-9CCB-CE31E27EA76E}"/>
+              </a:ext>
+            </a:extLst>
+          </p:cNvPr>
+          <p:cNvSpPr/>
+          <p:nvPr/>
+        </p:nvSpPr>
+        <p:spPr>
+          <a:xfrm>
+            <a:off x="8449459" y="1929141"/>
+            <a:ext cx="1620079" cy="705679"/>
+          </a:xfrm>
+          <a:prstGeom prst="rect">
+            <a:avLst/>
+          </a:prstGeom>
+          <a:noFill/>
+          <a:ln>
+            <a:solidFill>
+              <a:schemeClr val="tx1"/>
+            </a:solidFill>
+          </a:ln>
+        </p:spPr>
+        <p:style>
+          <a:lnRef idx="2">
+            <a:schemeClr val="accent1">
+              <a:shade val="50000"/>
+            </a:schemeClr>
+          </a:lnRef>
+          <a:fillRef idx="1">
+            <a:schemeClr val="accent1"/>
+          </a:fillRef>
+          <a:effectRef idx="0">
+            <a:schemeClr val="accent1"/>
+          </a:effectRef>
+          <a:fontRef idx="minor">
+            <a:schemeClr val="lt1"/>
+          </a:fontRef>
+        </p:style>
+        <p:txBody>
+          <a:bodyPr rtlCol="0" anchor="ctr"/>
+          <a:lstStyle/>
+          <a:p>
+            <a:pPr algn="ctr"/>
+            <a:r>
+              <a:rPr lang="en-CN" dirty="0">
+                <a:solidFill>
+                  <a:schemeClr val="tx1"/>
+                </a:solidFill>
+              </a:rPr>
+              <a:t>Encoding Attributes</a:t>
+            </a:r>
+          </a:p>
+        </p:txBody>
+      </p:sp>
+      <p:cxnSp>
+        <p:nvCxnSpPr>
+          <p:cNvPr id="13" name="Straight Arrow Connector 12">
+            <a:extLst>
+              <a:ext uri="{FF2B5EF4-FFF2-40B4-BE49-F238E27FC236}">
+                <a16:creationId xmlns:a16="http://schemas.microsoft.com/office/drawing/2014/main" id="{54C9B3FE-C50B-9743-8F72-1BDD28397856}"/>
+              </a:ext>
+            </a:extLst>
+          </p:cNvPr>
+          <p:cNvCxnSpPr>
+            <a:cxnSpLocks/>
+            <a:stCxn id="11" idx="3"/>
+            <a:endCxn id="12" idx="1"/>
+          </p:cNvCxnSpPr>
+          <p:nvPr/>
+        </p:nvCxnSpPr>
+        <p:spPr>
+          <a:xfrm>
+            <a:off x="7930204" y="2281981"/>
+            <a:ext cx="519255" cy="0"/>
+          </a:xfrm>
+          <a:prstGeom prst="straightConnector1">
+            <a:avLst/>
+          </a:prstGeom>
+          <a:ln>
+            <a:solidFill>
+              <a:schemeClr val="tx1"/>
+            </a:solidFill>
+            <a:tailEnd type="triangle"/>
+          </a:ln>
+        </p:spPr>
+        <p:style>
+          <a:lnRef idx="1">
+            <a:schemeClr val="accent1"/>
+          </a:lnRef>
+          <a:fillRef idx="0">
+            <a:schemeClr val="accent1"/>
+          </a:fillRef>
+          <a:effectRef idx="0">
+            <a:schemeClr val="accent1"/>
+          </a:effectRef>
+          <a:fontRef idx="minor">
+            <a:schemeClr val="tx1"/>
+          </a:fontRef>
+        </p:style>
+      </p:cxnSp>
       <p:pic>
         <p:nvPicPr>
           <p:cNvPr id="19" name="Picture 18">
@@ -2358,7 +3867,7 @@
 </p:sld>
 </file>
 
-<file path=ppt/slides/slide11.xml><?xml version="1.0" encoding="utf-8"?>
+<file path=ppt/slides/slide12.xml><?xml version="1.0" encoding="utf-8"?>
 <p:sld xmlns:a="http://schemas.openxmlformats.org/drawingml/2006/main" xmlns:r="http://schemas.openxmlformats.org/officeDocument/2006/relationships" xmlns:p="http://schemas.openxmlformats.org/presentationml/2006/main">
   <p:cSld>
     <p:spTree>
@@ -16675,7 +18184,7 @@
 </p:sld>
 </file>
 
-<file path=ppt/slides/slide12.xml><?xml version="1.0" encoding="utf-8"?>
+<file path=ppt/slides/slide13.xml><?xml version="1.0" encoding="utf-8"?>
 <p:sld xmlns:a="http://schemas.openxmlformats.org/drawingml/2006/main" xmlns:r="http://schemas.openxmlformats.org/officeDocument/2006/relationships" xmlns:p="http://schemas.openxmlformats.org/presentationml/2006/main">
   <p:cSld>
     <p:spTree>
@@ -19376,8 +20885,8 @@
           </a:fontRef>
         </p:style>
       </p:cxnSp>
-      <mc:AlternateContent xmlns:mc="http://schemas.openxmlformats.org/markup-compatibility/2006">
-        <mc:Choice xmlns:a14="http://schemas.microsoft.com/office/drawing/2010/main" Requires="a14">
+      <mc:AlternateContent xmlns:mc="http://schemas.openxmlformats.org/markup-compatibility/2006" xmlns:a14="http://schemas.microsoft.com/office/drawing/2010/main">
+        <mc:Choice Requires="a14">
           <p:sp>
             <p:nvSpPr>
               <p:cNvPr id="8" name="TextBox 7">
@@ -19443,7 +20952,7 @@
             </p:txBody>
           </p:sp>
         </mc:Choice>
-        <mc:Fallback>
+        <mc:Fallback xmlns="">
           <p:sp>
             <p:nvSpPr>
               <p:cNvPr id="8" name="TextBox 7">
@@ -19493,8 +21002,8 @@
           </p:sp>
         </mc:Fallback>
       </mc:AlternateContent>
-      <mc:AlternateContent xmlns:mc="http://schemas.openxmlformats.org/markup-compatibility/2006">
-        <mc:Choice xmlns:a14="http://schemas.microsoft.com/office/drawing/2010/main" Requires="a14">
+      <mc:AlternateContent xmlns:mc="http://schemas.openxmlformats.org/markup-compatibility/2006" xmlns:a14="http://schemas.microsoft.com/office/drawing/2010/main">
+        <mc:Choice Requires="a14">
           <p:sp>
             <p:nvSpPr>
               <p:cNvPr id="9" name="TextBox 8">
@@ -19574,7 +21083,7 @@
             </p:txBody>
           </p:sp>
         </mc:Choice>
-        <mc:Fallback>
+        <mc:Fallback xmlns="">
           <p:sp>
             <p:nvSpPr>
               <p:cNvPr id="9" name="TextBox 8">
@@ -19675,8 +21184,8 @@
           </a:p>
         </p:txBody>
       </p:sp>
-      <mc:AlternateContent xmlns:mc="http://schemas.openxmlformats.org/markup-compatibility/2006">
-        <mc:Choice xmlns:a14="http://schemas.microsoft.com/office/drawing/2010/main" Requires="a14">
+      <mc:AlternateContent xmlns:mc="http://schemas.openxmlformats.org/markup-compatibility/2006" xmlns:a14="http://schemas.microsoft.com/office/drawing/2010/main">
+        <mc:Choice Requires="a14">
           <p:sp>
             <p:nvSpPr>
               <p:cNvPr id="11" name="TextBox 10">
@@ -19766,7 +21275,7 @@
             </p:txBody>
           </p:sp>
         </mc:Choice>
-        <mc:Fallback>
+        <mc:Fallback xmlns="">
           <p:sp>
             <p:nvSpPr>
               <p:cNvPr id="11" name="TextBox 10">
@@ -19864,8 +21373,8 @@
           </a:p>
         </p:txBody>
       </p:sp>
-      <mc:AlternateContent xmlns:mc="http://schemas.openxmlformats.org/markup-compatibility/2006">
-        <mc:Choice xmlns:a14="http://schemas.microsoft.com/office/drawing/2010/main" Requires="a14">
+      <mc:AlternateContent xmlns:mc="http://schemas.openxmlformats.org/markup-compatibility/2006" xmlns:a14="http://schemas.microsoft.com/office/drawing/2010/main">
+        <mc:Choice Requires="a14">
           <p:sp>
             <p:nvSpPr>
               <p:cNvPr id="13" name="TextBox 12">
@@ -19956,7 +21465,7 @@
             </p:txBody>
           </p:sp>
         </mc:Choice>
-        <mc:Fallback>
+        <mc:Fallback xmlns="">
           <p:sp>
             <p:nvSpPr>
               <p:cNvPr id="13" name="TextBox 12">
@@ -20392,8 +21901,8 @@
           </a:prstGeom>
         </p:spPr>
       </p:pic>
-      <mc:AlternateContent xmlns:mc="http://schemas.openxmlformats.org/markup-compatibility/2006">
-        <mc:Choice xmlns:a14="http://schemas.microsoft.com/office/drawing/2010/main" Requires="a14">
+      <mc:AlternateContent xmlns:mc="http://schemas.openxmlformats.org/markup-compatibility/2006" xmlns:a14="http://schemas.microsoft.com/office/drawing/2010/main">
+        <mc:Choice Requires="a14">
           <p:sp>
             <p:nvSpPr>
               <p:cNvPr id="8" name="TextBox 7">
@@ -20459,7 +21968,7 @@
             </p:txBody>
           </p:sp>
         </mc:Choice>
-        <mc:Fallback>
+        <mc:Fallback xmlns="">
           <p:sp>
             <p:nvSpPr>
               <p:cNvPr id="8" name="TextBox 7">
@@ -20509,8 +22018,8 @@
           </p:sp>
         </mc:Fallback>
       </mc:AlternateContent>
-      <mc:AlternateContent xmlns:mc="http://schemas.openxmlformats.org/markup-compatibility/2006">
-        <mc:Choice xmlns:a14="http://schemas.microsoft.com/office/drawing/2010/main" Requires="a14">
+      <mc:AlternateContent xmlns:mc="http://schemas.openxmlformats.org/markup-compatibility/2006" xmlns:a14="http://schemas.microsoft.com/office/drawing/2010/main">
+        <mc:Choice Requires="a14">
           <p:sp>
             <p:nvSpPr>
               <p:cNvPr id="11" name="TextBox 10">
@@ -20600,7 +22109,7 @@
             </p:txBody>
           </p:sp>
         </mc:Choice>
-        <mc:Fallback>
+        <mc:Fallback xmlns="">
           <p:sp>
             <p:nvSpPr>
               <p:cNvPr id="11" name="TextBox 10">
@@ -20926,8 +22435,8 @@
           </a:prstGeom>
         </p:spPr>
       </p:pic>
-      <mc:AlternateContent xmlns:mc="http://schemas.openxmlformats.org/markup-compatibility/2006">
-        <mc:Choice xmlns:a14="http://schemas.microsoft.com/office/drawing/2010/main" Requires="a14">
+      <mc:AlternateContent xmlns:mc="http://schemas.openxmlformats.org/markup-compatibility/2006" xmlns:a14="http://schemas.microsoft.com/office/drawing/2010/main">
+        <mc:Choice Requires="a14">
           <p:sp>
             <p:nvSpPr>
               <p:cNvPr id="9" name="TextBox 8">
@@ -20991,7 +22500,7 @@
                 </a14:m>
                 <a:r>
                   <a:rPr lang="en-CN" dirty="0"/>
-                  <a:t> per 6 bits to form strides</a:t>
+                  <a:t> per 7 bits to form strides</a:t>
                 </a:r>
               </a:p>
               <a:p>
@@ -21007,7 +22516,7 @@
             </p:txBody>
           </p:sp>
         </mc:Choice>
-        <mc:Fallback>
+        <mc:Fallback xmlns="">
           <p:sp>
             <p:nvSpPr>
               <p:cNvPr id="9" name="TextBox 8">
@@ -21057,8 +22566,8 @@
           </p:sp>
         </mc:Fallback>
       </mc:AlternateContent>
-      <mc:AlternateContent xmlns:mc="http://schemas.openxmlformats.org/markup-compatibility/2006">
-        <mc:Choice xmlns:a14="http://schemas.microsoft.com/office/drawing/2010/main" Requires="a14">
+      <mc:AlternateContent xmlns:mc="http://schemas.openxmlformats.org/markup-compatibility/2006" xmlns:a14="http://schemas.microsoft.com/office/drawing/2010/main">
+        <mc:Choice Requires="a14">
           <p:sp>
             <p:nvSpPr>
               <p:cNvPr id="11" name="TextBox 10">
@@ -21148,7 +22657,7 @@
             </p:txBody>
           </p:sp>
         </mc:Choice>
-        <mc:Fallback>
+        <mc:Fallback xmlns="">
           <p:sp>
             <p:nvSpPr>
               <p:cNvPr id="11" name="TextBox 10">
@@ -21380,8 +22889,8 @@
           </a:p>
         </p:txBody>
       </p:sp>
-      <mc:AlternateContent xmlns:mc="http://schemas.openxmlformats.org/markup-compatibility/2006">
-        <mc:Choice xmlns:a14="http://schemas.microsoft.com/office/drawing/2010/main" Requires="a14">
+      <mc:AlternateContent xmlns:mc="http://schemas.openxmlformats.org/markup-compatibility/2006" xmlns:a14="http://schemas.microsoft.com/office/drawing/2010/main">
+        <mc:Choice Requires="a14">
           <p:sp>
             <p:nvSpPr>
               <p:cNvPr id="11" name="TextBox 10">
@@ -21471,7 +22980,7 @@
             </p:txBody>
           </p:sp>
         </mc:Choice>
-        <mc:Fallback>
+        <mc:Fallback xmlns="">
           <p:sp>
             <p:nvSpPr>
               <p:cNvPr id="11" name="TextBox 10">
@@ -21713,8 +23222,8 @@
           <a:chExt cx="0" cy="0"/>
         </a:xfrm>
       </p:grpSpPr>
-      <mc:AlternateContent xmlns:mc="http://schemas.openxmlformats.org/markup-compatibility/2006">
-        <mc:Choice xmlns:a14="http://schemas.microsoft.com/office/drawing/2010/main" Requires="a14">
+      <mc:AlternateContent xmlns:mc="http://schemas.openxmlformats.org/markup-compatibility/2006" xmlns:a14="http://schemas.microsoft.com/office/drawing/2010/main">
+        <mc:Choice Requires="a14">
           <p:sp>
             <p:nvSpPr>
               <p:cNvPr id="13" name="TextBox 12">
@@ -21805,7 +23314,7 @@
             </p:txBody>
           </p:sp>
         </mc:Choice>
-        <mc:Fallback>
+        <mc:Fallback xmlns="">
           <p:sp>
             <p:nvSpPr>
               <p:cNvPr id="13" name="TextBox 12">
@@ -21853,8 +23362,8 @@
           </p:sp>
         </mc:Fallback>
       </mc:AlternateContent>
-      <mc:AlternateContent xmlns:mc="http://schemas.openxmlformats.org/markup-compatibility/2006">
-        <mc:Choice xmlns:a14="http://schemas.microsoft.com/office/drawing/2010/main" Requires="a14">
+      <mc:AlternateContent xmlns:mc="http://schemas.openxmlformats.org/markup-compatibility/2006" xmlns:a14="http://schemas.microsoft.com/office/drawing/2010/main">
+        <mc:Choice Requires="a14">
           <p:sp>
             <p:nvSpPr>
               <p:cNvPr id="14" name="TextBox 13">
@@ -22068,14 +23577,7 @@
                       <a:rPr lang="en-US" b="0" i="1" smtClean="0">
                         <a:latin typeface="Cambria Math" panose="02040503050406030204" pitchFamily="18" charset="0"/>
                       </a:rPr>
-                      <m:t>′∈[0,</m:t>
-                    </m:r>
-                    <m:r>
-                      <a:rPr lang="en-US" b="0" i="1" smtClean="0">
-                        <a:latin typeface="Cambria Math" panose="02040503050406030204" pitchFamily="18" charset="0"/>
-                        <a:ea typeface="Cambria Math" panose="02040503050406030204" pitchFamily="18" charset="0"/>
-                      </a:rPr>
-                      <m:t>1]</m:t>
+                      <m:t>′∈[0,1]</m:t>
                     </m:r>
                   </m:oMath>
                 </a14:m>
@@ -22352,6 +23854,7 @@
                 </a:r>
               </a:p>
               <a:p>
+                <a:pPr/>
                 <a14:m>
                   <m:oMathPara xmlns:m="http://schemas.openxmlformats.org/officeDocument/2006/math">
                     <m:oMathParaPr>
@@ -22503,7 +24006,7 @@
             </p:txBody>
           </p:sp>
         </mc:Choice>
-        <mc:Fallback>
+        <mc:Fallback xmlns="">
           <p:sp>
             <p:nvSpPr>
               <p:cNvPr id="14" name="TextBox 13">
@@ -22848,8 +24351,8 @@
           </a:p>
         </p:txBody>
       </p:sp>
-      <mc:AlternateContent xmlns:mc="http://schemas.openxmlformats.org/markup-compatibility/2006">
-        <mc:Choice xmlns:a14="http://schemas.microsoft.com/office/drawing/2010/main" Requires="a14">
+      <mc:AlternateContent xmlns:mc="http://schemas.openxmlformats.org/markup-compatibility/2006" xmlns:a14="http://schemas.microsoft.com/office/drawing/2010/main">
+        <mc:Choice Requires="a14">
           <p:sp>
             <p:nvSpPr>
               <p:cNvPr id="29" name="TextBox 28">
@@ -22929,7 +24432,7 @@
             </p:txBody>
           </p:sp>
         </mc:Choice>
-        <mc:Fallback>
+        <mc:Fallback xmlns="">
           <p:sp>
             <p:nvSpPr>
               <p:cNvPr id="29" name="TextBox 28">
@@ -22977,8 +24480,8 @@
           </p:sp>
         </mc:Fallback>
       </mc:AlternateContent>
-      <mc:AlternateContent xmlns:mc="http://schemas.openxmlformats.org/markup-compatibility/2006">
-        <mc:Choice xmlns:a14="http://schemas.microsoft.com/office/drawing/2010/main" Requires="a14">
+      <mc:AlternateContent xmlns:mc="http://schemas.openxmlformats.org/markup-compatibility/2006" xmlns:a14="http://schemas.microsoft.com/office/drawing/2010/main">
+        <mc:Choice Requires="a14">
           <p:sp>
             <p:nvSpPr>
               <p:cNvPr id="30" name="TextBox 29">
@@ -23058,7 +24561,7 @@
             </p:txBody>
           </p:sp>
         </mc:Choice>
-        <mc:Fallback>
+        <mc:Fallback xmlns="">
           <p:sp>
             <p:nvSpPr>
               <p:cNvPr id="30" name="TextBox 29">
@@ -23106,8 +24609,8 @@
           </p:sp>
         </mc:Fallback>
       </mc:AlternateContent>
-      <mc:AlternateContent xmlns:mc="http://schemas.openxmlformats.org/markup-compatibility/2006">
-        <mc:Choice xmlns:a14="http://schemas.microsoft.com/office/drawing/2010/main" Requires="a14">
+      <mc:AlternateContent xmlns:mc="http://schemas.openxmlformats.org/markup-compatibility/2006" xmlns:a14="http://schemas.microsoft.com/office/drawing/2010/main">
+        <mc:Choice Requires="a14">
           <p:sp>
             <p:nvSpPr>
               <p:cNvPr id="31" name="TextBox 30">
@@ -23187,7 +24690,7 @@
             </p:txBody>
           </p:sp>
         </mc:Choice>
-        <mc:Fallback>
+        <mc:Fallback xmlns="">
           <p:sp>
             <p:nvSpPr>
               <p:cNvPr id="31" name="TextBox 30">
@@ -23235,8 +24738,8 @@
           </p:sp>
         </mc:Fallback>
       </mc:AlternateContent>
-      <mc:AlternateContent xmlns:mc="http://schemas.openxmlformats.org/markup-compatibility/2006">
-        <mc:Choice xmlns:a14="http://schemas.microsoft.com/office/drawing/2010/main" Requires="a14">
+      <mc:AlternateContent xmlns:mc="http://schemas.openxmlformats.org/markup-compatibility/2006" xmlns:a14="http://schemas.microsoft.com/office/drawing/2010/main">
+        <mc:Choice Requires="a14">
           <p:sp>
             <p:nvSpPr>
               <p:cNvPr id="32" name="TextBox 31">
@@ -23316,7 +24819,7 @@
             </p:txBody>
           </p:sp>
         </mc:Choice>
-        <mc:Fallback>
+        <mc:Fallback xmlns="">
           <p:sp>
             <p:nvSpPr>
               <p:cNvPr id="32" name="TextBox 31">
@@ -23364,8 +24867,8 @@
           </p:sp>
         </mc:Fallback>
       </mc:AlternateContent>
-      <mc:AlternateContent xmlns:mc="http://schemas.openxmlformats.org/markup-compatibility/2006">
-        <mc:Choice xmlns:a14="http://schemas.microsoft.com/office/drawing/2010/main" Requires="a14">
+      <mc:AlternateContent xmlns:mc="http://schemas.openxmlformats.org/markup-compatibility/2006" xmlns:a14="http://schemas.microsoft.com/office/drawing/2010/main">
+        <mc:Choice Requires="a14">
           <p:sp>
             <p:nvSpPr>
               <p:cNvPr id="33" name="TextBox 32">
@@ -23445,7 +24948,7 @@
             </p:txBody>
           </p:sp>
         </mc:Choice>
-        <mc:Fallback>
+        <mc:Fallback xmlns="">
           <p:sp>
             <p:nvSpPr>
               <p:cNvPr id="33" name="TextBox 32">
@@ -23723,8 +25226,8 @@
           </a:p>
         </p:txBody>
       </p:sp>
-      <mc:AlternateContent xmlns:mc="http://schemas.openxmlformats.org/markup-compatibility/2006">
-        <mc:Choice xmlns:a14="http://schemas.microsoft.com/office/drawing/2010/main" Requires="a14">
+      <mc:AlternateContent xmlns:mc="http://schemas.openxmlformats.org/markup-compatibility/2006" xmlns:a14="http://schemas.microsoft.com/office/drawing/2010/main">
+        <mc:Choice Requires="a14">
           <p:sp>
             <p:nvSpPr>
               <p:cNvPr id="38" name="TextBox 37">
@@ -23802,7 +25305,7 @@
             </p:txBody>
           </p:sp>
         </mc:Choice>
-        <mc:Fallback>
+        <mc:Fallback xmlns="">
           <p:sp>
             <p:nvSpPr>
               <p:cNvPr id="38" name="TextBox 37">
@@ -23850,8 +25353,8 @@
           </p:sp>
         </mc:Fallback>
       </mc:AlternateContent>
-      <mc:AlternateContent xmlns:mc="http://schemas.openxmlformats.org/markup-compatibility/2006">
-        <mc:Choice xmlns:a14="http://schemas.microsoft.com/office/drawing/2010/main" Requires="a14">
+      <mc:AlternateContent xmlns:mc="http://schemas.openxmlformats.org/markup-compatibility/2006" xmlns:a14="http://schemas.microsoft.com/office/drawing/2010/main">
+        <mc:Choice Requires="a14">
           <p:sp>
             <p:nvSpPr>
               <p:cNvPr id="39" name="TextBox 38">
@@ -23929,7 +25432,7 @@
             </p:txBody>
           </p:sp>
         </mc:Choice>
-        <mc:Fallback>
+        <mc:Fallback xmlns="">
           <p:sp>
             <p:nvSpPr>
               <p:cNvPr id="39" name="TextBox 38">
@@ -23977,8 +25480,8 @@
           </p:sp>
         </mc:Fallback>
       </mc:AlternateContent>
-      <mc:AlternateContent xmlns:mc="http://schemas.openxmlformats.org/markup-compatibility/2006">
-        <mc:Choice xmlns:a14="http://schemas.microsoft.com/office/drawing/2010/main" Requires="a14">
+      <mc:AlternateContent xmlns:mc="http://schemas.openxmlformats.org/markup-compatibility/2006" xmlns:a14="http://schemas.microsoft.com/office/drawing/2010/main">
+        <mc:Choice Requires="a14">
           <p:sp>
             <p:nvSpPr>
               <p:cNvPr id="40" name="TextBox 39">
@@ -24056,7 +25559,7 @@
             </p:txBody>
           </p:sp>
         </mc:Choice>
-        <mc:Fallback>
+        <mc:Fallback xmlns="">
           <p:sp>
             <p:nvSpPr>
               <p:cNvPr id="40" name="TextBox 39">
@@ -24104,8 +25607,8 @@
           </p:sp>
         </mc:Fallback>
       </mc:AlternateContent>
-      <mc:AlternateContent xmlns:mc="http://schemas.openxmlformats.org/markup-compatibility/2006">
-        <mc:Choice xmlns:a14="http://schemas.microsoft.com/office/drawing/2010/main" Requires="a14">
+      <mc:AlternateContent xmlns:mc="http://schemas.openxmlformats.org/markup-compatibility/2006" xmlns:a14="http://schemas.microsoft.com/office/drawing/2010/main">
+        <mc:Choice Requires="a14">
           <p:sp>
             <p:nvSpPr>
               <p:cNvPr id="41" name="TextBox 40">
@@ -24183,7 +25686,7 @@
             </p:txBody>
           </p:sp>
         </mc:Choice>
-        <mc:Fallback>
+        <mc:Fallback xmlns="">
           <p:sp>
             <p:nvSpPr>
               <p:cNvPr id="41" name="TextBox 40">
@@ -24231,8 +25734,8 @@
           </p:sp>
         </mc:Fallback>
       </mc:AlternateContent>
-      <mc:AlternateContent xmlns:mc="http://schemas.openxmlformats.org/markup-compatibility/2006">
-        <mc:Choice xmlns:a14="http://schemas.microsoft.com/office/drawing/2010/main" Requires="a14">
+      <mc:AlternateContent xmlns:mc="http://schemas.openxmlformats.org/markup-compatibility/2006" xmlns:a14="http://schemas.microsoft.com/office/drawing/2010/main">
+        <mc:Choice Requires="a14">
           <p:sp>
             <p:nvSpPr>
               <p:cNvPr id="42" name="TextBox 41">
@@ -24310,7 +25813,7 @@
             </p:txBody>
           </p:sp>
         </mc:Choice>
-        <mc:Fallback>
+        <mc:Fallback xmlns="">
           <p:sp>
             <p:nvSpPr>
               <p:cNvPr id="42" name="TextBox 41">
@@ -24840,8 +26343,8 @@
           </a:fontRef>
         </p:style>
       </p:cxnSp>
-      <mc:AlternateContent xmlns:mc="http://schemas.openxmlformats.org/markup-compatibility/2006">
-        <mc:Choice xmlns:a14="http://schemas.microsoft.com/office/drawing/2010/main" Requires="a14">
+      <mc:AlternateContent xmlns:mc="http://schemas.openxmlformats.org/markup-compatibility/2006" xmlns:a14="http://schemas.microsoft.com/office/drawing/2010/main">
+        <mc:Choice Requires="a14">
           <p:sp>
             <p:nvSpPr>
               <p:cNvPr id="64" name="TextBox 63">
@@ -24900,7 +26403,7 @@
             </p:txBody>
           </p:sp>
         </mc:Choice>
-        <mc:Fallback>
+        <mc:Fallback xmlns="">
           <p:sp>
             <p:nvSpPr>
               <p:cNvPr id="64" name="TextBox 63">
@@ -25033,7 +26536,7 @@
         <p:spPr>
           <a:xfrm>
             <a:off x="379457" y="966639"/>
-            <a:ext cx="3392328" cy="646331"/>
+            <a:ext cx="3392328" cy="1200329"/>
           </a:xfrm>
           <a:prstGeom prst="rect">
             <a:avLst/>
@@ -25053,7 +26556,19 @@
           <a:p>
             <a:r>
               <a:rPr lang="en-CN" dirty="0"/>
-              <a:t>Connectivity Encoder</a:t>
+              <a:t>Connectivity Encoder – </a:t>
+            </a:r>
+            <a:r>
+              <a:rPr lang="en-CN" dirty="0">
+                <a:solidFill>
+                  <a:srgbClr val="0070C0"/>
+                </a:solidFill>
+              </a:rPr>
+              <a:t>EdgeBreaker</a:t>
+            </a:r>
+            <a:r>
+              <a:rPr lang="en-CN" dirty="0"/>
+              <a:t>算法</a:t>
             </a:r>
           </a:p>
           <a:p>
@@ -25062,15 +26577,32 @@
               <a:buChar char="•"/>
             </a:pPr>
             <a:r>
-              <a:rPr lang="en-CN"/>
-              <a:t>Unfamiliar with its theory</a:t>
+              <a:rPr lang="en-CN" dirty="0"/>
+              <a:t>核心思路是dfs</a:t>
             </a:r>
-            <a:endParaRPr lang="en-CN" dirty="0"/>
+            <a:r>
+              <a:rPr lang="zh-CN" altLang="en-US" dirty="0"/>
+              <a:t> </a:t>
+            </a:r>
+            <a:r>
+              <a:rPr lang="en-US" altLang="zh-CN" dirty="0"/>
+              <a:t>face</a:t>
+            </a:r>
+          </a:p>
+          <a:p>
+            <a:pPr marL="285750" indent="-285750">
+              <a:buFont typeface="Arial" panose="020B0604020202020204" pitchFamily="34" charset="0"/>
+              <a:buChar char="•"/>
+            </a:pPr>
+            <a:r>
+              <a:rPr lang="en-CN" dirty="0"/>
+              <a:t>传输过程传输的就是dfs序</a:t>
+            </a:r>
           </a:p>
         </p:txBody>
       </p:sp>
-      <mc:AlternateContent xmlns:mc="http://schemas.openxmlformats.org/markup-compatibility/2006">
-        <mc:Choice xmlns:a14="http://schemas.microsoft.com/office/drawing/2010/main" Requires="a14">
+      <mc:AlternateContent xmlns:mc="http://schemas.openxmlformats.org/markup-compatibility/2006" xmlns:a14="http://schemas.microsoft.com/office/drawing/2010/main">
+        <mc:Choice Requires="a14">
           <p:sp>
             <p:nvSpPr>
               <p:cNvPr id="13" name="TextBox 12">
@@ -25161,7 +26693,7 @@
             </p:txBody>
           </p:sp>
         </mc:Choice>
-        <mc:Fallback>
+        <mc:Fallback xmlns="">
           <p:sp>
             <p:nvSpPr>
               <p:cNvPr id="13" name="TextBox 12">
@@ -25209,10 +26741,2534 @@
           </p:sp>
         </mc:Fallback>
       </mc:AlternateContent>
+      <p:sp>
+        <p:nvSpPr>
+          <p:cNvPr id="4" name="Rectangle 3">
+            <a:extLst>
+              <a:ext uri="{FF2B5EF4-FFF2-40B4-BE49-F238E27FC236}">
+                <a16:creationId xmlns:a16="http://schemas.microsoft.com/office/drawing/2014/main" id="{2BE6E60A-997A-9744-8545-E0C531D16795}"/>
+              </a:ext>
+            </a:extLst>
+          </p:cNvPr>
+          <p:cNvSpPr/>
+          <p:nvPr/>
+        </p:nvSpPr>
+        <p:spPr>
+          <a:xfrm>
+            <a:off x="3687771" y="6663178"/>
+            <a:ext cx="857250" cy="194822"/>
+          </a:xfrm>
+          <a:prstGeom prst="rect">
+            <a:avLst/>
+          </a:prstGeom>
+          <a:solidFill>
+            <a:srgbClr val="CFE2F4"/>
+          </a:solidFill>
+          <a:ln>
+            <a:solidFill>
+              <a:schemeClr val="tx1"/>
+            </a:solidFill>
+          </a:ln>
+        </p:spPr>
+        <p:style>
+          <a:lnRef idx="2">
+            <a:schemeClr val="accent1">
+              <a:shade val="50000"/>
+            </a:schemeClr>
+          </a:lnRef>
+          <a:fillRef idx="1">
+            <a:schemeClr val="accent1"/>
+          </a:fillRef>
+          <a:effectRef idx="0">
+            <a:schemeClr val="accent1"/>
+          </a:effectRef>
+          <a:fontRef idx="minor">
+            <a:schemeClr val="lt1"/>
+          </a:fontRef>
+        </p:style>
+        <p:txBody>
+          <a:bodyPr rtlCol="0" anchor="ctr"/>
+          <a:lstStyle/>
+          <a:p>
+            <a:pPr algn="ctr"/>
+            <a:r>
+              <a:rPr lang="en-CN" sz="1200" dirty="0">
+                <a:solidFill>
+                  <a:schemeClr val="tx1"/>
+                </a:solidFill>
+              </a:rPr>
+              <a:t>Visited</a:t>
+            </a:r>
+          </a:p>
+        </p:txBody>
+      </p:sp>
+      <p:sp>
+        <p:nvSpPr>
+          <p:cNvPr id="5" name="Rectangle 4">
+            <a:extLst>
+              <a:ext uri="{FF2B5EF4-FFF2-40B4-BE49-F238E27FC236}">
+                <a16:creationId xmlns:a16="http://schemas.microsoft.com/office/drawing/2014/main" id="{6E6B7B81-C06F-584F-A777-6027A2088C99}"/>
+              </a:ext>
+            </a:extLst>
+          </p:cNvPr>
+          <p:cNvSpPr/>
+          <p:nvPr/>
+        </p:nvSpPr>
+        <p:spPr>
+          <a:xfrm>
+            <a:off x="7335122" y="6663178"/>
+            <a:ext cx="857250" cy="194822"/>
+          </a:xfrm>
+          <a:prstGeom prst="rect">
+            <a:avLst/>
+          </a:prstGeom>
+          <a:solidFill>
+            <a:schemeClr val="bg1"/>
+          </a:solidFill>
+          <a:ln>
+            <a:solidFill>
+              <a:schemeClr val="tx1"/>
+            </a:solidFill>
+          </a:ln>
+        </p:spPr>
+        <p:style>
+          <a:lnRef idx="2">
+            <a:schemeClr val="accent1">
+              <a:shade val="50000"/>
+            </a:schemeClr>
+          </a:lnRef>
+          <a:fillRef idx="1">
+            <a:schemeClr val="accent1"/>
+          </a:fillRef>
+          <a:effectRef idx="0">
+            <a:schemeClr val="accent1"/>
+          </a:effectRef>
+          <a:fontRef idx="minor">
+            <a:schemeClr val="lt1"/>
+          </a:fontRef>
+        </p:style>
+        <p:txBody>
+          <a:bodyPr rtlCol="0" anchor="ctr"/>
+          <a:lstStyle/>
+          <a:p>
+            <a:pPr algn="ctr"/>
+            <a:r>
+              <a:rPr lang="en-CN" sz="1200" dirty="0">
+                <a:solidFill>
+                  <a:schemeClr val="tx1"/>
+                </a:solidFill>
+              </a:rPr>
+              <a:t>Unvisited</a:t>
+            </a:r>
+          </a:p>
+        </p:txBody>
+      </p:sp>
+      <p:sp>
+        <p:nvSpPr>
+          <p:cNvPr id="6" name="Rectangle 5">
+            <a:extLst>
+              <a:ext uri="{FF2B5EF4-FFF2-40B4-BE49-F238E27FC236}">
+                <a16:creationId xmlns:a16="http://schemas.microsoft.com/office/drawing/2014/main" id="{DED28155-183B-FF4D-8068-8244B38A4BD6}"/>
+              </a:ext>
+            </a:extLst>
+          </p:cNvPr>
+          <p:cNvSpPr/>
+          <p:nvPr/>
+        </p:nvSpPr>
+        <p:spPr>
+          <a:xfrm>
+            <a:off x="5594170" y="6663178"/>
+            <a:ext cx="857250" cy="194822"/>
+          </a:xfrm>
+          <a:prstGeom prst="rect">
+            <a:avLst/>
+          </a:prstGeom>
+          <a:solidFill>
+            <a:srgbClr val="FFFF00"/>
+          </a:solidFill>
+          <a:ln>
+            <a:solidFill>
+              <a:schemeClr val="tx1"/>
+            </a:solidFill>
+          </a:ln>
+        </p:spPr>
+        <p:style>
+          <a:lnRef idx="2">
+            <a:schemeClr val="accent1">
+              <a:shade val="50000"/>
+            </a:schemeClr>
+          </a:lnRef>
+          <a:fillRef idx="1">
+            <a:schemeClr val="accent1"/>
+          </a:fillRef>
+          <a:effectRef idx="0">
+            <a:schemeClr val="accent1"/>
+          </a:effectRef>
+          <a:fontRef idx="minor">
+            <a:schemeClr val="lt1"/>
+          </a:fontRef>
+        </p:style>
+        <p:txBody>
+          <a:bodyPr rtlCol="0" anchor="ctr"/>
+          <a:lstStyle/>
+          <a:p>
+            <a:pPr algn="ctr"/>
+            <a:r>
+              <a:rPr lang="en-CN" sz="1200" dirty="0">
+                <a:solidFill>
+                  <a:schemeClr val="tx1"/>
+                </a:solidFill>
+              </a:rPr>
+              <a:t>Current</a:t>
+            </a:r>
+          </a:p>
+        </p:txBody>
+      </p:sp>
+      <mc:AlternateContent xmlns:mc="http://schemas.openxmlformats.org/markup-compatibility/2006" xmlns:a14="http://schemas.microsoft.com/office/drawing/2010/main">
+        <mc:Choice Requires="a14">
+          <p:sp>
+            <p:nvSpPr>
+              <p:cNvPr id="7" name="TextBox 6">
+                <a:extLst>
+                  <a:ext uri="{FF2B5EF4-FFF2-40B4-BE49-F238E27FC236}">
+                    <a16:creationId xmlns:a16="http://schemas.microsoft.com/office/drawing/2014/main" id="{9DECF535-D178-F847-ACFF-1001B6DC8C79}"/>
+                  </a:ext>
+                </a:extLst>
+              </p:cNvPr>
+              <p:cNvSpPr txBox="1"/>
+              <p:nvPr/>
+            </p:nvSpPr>
+            <p:spPr>
+              <a:xfrm>
+                <a:off x="2054392" y="2767195"/>
+                <a:ext cx="283026" cy="276999"/>
+              </a:xfrm>
+              <a:prstGeom prst="rect">
+                <a:avLst/>
+              </a:prstGeom>
+              <a:noFill/>
+            </p:spPr>
+            <p:txBody>
+              <a:bodyPr wrap="none" lIns="0" tIns="0" rIns="0" bIns="0" rtlCol="0">
+                <a:spAutoFit/>
+              </a:bodyPr>
+              <a:lstStyle/>
+              <a:p>
+                <a:pPr/>
+                <a14:m>
+                  <m:oMathPara xmlns:m="http://schemas.openxmlformats.org/officeDocument/2006/math">
+                    <m:oMathParaPr>
+                      <m:jc m:val="centerGroup"/>
+                    </m:oMathParaPr>
+                    <m:oMath xmlns:m="http://schemas.openxmlformats.org/officeDocument/2006/math">
+                      <m:sSub>
+                        <m:sSubPr>
+                          <m:ctrlPr>
+                            <a:rPr lang="en-US" b="0" i="1" smtClean="0">
+                              <a:latin typeface="Cambria Math" panose="02040503050406030204" pitchFamily="18" charset="0"/>
+                            </a:rPr>
+                          </m:ctrlPr>
+                        </m:sSubPr>
+                        <m:e>
+                          <m:r>
+                            <a:rPr lang="en-US" b="0" i="1" smtClean="0">
+                              <a:latin typeface="Cambria Math" panose="02040503050406030204" pitchFamily="18" charset="0"/>
+                            </a:rPr>
+                            <m:t>𝑣</m:t>
+                          </m:r>
+                        </m:e>
+                        <m:sub>
+                          <m:r>
+                            <a:rPr lang="en-US" b="0" i="1" smtClean="0">
+                              <a:latin typeface="Cambria Math" panose="02040503050406030204" pitchFamily="18" charset="0"/>
+                            </a:rPr>
+                            <m:t>0</m:t>
+                          </m:r>
+                        </m:sub>
+                      </m:sSub>
+                    </m:oMath>
+                  </m:oMathPara>
+                </a14:m>
+                <a:endParaRPr lang="en-CN" dirty="0"/>
+              </a:p>
+            </p:txBody>
+          </p:sp>
+        </mc:Choice>
+        <mc:Fallback xmlns="">
+          <p:sp>
+            <p:nvSpPr>
+              <p:cNvPr id="7" name="TextBox 6">
+                <a:extLst>
+                  <a:ext uri="{FF2B5EF4-FFF2-40B4-BE49-F238E27FC236}">
+                    <a16:creationId xmlns:a16="http://schemas.microsoft.com/office/drawing/2014/main" id="{9DECF535-D178-F847-ACFF-1001B6DC8C79}"/>
+                  </a:ext>
+                </a:extLst>
+              </p:cNvPr>
+              <p:cNvSpPr txBox="1">
+                <a:spLocks noRot="1" noChangeAspect="1" noMove="1" noResize="1" noEditPoints="1" noAdjustHandles="1" noChangeArrowheads="1" noChangeShapeType="1" noTextEdit="1"/>
+              </p:cNvSpPr>
+              <p:nvPr/>
+            </p:nvSpPr>
+            <p:spPr>
+              <a:xfrm>
+                <a:off x="2054392" y="2767195"/>
+                <a:ext cx="283026" cy="276999"/>
+              </a:xfrm>
+              <a:prstGeom prst="rect">
+                <a:avLst/>
+              </a:prstGeom>
+              <a:blipFill>
+                <a:blip r:embed="rId3"/>
+                <a:stretch>
+                  <a:fillRect l="-8696" r="-8696" b="-13043"/>
+                </a:stretch>
+              </a:blipFill>
+            </p:spPr>
+            <p:txBody>
+              <a:bodyPr/>
+              <a:lstStyle/>
+              <a:p>
+                <a:r>
+                  <a:rPr lang="en-CN">
+                    <a:noFill/>
+                  </a:rPr>
+                  <a:t> </a:t>
+                </a:r>
+              </a:p>
+            </p:txBody>
+          </p:sp>
+        </mc:Fallback>
+      </mc:AlternateContent>
+      <p:sp>
+        <p:nvSpPr>
+          <p:cNvPr id="8" name="Triangle 7">
+            <a:extLst>
+              <a:ext uri="{FF2B5EF4-FFF2-40B4-BE49-F238E27FC236}">
+                <a16:creationId xmlns:a16="http://schemas.microsoft.com/office/drawing/2014/main" id="{C3086211-B86E-FE44-9749-0016B6D9A9AC}"/>
+              </a:ext>
+            </a:extLst>
+          </p:cNvPr>
+          <p:cNvSpPr/>
+          <p:nvPr/>
+        </p:nvSpPr>
+        <p:spPr>
+          <a:xfrm rot="3925230">
+            <a:off x="2141547" y="3828294"/>
+            <a:ext cx="1733274" cy="1904215"/>
+          </a:xfrm>
+          <a:prstGeom prst="triangle">
+            <a:avLst/>
+          </a:prstGeom>
+          <a:solidFill>
+            <a:srgbClr val="FFFF00"/>
+          </a:solidFill>
+        </p:spPr>
+        <p:style>
+          <a:lnRef idx="2">
+            <a:schemeClr val="accent1">
+              <a:shade val="50000"/>
+            </a:schemeClr>
+          </a:lnRef>
+          <a:fillRef idx="1">
+            <a:schemeClr val="accent1"/>
+          </a:fillRef>
+          <a:effectRef idx="0">
+            <a:schemeClr val="accent1"/>
+          </a:effectRef>
+          <a:fontRef idx="minor">
+            <a:schemeClr val="lt1"/>
+          </a:fontRef>
+        </p:style>
+        <p:txBody>
+          <a:bodyPr rtlCol="0" anchor="ctr"/>
+          <a:lstStyle/>
+          <a:p>
+            <a:pPr algn="ctr"/>
+            <a:endParaRPr lang="en-CN"/>
+          </a:p>
+        </p:txBody>
+      </p:sp>
+      <p:sp>
+        <p:nvSpPr>
+          <p:cNvPr id="9" name="Triangle 8">
+            <a:extLst>
+              <a:ext uri="{FF2B5EF4-FFF2-40B4-BE49-F238E27FC236}">
+                <a16:creationId xmlns:a16="http://schemas.microsoft.com/office/drawing/2014/main" id="{7485DBCF-E3B2-2741-84BD-B050108BF0EA}"/>
+              </a:ext>
+            </a:extLst>
+          </p:cNvPr>
+          <p:cNvSpPr/>
+          <p:nvPr/>
+        </p:nvSpPr>
+        <p:spPr>
+          <a:xfrm>
+            <a:off x="1781869" y="2476892"/>
+            <a:ext cx="2078776" cy="1904215"/>
+          </a:xfrm>
+          <a:prstGeom prst="triangle">
+            <a:avLst/>
+          </a:prstGeom>
+          <a:solidFill>
+            <a:schemeClr val="bg1"/>
+          </a:solidFill>
+        </p:spPr>
+        <p:style>
+          <a:lnRef idx="2">
+            <a:schemeClr val="accent1">
+              <a:shade val="50000"/>
+            </a:schemeClr>
+          </a:lnRef>
+          <a:fillRef idx="1">
+            <a:schemeClr val="accent1"/>
+          </a:fillRef>
+          <a:effectRef idx="0">
+            <a:schemeClr val="accent1"/>
+          </a:effectRef>
+          <a:fontRef idx="minor">
+            <a:schemeClr val="lt1"/>
+          </a:fontRef>
+        </p:style>
+        <p:txBody>
+          <a:bodyPr rtlCol="0" anchor="ctr"/>
+          <a:lstStyle/>
+          <a:p>
+            <a:pPr algn="ctr"/>
+            <a:endParaRPr lang="en-CN"/>
+          </a:p>
+        </p:txBody>
+      </p:sp>
+      <p:sp>
+        <p:nvSpPr>
+          <p:cNvPr id="10" name="Triangle 9">
+            <a:extLst>
+              <a:ext uri="{FF2B5EF4-FFF2-40B4-BE49-F238E27FC236}">
+                <a16:creationId xmlns:a16="http://schemas.microsoft.com/office/drawing/2014/main" id="{A40D43D0-9F81-384D-BD6E-84060CA186BA}"/>
+              </a:ext>
+            </a:extLst>
+          </p:cNvPr>
+          <p:cNvSpPr/>
+          <p:nvPr/>
+        </p:nvSpPr>
+        <p:spPr>
+          <a:xfrm rot="1028129">
+            <a:off x="2735600" y="4319177"/>
+            <a:ext cx="1733274" cy="1904215"/>
+          </a:xfrm>
+          <a:prstGeom prst="triangle">
+            <a:avLst/>
+          </a:prstGeom>
+          <a:solidFill>
+            <a:schemeClr val="bg1"/>
+          </a:solidFill>
+        </p:spPr>
+        <p:style>
+          <a:lnRef idx="2">
+            <a:schemeClr val="accent1">
+              <a:shade val="50000"/>
+            </a:schemeClr>
+          </a:lnRef>
+          <a:fillRef idx="1">
+            <a:schemeClr val="accent1"/>
+          </a:fillRef>
+          <a:effectRef idx="0">
+            <a:schemeClr val="accent1"/>
+          </a:effectRef>
+          <a:fontRef idx="minor">
+            <a:schemeClr val="lt1"/>
+          </a:fontRef>
+        </p:style>
+        <p:txBody>
+          <a:bodyPr rtlCol="0" anchor="ctr"/>
+          <a:lstStyle/>
+          <a:p>
+            <a:pPr algn="ctr"/>
+            <a:endParaRPr lang="en-CN" b="1" dirty="0"/>
+          </a:p>
+        </p:txBody>
+      </p:sp>
+      <p:sp>
+        <p:nvSpPr>
+          <p:cNvPr id="11" name="Triangle 10">
+            <a:extLst>
+              <a:ext uri="{FF2B5EF4-FFF2-40B4-BE49-F238E27FC236}">
+                <a16:creationId xmlns:a16="http://schemas.microsoft.com/office/drawing/2014/main" id="{63463307-0D4D-3141-9E70-C23F036190F8}"/>
+              </a:ext>
+            </a:extLst>
+          </p:cNvPr>
+          <p:cNvSpPr/>
+          <p:nvPr/>
+        </p:nvSpPr>
+        <p:spPr>
+          <a:xfrm rot="14759253">
+            <a:off x="404535" y="4595989"/>
+            <a:ext cx="1733274" cy="1904215"/>
+          </a:xfrm>
+          <a:prstGeom prst="triangle">
+            <a:avLst/>
+          </a:prstGeom>
+          <a:solidFill>
+            <a:schemeClr val="bg1"/>
+          </a:solidFill>
+        </p:spPr>
+        <p:style>
+          <a:lnRef idx="2">
+            <a:schemeClr val="accent1">
+              <a:shade val="50000"/>
+            </a:schemeClr>
+          </a:lnRef>
+          <a:fillRef idx="1">
+            <a:schemeClr val="accent1"/>
+          </a:fillRef>
+          <a:effectRef idx="0">
+            <a:schemeClr val="accent1"/>
+          </a:effectRef>
+          <a:fontRef idx="minor">
+            <a:schemeClr val="lt1"/>
+          </a:fontRef>
+        </p:style>
+        <p:txBody>
+          <a:bodyPr rtlCol="0" anchor="ctr"/>
+          <a:lstStyle/>
+          <a:p>
+            <a:pPr algn="ctr"/>
+            <a:endParaRPr lang="en-CN"/>
+          </a:p>
+        </p:txBody>
+      </p:sp>
+      <p:sp>
+        <p:nvSpPr>
+          <p:cNvPr id="14" name="Oval 13">
+            <a:extLst>
+              <a:ext uri="{FF2B5EF4-FFF2-40B4-BE49-F238E27FC236}">
+                <a16:creationId xmlns:a16="http://schemas.microsoft.com/office/drawing/2014/main" id="{4E8ECD7E-F0AA-A14B-90C5-EA45731B140F}"/>
+              </a:ext>
+            </a:extLst>
+          </p:cNvPr>
+          <p:cNvSpPr/>
+          <p:nvPr/>
+        </p:nvSpPr>
+        <p:spPr>
+          <a:xfrm>
+            <a:off x="3818801" y="4304850"/>
+            <a:ext cx="152514" cy="152514"/>
+          </a:xfrm>
+          <a:prstGeom prst="ellipse">
+            <a:avLst/>
+          </a:prstGeom>
+        </p:spPr>
+        <p:style>
+          <a:lnRef idx="2">
+            <a:schemeClr val="accent1">
+              <a:shade val="50000"/>
+            </a:schemeClr>
+          </a:lnRef>
+          <a:fillRef idx="1">
+            <a:schemeClr val="accent1"/>
+          </a:fillRef>
+          <a:effectRef idx="0">
+            <a:schemeClr val="accent1"/>
+          </a:effectRef>
+          <a:fontRef idx="minor">
+            <a:schemeClr val="lt1"/>
+          </a:fontRef>
+        </p:style>
+        <p:txBody>
+          <a:bodyPr rtlCol="0" anchor="ctr"/>
+          <a:lstStyle/>
+          <a:p>
+            <a:pPr algn="ctr"/>
+            <a:endParaRPr lang="en-CN" dirty="0"/>
+          </a:p>
+        </p:txBody>
+      </p:sp>
+      <p:sp>
+        <p:nvSpPr>
+          <p:cNvPr id="15" name="Oval 14">
+            <a:extLst>
+              <a:ext uri="{FF2B5EF4-FFF2-40B4-BE49-F238E27FC236}">
+                <a16:creationId xmlns:a16="http://schemas.microsoft.com/office/drawing/2014/main" id="{7DD7883B-ACA9-6040-832F-0D154BE476C6}"/>
+              </a:ext>
+            </a:extLst>
+          </p:cNvPr>
+          <p:cNvSpPr/>
+          <p:nvPr/>
+        </p:nvSpPr>
+        <p:spPr>
+          <a:xfrm>
+            <a:off x="2386197" y="5866002"/>
+            <a:ext cx="152514" cy="152514"/>
+          </a:xfrm>
+          <a:prstGeom prst="ellipse">
+            <a:avLst/>
+          </a:prstGeom>
+        </p:spPr>
+        <p:style>
+          <a:lnRef idx="2">
+            <a:schemeClr val="accent1">
+              <a:shade val="50000"/>
+            </a:schemeClr>
+          </a:lnRef>
+          <a:fillRef idx="1">
+            <a:schemeClr val="accent1"/>
+          </a:fillRef>
+          <a:effectRef idx="0">
+            <a:schemeClr val="accent1"/>
+          </a:effectRef>
+          <a:fontRef idx="minor">
+            <a:schemeClr val="lt1"/>
+          </a:fontRef>
+        </p:style>
+        <p:txBody>
+          <a:bodyPr rtlCol="0" anchor="ctr"/>
+          <a:lstStyle/>
+          <a:p>
+            <a:pPr algn="ctr"/>
+            <a:endParaRPr lang="en-CN" dirty="0"/>
+          </a:p>
+        </p:txBody>
+      </p:sp>
+      <p:sp>
+        <p:nvSpPr>
+          <p:cNvPr id="16" name="Oval 15">
+            <a:extLst>
+              <a:ext uri="{FF2B5EF4-FFF2-40B4-BE49-F238E27FC236}">
+                <a16:creationId xmlns:a16="http://schemas.microsoft.com/office/drawing/2014/main" id="{A33FC9BC-DECB-7E46-9B4B-5145AEC4A22B}"/>
+              </a:ext>
+            </a:extLst>
+          </p:cNvPr>
+          <p:cNvSpPr/>
+          <p:nvPr/>
+        </p:nvSpPr>
+        <p:spPr>
+          <a:xfrm>
+            <a:off x="1705612" y="4307845"/>
+            <a:ext cx="152514" cy="152514"/>
+          </a:xfrm>
+          <a:prstGeom prst="ellipse">
+            <a:avLst/>
+          </a:prstGeom>
+        </p:spPr>
+        <p:style>
+          <a:lnRef idx="2">
+            <a:schemeClr val="accent1">
+              <a:shade val="50000"/>
+            </a:schemeClr>
+          </a:lnRef>
+          <a:fillRef idx="1">
+            <a:schemeClr val="accent1"/>
+          </a:fillRef>
+          <a:effectRef idx="0">
+            <a:schemeClr val="accent1"/>
+          </a:effectRef>
+          <a:fontRef idx="minor">
+            <a:schemeClr val="lt1"/>
+          </a:fontRef>
+        </p:style>
+        <p:txBody>
+          <a:bodyPr rtlCol="0" anchor="ctr"/>
+          <a:lstStyle/>
+          <a:p>
+            <a:pPr algn="ctr"/>
+            <a:endParaRPr lang="en-CN" dirty="0"/>
+          </a:p>
+        </p:txBody>
+      </p:sp>
+      <p:sp>
+        <p:nvSpPr>
+          <p:cNvPr id="17" name="Oval 16">
+            <a:extLst>
+              <a:ext uri="{FF2B5EF4-FFF2-40B4-BE49-F238E27FC236}">
+                <a16:creationId xmlns:a16="http://schemas.microsoft.com/office/drawing/2014/main" id="{B8613295-8ADD-2741-B317-F2614C26E6CA}"/>
+              </a:ext>
+            </a:extLst>
+          </p:cNvPr>
+          <p:cNvSpPr/>
+          <p:nvPr/>
+        </p:nvSpPr>
+        <p:spPr>
+          <a:xfrm>
+            <a:off x="2745000" y="2441605"/>
+            <a:ext cx="152514" cy="152514"/>
+          </a:xfrm>
+          <a:prstGeom prst="ellipse">
+            <a:avLst/>
+          </a:prstGeom>
+        </p:spPr>
+        <p:style>
+          <a:lnRef idx="2">
+            <a:schemeClr val="accent1">
+              <a:shade val="50000"/>
+            </a:schemeClr>
+          </a:lnRef>
+          <a:fillRef idx="1">
+            <a:schemeClr val="accent1"/>
+          </a:fillRef>
+          <a:effectRef idx="0">
+            <a:schemeClr val="accent1"/>
+          </a:effectRef>
+          <a:fontRef idx="minor">
+            <a:schemeClr val="lt1"/>
+          </a:fontRef>
+        </p:style>
+        <p:txBody>
+          <a:bodyPr rtlCol="0" anchor="ctr"/>
+          <a:lstStyle/>
+          <a:p>
+            <a:pPr algn="ctr"/>
+            <a:endParaRPr lang="en-CN" dirty="0"/>
+          </a:p>
+        </p:txBody>
+      </p:sp>
+      <p:sp>
+        <p:nvSpPr>
+          <p:cNvPr id="18" name="Oval 17">
+            <a:extLst>
+              <a:ext uri="{FF2B5EF4-FFF2-40B4-BE49-F238E27FC236}">
+                <a16:creationId xmlns:a16="http://schemas.microsoft.com/office/drawing/2014/main" id="{5AEE5697-108A-9847-8D1D-D553B46F0D58}"/>
+              </a:ext>
+            </a:extLst>
+          </p:cNvPr>
+          <p:cNvSpPr/>
+          <p:nvPr/>
+        </p:nvSpPr>
+        <p:spPr>
+          <a:xfrm>
+            <a:off x="330723" y="5860304"/>
+            <a:ext cx="152514" cy="152514"/>
+          </a:xfrm>
+          <a:prstGeom prst="ellipse">
+            <a:avLst/>
+          </a:prstGeom>
+        </p:spPr>
+        <p:style>
+          <a:lnRef idx="2">
+            <a:schemeClr val="accent1">
+              <a:shade val="50000"/>
+            </a:schemeClr>
+          </a:lnRef>
+          <a:fillRef idx="1">
+            <a:schemeClr val="accent1"/>
+          </a:fillRef>
+          <a:effectRef idx="0">
+            <a:schemeClr val="accent1"/>
+          </a:effectRef>
+          <a:fontRef idx="minor">
+            <a:schemeClr val="lt1"/>
+          </a:fontRef>
+        </p:style>
+        <p:txBody>
+          <a:bodyPr rtlCol="0" anchor="ctr"/>
+          <a:lstStyle/>
+          <a:p>
+            <a:pPr algn="ctr"/>
+            <a:endParaRPr lang="en-CN" dirty="0"/>
+          </a:p>
+        </p:txBody>
+      </p:sp>
+      <p:sp>
+        <p:nvSpPr>
+          <p:cNvPr id="19" name="Oval 18">
+            <a:extLst>
+              <a:ext uri="{FF2B5EF4-FFF2-40B4-BE49-F238E27FC236}">
+                <a16:creationId xmlns:a16="http://schemas.microsoft.com/office/drawing/2014/main" id="{36C2FE1A-E0C2-D44D-8395-FAF303F69FDD}"/>
+              </a:ext>
+            </a:extLst>
+          </p:cNvPr>
+          <p:cNvSpPr/>
+          <p:nvPr/>
+        </p:nvSpPr>
+        <p:spPr>
+          <a:xfrm>
+            <a:off x="4082771" y="6364095"/>
+            <a:ext cx="152514" cy="152514"/>
+          </a:xfrm>
+          <a:prstGeom prst="ellipse">
+            <a:avLst/>
+          </a:prstGeom>
+        </p:spPr>
+        <p:style>
+          <a:lnRef idx="2">
+            <a:schemeClr val="accent1">
+              <a:shade val="50000"/>
+            </a:schemeClr>
+          </a:lnRef>
+          <a:fillRef idx="1">
+            <a:schemeClr val="accent1"/>
+          </a:fillRef>
+          <a:effectRef idx="0">
+            <a:schemeClr val="accent1"/>
+          </a:effectRef>
+          <a:fontRef idx="minor">
+            <a:schemeClr val="lt1"/>
+          </a:fontRef>
+        </p:style>
+        <p:txBody>
+          <a:bodyPr rtlCol="0" anchor="ctr"/>
+          <a:lstStyle/>
+          <a:p>
+            <a:pPr algn="ctr"/>
+            <a:endParaRPr lang="en-CN" dirty="0"/>
+          </a:p>
+        </p:txBody>
+      </p:sp>
+      <p:sp>
+        <p:nvSpPr>
+          <p:cNvPr id="20" name="Freeform 19">
+            <a:extLst>
+              <a:ext uri="{FF2B5EF4-FFF2-40B4-BE49-F238E27FC236}">
+                <a16:creationId xmlns:a16="http://schemas.microsoft.com/office/drawing/2014/main" id="{8B8F776F-C984-6A42-AC19-918329CB34F6}"/>
+              </a:ext>
+            </a:extLst>
+          </p:cNvPr>
+          <p:cNvSpPr/>
+          <p:nvPr/>
+        </p:nvSpPr>
+        <p:spPr>
+          <a:xfrm rot="3672630">
+            <a:off x="3464400" y="4464098"/>
+            <a:ext cx="231895" cy="83408"/>
+          </a:xfrm>
+          <a:custGeom>
+            <a:avLst/>
+            <a:gdLst>
+              <a:gd name="connsiteX0" fmla="*/ 0 w 690664"/>
+              <a:gd name="connsiteY0" fmla="*/ 0 h 145914"/>
+              <a:gd name="connsiteX1" fmla="*/ 379379 w 690664"/>
+              <a:gd name="connsiteY1" fmla="*/ 145914 h 145914"/>
+              <a:gd name="connsiteX2" fmla="*/ 690664 w 690664"/>
+              <a:gd name="connsiteY2" fmla="*/ 0 h 145914"/>
+            </a:gdLst>
+            <a:ahLst/>
+            <a:cxnLst>
+              <a:cxn ang="0">
+                <a:pos x="connsiteX0" y="connsiteY0"/>
+              </a:cxn>
+              <a:cxn ang="0">
+                <a:pos x="connsiteX1" y="connsiteY1"/>
+              </a:cxn>
+              <a:cxn ang="0">
+                <a:pos x="connsiteX2" y="connsiteY2"/>
+              </a:cxn>
+            </a:cxnLst>
+            <a:rect l="l" t="t" r="r" b="b"/>
+            <a:pathLst>
+              <a:path w="690664" h="145914">
+                <a:moveTo>
+                  <a:pt x="0" y="0"/>
+                </a:moveTo>
+                <a:cubicBezTo>
+                  <a:pt x="132134" y="72957"/>
+                  <a:pt x="264268" y="145914"/>
+                  <a:pt x="379379" y="145914"/>
+                </a:cubicBezTo>
+                <a:cubicBezTo>
+                  <a:pt x="494490" y="145914"/>
+                  <a:pt x="638783" y="17834"/>
+                  <a:pt x="690664" y="0"/>
+                </a:cubicBezTo>
+              </a:path>
+            </a:pathLst>
+          </a:custGeom>
+          <a:noFill/>
+        </p:spPr>
+        <p:style>
+          <a:lnRef idx="2">
+            <a:schemeClr val="accent1">
+              <a:shade val="50000"/>
+            </a:schemeClr>
+          </a:lnRef>
+          <a:fillRef idx="1">
+            <a:schemeClr val="accent1"/>
+          </a:fillRef>
+          <a:effectRef idx="0">
+            <a:schemeClr val="accent1"/>
+          </a:effectRef>
+          <a:fontRef idx="minor">
+            <a:schemeClr val="lt1"/>
+          </a:fontRef>
+        </p:style>
+        <p:txBody>
+          <a:bodyPr rtlCol="0" anchor="ctr"/>
+          <a:lstStyle/>
+          <a:p>
+            <a:pPr algn="ctr"/>
+            <a:endParaRPr lang="en-CN"/>
+          </a:p>
+        </p:txBody>
+      </p:sp>
+      <mc:AlternateContent xmlns:mc="http://schemas.openxmlformats.org/markup-compatibility/2006" xmlns:a14="http://schemas.microsoft.com/office/drawing/2010/main">
+        <mc:Choice Requires="a14">
+          <p:sp>
+            <p:nvSpPr>
+              <p:cNvPr id="21" name="TextBox 20">
+                <a:extLst>
+                  <a:ext uri="{FF2B5EF4-FFF2-40B4-BE49-F238E27FC236}">
+                    <a16:creationId xmlns:a16="http://schemas.microsoft.com/office/drawing/2014/main" id="{1D78C204-A328-094B-98E6-7D20E1D8A6B6}"/>
+                  </a:ext>
+                </a:extLst>
+              </p:cNvPr>
+              <p:cNvSpPr txBox="1"/>
+              <p:nvPr/>
+            </p:nvSpPr>
+            <p:spPr>
+              <a:xfrm>
+                <a:off x="3281685" y="4369014"/>
+                <a:ext cx="166006" cy="276999"/>
+              </a:xfrm>
+              <a:prstGeom prst="rect">
+                <a:avLst/>
+              </a:prstGeom>
+              <a:noFill/>
+            </p:spPr>
+            <p:txBody>
+              <a:bodyPr wrap="none" lIns="0" tIns="0" rIns="0" bIns="0" rtlCol="0">
+                <a:spAutoFit/>
+              </a:bodyPr>
+              <a:lstStyle/>
+              <a:p>
+                <a:pPr/>
+                <a14:m>
+                  <m:oMathPara xmlns:m="http://schemas.openxmlformats.org/officeDocument/2006/math">
+                    <m:oMathParaPr>
+                      <m:jc m:val="centerGroup"/>
+                    </m:oMathParaPr>
+                    <m:oMath xmlns:m="http://schemas.openxmlformats.org/officeDocument/2006/math">
+                      <m:r>
+                        <a:rPr lang="en-US" b="0" i="1" smtClean="0">
+                          <a:latin typeface="Cambria Math" panose="02040503050406030204" pitchFamily="18" charset="0"/>
+                        </a:rPr>
+                        <m:t>𝑐</m:t>
+                      </m:r>
+                    </m:oMath>
+                  </m:oMathPara>
+                </a14:m>
+                <a:endParaRPr lang="en-CN" dirty="0"/>
+              </a:p>
+            </p:txBody>
+          </p:sp>
+        </mc:Choice>
+        <mc:Fallback xmlns="">
+          <p:sp>
+            <p:nvSpPr>
+              <p:cNvPr id="21" name="TextBox 20">
+                <a:extLst>
+                  <a:ext uri="{FF2B5EF4-FFF2-40B4-BE49-F238E27FC236}">
+                    <a16:creationId xmlns:a16="http://schemas.microsoft.com/office/drawing/2014/main" id="{1D78C204-A328-094B-98E6-7D20E1D8A6B6}"/>
+                  </a:ext>
+                </a:extLst>
+              </p:cNvPr>
+              <p:cNvSpPr txBox="1">
+                <a:spLocks noRot="1" noChangeAspect="1" noMove="1" noResize="1" noEditPoints="1" noAdjustHandles="1" noChangeArrowheads="1" noChangeShapeType="1" noTextEdit="1"/>
+              </p:cNvSpPr>
+              <p:nvPr/>
+            </p:nvSpPr>
+            <p:spPr>
+              <a:xfrm>
+                <a:off x="3281685" y="4369014"/>
+                <a:ext cx="166006" cy="276999"/>
+              </a:xfrm>
+              <a:prstGeom prst="rect">
+                <a:avLst/>
+              </a:prstGeom>
+              <a:blipFill>
+                <a:blip r:embed="rId4"/>
+                <a:stretch>
+                  <a:fillRect l="-21429" r="-14286"/>
+                </a:stretch>
+              </a:blipFill>
+            </p:spPr>
+            <p:txBody>
+              <a:bodyPr/>
+              <a:lstStyle/>
+              <a:p>
+                <a:r>
+                  <a:rPr lang="en-CN">
+                    <a:noFill/>
+                  </a:rPr>
+                  <a:t> </a:t>
+                </a:r>
+              </a:p>
+            </p:txBody>
+          </p:sp>
+        </mc:Fallback>
+      </mc:AlternateContent>
+      <p:cxnSp>
+        <p:nvCxnSpPr>
+          <p:cNvPr id="22" name="Straight Arrow Connector 21">
+            <a:extLst>
+              <a:ext uri="{FF2B5EF4-FFF2-40B4-BE49-F238E27FC236}">
+                <a16:creationId xmlns:a16="http://schemas.microsoft.com/office/drawing/2014/main" id="{C10E2458-E2F6-074E-9FBD-0A37DDA0001C}"/>
+              </a:ext>
+            </a:extLst>
+          </p:cNvPr>
+          <p:cNvCxnSpPr/>
+          <p:nvPr/>
+        </p:nvCxnSpPr>
+        <p:spPr>
+          <a:xfrm>
+            <a:off x="2782534" y="5050754"/>
+            <a:ext cx="692867" cy="509047"/>
+          </a:xfrm>
+          <a:prstGeom prst="straightConnector1">
+            <a:avLst/>
+          </a:prstGeom>
+          <a:ln w="38100">
+            <a:solidFill>
+              <a:schemeClr val="tx1"/>
+            </a:solidFill>
+            <a:tailEnd type="triangle"/>
+          </a:ln>
+        </p:spPr>
+        <p:style>
+          <a:lnRef idx="1">
+            <a:schemeClr val="accent1"/>
+          </a:lnRef>
+          <a:fillRef idx="0">
+            <a:schemeClr val="accent1"/>
+          </a:fillRef>
+          <a:effectRef idx="0">
+            <a:schemeClr val="accent1"/>
+          </a:effectRef>
+          <a:fontRef idx="minor">
+            <a:schemeClr val="tx1"/>
+          </a:fontRef>
+        </p:style>
+      </p:cxnSp>
+      <mc:AlternateContent xmlns:mc="http://schemas.openxmlformats.org/markup-compatibility/2006" xmlns:a14="http://schemas.microsoft.com/office/drawing/2010/main">
+        <mc:Choice Requires="a14">
+          <p:sp>
+            <p:nvSpPr>
+              <p:cNvPr id="23" name="TextBox 22">
+                <a:extLst>
+                  <a:ext uri="{FF2B5EF4-FFF2-40B4-BE49-F238E27FC236}">
+                    <a16:creationId xmlns:a16="http://schemas.microsoft.com/office/drawing/2014/main" id="{34A4091C-BCEB-6041-914B-A5BD070D9446}"/>
+                  </a:ext>
+                </a:extLst>
+              </p:cNvPr>
+              <p:cNvSpPr txBox="1"/>
+              <p:nvPr/>
+            </p:nvSpPr>
+            <p:spPr>
+              <a:xfrm>
+                <a:off x="3695245" y="5936069"/>
+                <a:ext cx="274499" cy="276999"/>
+              </a:xfrm>
+              <a:prstGeom prst="rect">
+                <a:avLst/>
+              </a:prstGeom>
+              <a:noFill/>
+            </p:spPr>
+            <p:txBody>
+              <a:bodyPr wrap="none" lIns="0" tIns="0" rIns="0" bIns="0" rtlCol="0">
+                <a:spAutoFit/>
+              </a:bodyPr>
+              <a:lstStyle/>
+              <a:p>
+                <a:pPr/>
+                <a14:m>
+                  <m:oMathPara xmlns:m="http://schemas.openxmlformats.org/officeDocument/2006/math">
+                    <m:oMathParaPr>
+                      <m:jc m:val="centerGroup"/>
+                    </m:oMathParaPr>
+                    <m:oMath xmlns:m="http://schemas.openxmlformats.org/officeDocument/2006/math">
+                      <m:sSub>
+                        <m:sSubPr>
+                          <m:ctrlPr>
+                            <a:rPr lang="en-US" b="0" i="1" smtClean="0">
+                              <a:latin typeface="Cambria Math" panose="02040503050406030204" pitchFamily="18" charset="0"/>
+                            </a:rPr>
+                          </m:ctrlPr>
+                        </m:sSubPr>
+                        <m:e>
+                          <m:r>
+                            <a:rPr lang="en-US" b="0" i="1" smtClean="0">
+                              <a:latin typeface="Cambria Math" panose="02040503050406030204" pitchFamily="18" charset="0"/>
+                            </a:rPr>
+                            <m:t>𝑐</m:t>
+                          </m:r>
+                        </m:e>
+                        <m:sub>
+                          <m:r>
+                            <a:rPr lang="en-US" b="0" i="1" smtClean="0">
+                              <a:latin typeface="Cambria Math" panose="02040503050406030204" pitchFamily="18" charset="0"/>
+                            </a:rPr>
+                            <m:t>𝑛</m:t>
+                          </m:r>
+                        </m:sub>
+                      </m:sSub>
+                    </m:oMath>
+                  </m:oMathPara>
+                </a14:m>
+                <a:endParaRPr lang="en-CN" dirty="0"/>
+              </a:p>
+            </p:txBody>
+          </p:sp>
+        </mc:Choice>
+        <mc:Fallback xmlns="">
+          <p:sp>
+            <p:nvSpPr>
+              <p:cNvPr id="23" name="TextBox 22">
+                <a:extLst>
+                  <a:ext uri="{FF2B5EF4-FFF2-40B4-BE49-F238E27FC236}">
+                    <a16:creationId xmlns:a16="http://schemas.microsoft.com/office/drawing/2014/main" id="{34A4091C-BCEB-6041-914B-A5BD070D9446}"/>
+                  </a:ext>
+                </a:extLst>
+              </p:cNvPr>
+              <p:cNvSpPr txBox="1">
+                <a:spLocks noRot="1" noChangeAspect="1" noMove="1" noResize="1" noEditPoints="1" noAdjustHandles="1" noChangeArrowheads="1" noChangeShapeType="1" noTextEdit="1"/>
+              </p:cNvSpPr>
+              <p:nvPr/>
+            </p:nvSpPr>
+            <p:spPr>
+              <a:xfrm>
+                <a:off x="3695245" y="5936069"/>
+                <a:ext cx="274499" cy="276999"/>
+              </a:xfrm>
+              <a:prstGeom prst="rect">
+                <a:avLst/>
+              </a:prstGeom>
+              <a:blipFill>
+                <a:blip r:embed="rId5"/>
+                <a:stretch>
+                  <a:fillRect l="-8696" b="-8696"/>
+                </a:stretch>
+              </a:blipFill>
+            </p:spPr>
+            <p:txBody>
+              <a:bodyPr/>
+              <a:lstStyle/>
+              <a:p>
+                <a:r>
+                  <a:rPr lang="en-CN">
+                    <a:noFill/>
+                  </a:rPr>
+                  <a:t> </a:t>
+                </a:r>
+              </a:p>
+            </p:txBody>
+          </p:sp>
+        </mc:Fallback>
+      </mc:AlternateContent>
+      <p:sp>
+        <p:nvSpPr>
+          <p:cNvPr id="24" name="Freeform 23">
+            <a:extLst>
+              <a:ext uri="{FF2B5EF4-FFF2-40B4-BE49-F238E27FC236}">
+                <a16:creationId xmlns:a16="http://schemas.microsoft.com/office/drawing/2014/main" id="{F7E27F0D-3512-1840-9DAE-C7BA8DEAE90F}"/>
+              </a:ext>
+            </a:extLst>
+          </p:cNvPr>
+          <p:cNvSpPr/>
+          <p:nvPr/>
+        </p:nvSpPr>
+        <p:spPr>
+          <a:xfrm rot="9133558">
+            <a:off x="3921058" y="6246765"/>
+            <a:ext cx="231895" cy="83408"/>
+          </a:xfrm>
+          <a:custGeom>
+            <a:avLst/>
+            <a:gdLst>
+              <a:gd name="connsiteX0" fmla="*/ 0 w 690664"/>
+              <a:gd name="connsiteY0" fmla="*/ 0 h 145914"/>
+              <a:gd name="connsiteX1" fmla="*/ 379379 w 690664"/>
+              <a:gd name="connsiteY1" fmla="*/ 145914 h 145914"/>
+              <a:gd name="connsiteX2" fmla="*/ 690664 w 690664"/>
+              <a:gd name="connsiteY2" fmla="*/ 0 h 145914"/>
+            </a:gdLst>
+            <a:ahLst/>
+            <a:cxnLst>
+              <a:cxn ang="0">
+                <a:pos x="connsiteX0" y="connsiteY0"/>
+              </a:cxn>
+              <a:cxn ang="0">
+                <a:pos x="connsiteX1" y="connsiteY1"/>
+              </a:cxn>
+              <a:cxn ang="0">
+                <a:pos x="connsiteX2" y="connsiteY2"/>
+              </a:cxn>
+            </a:cxnLst>
+            <a:rect l="l" t="t" r="r" b="b"/>
+            <a:pathLst>
+              <a:path w="690664" h="145914">
+                <a:moveTo>
+                  <a:pt x="0" y="0"/>
+                </a:moveTo>
+                <a:cubicBezTo>
+                  <a:pt x="132134" y="72957"/>
+                  <a:pt x="264268" y="145914"/>
+                  <a:pt x="379379" y="145914"/>
+                </a:cubicBezTo>
+                <a:cubicBezTo>
+                  <a:pt x="494490" y="145914"/>
+                  <a:pt x="638783" y="17834"/>
+                  <a:pt x="690664" y="0"/>
+                </a:cubicBezTo>
+              </a:path>
+            </a:pathLst>
+          </a:custGeom>
+          <a:noFill/>
+        </p:spPr>
+        <p:style>
+          <a:lnRef idx="2">
+            <a:schemeClr val="accent1">
+              <a:shade val="50000"/>
+            </a:schemeClr>
+          </a:lnRef>
+          <a:fillRef idx="1">
+            <a:schemeClr val="accent1"/>
+          </a:fillRef>
+          <a:effectRef idx="0">
+            <a:schemeClr val="accent1"/>
+          </a:effectRef>
+          <a:fontRef idx="minor">
+            <a:schemeClr val="lt1"/>
+          </a:fontRef>
+        </p:style>
+        <p:txBody>
+          <a:bodyPr rtlCol="0" anchor="ctr"/>
+          <a:lstStyle/>
+          <a:p>
+            <a:pPr algn="ctr"/>
+            <a:endParaRPr lang="en-CN"/>
+          </a:p>
+        </p:txBody>
+      </p:sp>
+      <mc:AlternateContent xmlns:mc="http://schemas.openxmlformats.org/markup-compatibility/2006" xmlns:a14="http://schemas.microsoft.com/office/drawing/2010/main">
+        <mc:Choice Requires="a14">
+          <p:sp>
+            <p:nvSpPr>
+              <p:cNvPr id="25" name="TextBox 24">
+                <a:extLst>
+                  <a:ext uri="{FF2B5EF4-FFF2-40B4-BE49-F238E27FC236}">
+                    <a16:creationId xmlns:a16="http://schemas.microsoft.com/office/drawing/2014/main" id="{F25E9F5C-D4BC-394B-999A-6A2C14014201}"/>
+                  </a:ext>
+                </a:extLst>
+              </p:cNvPr>
+              <p:cNvSpPr txBox="1"/>
+              <p:nvPr/>
+            </p:nvSpPr>
+            <p:spPr>
+              <a:xfrm>
+                <a:off x="9347443" y="2055003"/>
+                <a:ext cx="283026" cy="276999"/>
+              </a:xfrm>
+              <a:prstGeom prst="rect">
+                <a:avLst/>
+              </a:prstGeom>
+              <a:noFill/>
+            </p:spPr>
+            <p:txBody>
+              <a:bodyPr wrap="none" lIns="0" tIns="0" rIns="0" bIns="0" rtlCol="0">
+                <a:spAutoFit/>
+              </a:bodyPr>
+              <a:lstStyle/>
+              <a:p>
+                <a:pPr/>
+                <a14:m>
+                  <m:oMathPara xmlns:m="http://schemas.openxmlformats.org/officeDocument/2006/math">
+                    <m:oMathParaPr>
+                      <m:jc m:val="centerGroup"/>
+                    </m:oMathParaPr>
+                    <m:oMath xmlns:m="http://schemas.openxmlformats.org/officeDocument/2006/math">
+                      <m:sSub>
+                        <m:sSubPr>
+                          <m:ctrlPr>
+                            <a:rPr lang="en-US" b="0" i="1" smtClean="0">
+                              <a:latin typeface="Cambria Math" panose="02040503050406030204" pitchFamily="18" charset="0"/>
+                            </a:rPr>
+                          </m:ctrlPr>
+                        </m:sSubPr>
+                        <m:e>
+                          <m:r>
+                            <a:rPr lang="en-US" b="0" i="1" smtClean="0">
+                              <a:latin typeface="Cambria Math" panose="02040503050406030204" pitchFamily="18" charset="0"/>
+                            </a:rPr>
+                            <m:t>𝑣</m:t>
+                          </m:r>
+                        </m:e>
+                        <m:sub>
+                          <m:r>
+                            <a:rPr lang="en-US" b="0" i="1" smtClean="0">
+                              <a:latin typeface="Cambria Math" panose="02040503050406030204" pitchFamily="18" charset="0"/>
+                            </a:rPr>
+                            <m:t>0</m:t>
+                          </m:r>
+                        </m:sub>
+                      </m:sSub>
+                    </m:oMath>
+                  </m:oMathPara>
+                </a14:m>
+                <a:endParaRPr lang="en-CN" dirty="0"/>
+              </a:p>
+            </p:txBody>
+          </p:sp>
+        </mc:Choice>
+        <mc:Fallback xmlns="">
+          <p:sp>
+            <p:nvSpPr>
+              <p:cNvPr id="25" name="TextBox 24">
+                <a:extLst>
+                  <a:ext uri="{FF2B5EF4-FFF2-40B4-BE49-F238E27FC236}">
+                    <a16:creationId xmlns:a16="http://schemas.microsoft.com/office/drawing/2014/main" id="{F25E9F5C-D4BC-394B-999A-6A2C14014201}"/>
+                  </a:ext>
+                </a:extLst>
+              </p:cNvPr>
+              <p:cNvSpPr txBox="1">
+                <a:spLocks noRot="1" noChangeAspect="1" noMove="1" noResize="1" noEditPoints="1" noAdjustHandles="1" noChangeArrowheads="1" noChangeShapeType="1" noTextEdit="1"/>
+              </p:cNvSpPr>
+              <p:nvPr/>
+            </p:nvSpPr>
+            <p:spPr>
+              <a:xfrm>
+                <a:off x="9347443" y="2055003"/>
+                <a:ext cx="283026" cy="276999"/>
+              </a:xfrm>
+              <a:prstGeom prst="rect">
+                <a:avLst/>
+              </a:prstGeom>
+              <a:blipFill>
+                <a:blip r:embed="rId6"/>
+                <a:stretch>
+                  <a:fillRect l="-8333" r="-4167" b="-13043"/>
+                </a:stretch>
+              </a:blipFill>
+            </p:spPr>
+            <p:txBody>
+              <a:bodyPr/>
+              <a:lstStyle/>
+              <a:p>
+                <a:r>
+                  <a:rPr lang="en-CN">
+                    <a:noFill/>
+                  </a:rPr>
+                  <a:t> </a:t>
+                </a:r>
+              </a:p>
+            </p:txBody>
+          </p:sp>
+        </mc:Fallback>
+      </mc:AlternateContent>
+      <p:sp>
+        <p:nvSpPr>
+          <p:cNvPr id="26" name="Triangle 25">
+            <a:extLst>
+              <a:ext uri="{FF2B5EF4-FFF2-40B4-BE49-F238E27FC236}">
+                <a16:creationId xmlns:a16="http://schemas.microsoft.com/office/drawing/2014/main" id="{5ADF3F09-CC3F-AF40-887C-1FEF12EEA0B4}"/>
+              </a:ext>
+            </a:extLst>
+          </p:cNvPr>
+          <p:cNvSpPr/>
+          <p:nvPr/>
+        </p:nvSpPr>
+        <p:spPr>
+          <a:xfrm rot="3925230">
+            <a:off x="9434598" y="3116102"/>
+            <a:ext cx="1733274" cy="1904215"/>
+          </a:xfrm>
+          <a:prstGeom prst="triangle">
+            <a:avLst/>
+          </a:prstGeom>
+          <a:solidFill>
+            <a:srgbClr val="FFFF00"/>
+          </a:solidFill>
+        </p:spPr>
+        <p:style>
+          <a:lnRef idx="2">
+            <a:schemeClr val="accent1">
+              <a:shade val="50000"/>
+            </a:schemeClr>
+          </a:lnRef>
+          <a:fillRef idx="1">
+            <a:schemeClr val="accent1"/>
+          </a:fillRef>
+          <a:effectRef idx="0">
+            <a:schemeClr val="accent1"/>
+          </a:effectRef>
+          <a:fontRef idx="minor">
+            <a:schemeClr val="lt1"/>
+          </a:fontRef>
+        </p:style>
+        <p:txBody>
+          <a:bodyPr rtlCol="0" anchor="ctr"/>
+          <a:lstStyle/>
+          <a:p>
+            <a:pPr algn="ctr"/>
+            <a:endParaRPr lang="en-CN"/>
+          </a:p>
+        </p:txBody>
+      </p:sp>
+      <p:sp>
+        <p:nvSpPr>
+          <p:cNvPr id="27" name="Triangle 26">
+            <a:extLst>
+              <a:ext uri="{FF2B5EF4-FFF2-40B4-BE49-F238E27FC236}">
+                <a16:creationId xmlns:a16="http://schemas.microsoft.com/office/drawing/2014/main" id="{7526EE47-E742-C248-BEAC-D3DCBFE4871D}"/>
+              </a:ext>
+            </a:extLst>
+          </p:cNvPr>
+          <p:cNvSpPr/>
+          <p:nvPr/>
+        </p:nvSpPr>
+        <p:spPr>
+          <a:xfrm>
+            <a:off x="9074920" y="1764700"/>
+            <a:ext cx="2078776" cy="1904215"/>
+          </a:xfrm>
+          <a:prstGeom prst="triangle">
+            <a:avLst/>
+          </a:prstGeom>
+          <a:solidFill>
+            <a:srgbClr val="CFE2F4"/>
+          </a:solidFill>
+        </p:spPr>
+        <p:style>
+          <a:lnRef idx="2">
+            <a:schemeClr val="accent1">
+              <a:shade val="50000"/>
+            </a:schemeClr>
+          </a:lnRef>
+          <a:fillRef idx="1">
+            <a:schemeClr val="accent1"/>
+          </a:fillRef>
+          <a:effectRef idx="0">
+            <a:schemeClr val="accent1"/>
+          </a:effectRef>
+          <a:fontRef idx="minor">
+            <a:schemeClr val="lt1"/>
+          </a:fontRef>
+        </p:style>
+        <p:txBody>
+          <a:bodyPr rtlCol="0" anchor="ctr"/>
+          <a:lstStyle/>
+          <a:p>
+            <a:pPr algn="ctr"/>
+            <a:endParaRPr lang="en-CN"/>
+          </a:p>
+        </p:txBody>
+      </p:sp>
+      <p:sp>
+        <p:nvSpPr>
+          <p:cNvPr id="28" name="Triangle 27">
+            <a:extLst>
+              <a:ext uri="{FF2B5EF4-FFF2-40B4-BE49-F238E27FC236}">
+                <a16:creationId xmlns:a16="http://schemas.microsoft.com/office/drawing/2014/main" id="{07264462-E9EC-F741-93A3-07F02BD7336E}"/>
+              </a:ext>
+            </a:extLst>
+          </p:cNvPr>
+          <p:cNvSpPr/>
+          <p:nvPr/>
+        </p:nvSpPr>
+        <p:spPr>
+          <a:xfrm rot="1028129">
+            <a:off x="10028651" y="3606985"/>
+            <a:ext cx="1733274" cy="1904215"/>
+          </a:xfrm>
+          <a:prstGeom prst="triangle">
+            <a:avLst/>
+          </a:prstGeom>
+          <a:solidFill>
+            <a:schemeClr val="bg1"/>
+          </a:solidFill>
+        </p:spPr>
+        <p:style>
+          <a:lnRef idx="2">
+            <a:schemeClr val="accent1">
+              <a:shade val="50000"/>
+            </a:schemeClr>
+          </a:lnRef>
+          <a:fillRef idx="1">
+            <a:schemeClr val="accent1"/>
+          </a:fillRef>
+          <a:effectRef idx="0">
+            <a:schemeClr val="accent1"/>
+          </a:effectRef>
+          <a:fontRef idx="minor">
+            <a:schemeClr val="lt1"/>
+          </a:fontRef>
+        </p:style>
+        <p:txBody>
+          <a:bodyPr rtlCol="0" anchor="ctr"/>
+          <a:lstStyle/>
+          <a:p>
+            <a:pPr algn="ctr"/>
+            <a:endParaRPr lang="en-CN" b="1" dirty="0"/>
+          </a:p>
+        </p:txBody>
+      </p:sp>
+      <p:sp>
+        <p:nvSpPr>
+          <p:cNvPr id="29" name="Triangle 28">
+            <a:extLst>
+              <a:ext uri="{FF2B5EF4-FFF2-40B4-BE49-F238E27FC236}">
+                <a16:creationId xmlns:a16="http://schemas.microsoft.com/office/drawing/2014/main" id="{271BA3F2-F858-F641-A1E3-B33FE932371C}"/>
+              </a:ext>
+            </a:extLst>
+          </p:cNvPr>
+          <p:cNvSpPr/>
+          <p:nvPr/>
+        </p:nvSpPr>
+        <p:spPr>
+          <a:xfrm rot="14759253">
+            <a:off x="7697586" y="3883797"/>
+            <a:ext cx="1733274" cy="1904215"/>
+          </a:xfrm>
+          <a:prstGeom prst="triangle">
+            <a:avLst/>
+          </a:prstGeom>
+          <a:solidFill>
+            <a:schemeClr val="bg1"/>
+          </a:solidFill>
+        </p:spPr>
+        <p:style>
+          <a:lnRef idx="2">
+            <a:schemeClr val="accent1">
+              <a:shade val="50000"/>
+            </a:schemeClr>
+          </a:lnRef>
+          <a:fillRef idx="1">
+            <a:schemeClr val="accent1"/>
+          </a:fillRef>
+          <a:effectRef idx="0">
+            <a:schemeClr val="accent1"/>
+          </a:effectRef>
+          <a:fontRef idx="minor">
+            <a:schemeClr val="lt1"/>
+          </a:fontRef>
+        </p:style>
+        <p:txBody>
+          <a:bodyPr rtlCol="0" anchor="ctr"/>
+          <a:lstStyle/>
+          <a:p>
+            <a:pPr algn="ctr"/>
+            <a:endParaRPr lang="en-CN"/>
+          </a:p>
+        </p:txBody>
+      </p:sp>
+      <p:sp>
+        <p:nvSpPr>
+          <p:cNvPr id="30" name="Oval 29">
+            <a:extLst>
+              <a:ext uri="{FF2B5EF4-FFF2-40B4-BE49-F238E27FC236}">
+                <a16:creationId xmlns:a16="http://schemas.microsoft.com/office/drawing/2014/main" id="{B6AAC1D2-D2CD-864B-8A67-570CB679B29C}"/>
+              </a:ext>
+            </a:extLst>
+          </p:cNvPr>
+          <p:cNvSpPr/>
+          <p:nvPr/>
+        </p:nvSpPr>
+        <p:spPr>
+          <a:xfrm>
+            <a:off x="11111852" y="3592658"/>
+            <a:ext cx="152514" cy="152514"/>
+          </a:xfrm>
+          <a:prstGeom prst="ellipse">
+            <a:avLst/>
+          </a:prstGeom>
+        </p:spPr>
+        <p:style>
+          <a:lnRef idx="2">
+            <a:schemeClr val="accent1">
+              <a:shade val="50000"/>
+            </a:schemeClr>
+          </a:lnRef>
+          <a:fillRef idx="1">
+            <a:schemeClr val="accent1"/>
+          </a:fillRef>
+          <a:effectRef idx="0">
+            <a:schemeClr val="accent1"/>
+          </a:effectRef>
+          <a:fontRef idx="minor">
+            <a:schemeClr val="lt1"/>
+          </a:fontRef>
+        </p:style>
+        <p:txBody>
+          <a:bodyPr rtlCol="0" anchor="ctr"/>
+          <a:lstStyle/>
+          <a:p>
+            <a:pPr algn="ctr"/>
+            <a:endParaRPr lang="en-CN" dirty="0"/>
+          </a:p>
+        </p:txBody>
+      </p:sp>
+      <p:sp>
+        <p:nvSpPr>
+          <p:cNvPr id="31" name="Oval 30">
+            <a:extLst>
+              <a:ext uri="{FF2B5EF4-FFF2-40B4-BE49-F238E27FC236}">
+                <a16:creationId xmlns:a16="http://schemas.microsoft.com/office/drawing/2014/main" id="{005BC62A-E9E5-054B-B08D-24CE2C7E3970}"/>
+              </a:ext>
+            </a:extLst>
+          </p:cNvPr>
+          <p:cNvSpPr/>
+          <p:nvPr/>
+        </p:nvSpPr>
+        <p:spPr>
+          <a:xfrm>
+            <a:off x="9679248" y="5153810"/>
+            <a:ext cx="152514" cy="152514"/>
+          </a:xfrm>
+          <a:prstGeom prst="ellipse">
+            <a:avLst/>
+          </a:prstGeom>
+        </p:spPr>
+        <p:style>
+          <a:lnRef idx="2">
+            <a:schemeClr val="accent1">
+              <a:shade val="50000"/>
+            </a:schemeClr>
+          </a:lnRef>
+          <a:fillRef idx="1">
+            <a:schemeClr val="accent1"/>
+          </a:fillRef>
+          <a:effectRef idx="0">
+            <a:schemeClr val="accent1"/>
+          </a:effectRef>
+          <a:fontRef idx="minor">
+            <a:schemeClr val="lt1"/>
+          </a:fontRef>
+        </p:style>
+        <p:txBody>
+          <a:bodyPr rtlCol="0" anchor="ctr"/>
+          <a:lstStyle/>
+          <a:p>
+            <a:pPr algn="ctr"/>
+            <a:endParaRPr lang="en-CN" dirty="0"/>
+          </a:p>
+        </p:txBody>
+      </p:sp>
+      <p:sp>
+        <p:nvSpPr>
+          <p:cNvPr id="32" name="Oval 31">
+            <a:extLst>
+              <a:ext uri="{FF2B5EF4-FFF2-40B4-BE49-F238E27FC236}">
+                <a16:creationId xmlns:a16="http://schemas.microsoft.com/office/drawing/2014/main" id="{7FAB7D65-477B-C548-BA75-8B64CC10B6CA}"/>
+              </a:ext>
+            </a:extLst>
+          </p:cNvPr>
+          <p:cNvSpPr/>
+          <p:nvPr/>
+        </p:nvSpPr>
+        <p:spPr>
+          <a:xfrm>
+            <a:off x="8998663" y="3595653"/>
+            <a:ext cx="152514" cy="152514"/>
+          </a:xfrm>
+          <a:prstGeom prst="ellipse">
+            <a:avLst/>
+          </a:prstGeom>
+        </p:spPr>
+        <p:style>
+          <a:lnRef idx="2">
+            <a:schemeClr val="accent1">
+              <a:shade val="50000"/>
+            </a:schemeClr>
+          </a:lnRef>
+          <a:fillRef idx="1">
+            <a:schemeClr val="accent1"/>
+          </a:fillRef>
+          <a:effectRef idx="0">
+            <a:schemeClr val="accent1"/>
+          </a:effectRef>
+          <a:fontRef idx="minor">
+            <a:schemeClr val="lt1"/>
+          </a:fontRef>
+        </p:style>
+        <p:txBody>
+          <a:bodyPr rtlCol="0" anchor="ctr"/>
+          <a:lstStyle/>
+          <a:p>
+            <a:pPr algn="ctr"/>
+            <a:endParaRPr lang="en-CN" dirty="0"/>
+          </a:p>
+        </p:txBody>
+      </p:sp>
+      <p:sp>
+        <p:nvSpPr>
+          <p:cNvPr id="33" name="Oval 32">
+            <a:extLst>
+              <a:ext uri="{FF2B5EF4-FFF2-40B4-BE49-F238E27FC236}">
+                <a16:creationId xmlns:a16="http://schemas.microsoft.com/office/drawing/2014/main" id="{7C49B6CD-A0CB-A64D-AB6D-473BF6EE3A73}"/>
+              </a:ext>
+            </a:extLst>
+          </p:cNvPr>
+          <p:cNvSpPr/>
+          <p:nvPr/>
+        </p:nvSpPr>
+        <p:spPr>
+          <a:xfrm>
+            <a:off x="10038051" y="1729413"/>
+            <a:ext cx="152514" cy="152514"/>
+          </a:xfrm>
+          <a:prstGeom prst="ellipse">
+            <a:avLst/>
+          </a:prstGeom>
+        </p:spPr>
+        <p:style>
+          <a:lnRef idx="2">
+            <a:schemeClr val="accent1">
+              <a:shade val="50000"/>
+            </a:schemeClr>
+          </a:lnRef>
+          <a:fillRef idx="1">
+            <a:schemeClr val="accent1"/>
+          </a:fillRef>
+          <a:effectRef idx="0">
+            <a:schemeClr val="accent1"/>
+          </a:effectRef>
+          <a:fontRef idx="minor">
+            <a:schemeClr val="lt1"/>
+          </a:fontRef>
+        </p:style>
+        <p:txBody>
+          <a:bodyPr rtlCol="0" anchor="ctr"/>
+          <a:lstStyle/>
+          <a:p>
+            <a:pPr algn="ctr"/>
+            <a:endParaRPr lang="en-CN" dirty="0"/>
+          </a:p>
+        </p:txBody>
+      </p:sp>
+      <p:sp>
+        <p:nvSpPr>
+          <p:cNvPr id="34" name="Oval 33">
+            <a:extLst>
+              <a:ext uri="{FF2B5EF4-FFF2-40B4-BE49-F238E27FC236}">
+                <a16:creationId xmlns:a16="http://schemas.microsoft.com/office/drawing/2014/main" id="{9D82484E-FA42-3242-ACF3-E8431FBC080E}"/>
+              </a:ext>
+            </a:extLst>
+          </p:cNvPr>
+          <p:cNvSpPr/>
+          <p:nvPr/>
+        </p:nvSpPr>
+        <p:spPr>
+          <a:xfrm>
+            <a:off x="7623774" y="5148112"/>
+            <a:ext cx="152514" cy="152514"/>
+          </a:xfrm>
+          <a:prstGeom prst="ellipse">
+            <a:avLst/>
+          </a:prstGeom>
+        </p:spPr>
+        <p:style>
+          <a:lnRef idx="2">
+            <a:schemeClr val="accent1">
+              <a:shade val="50000"/>
+            </a:schemeClr>
+          </a:lnRef>
+          <a:fillRef idx="1">
+            <a:schemeClr val="accent1"/>
+          </a:fillRef>
+          <a:effectRef idx="0">
+            <a:schemeClr val="accent1"/>
+          </a:effectRef>
+          <a:fontRef idx="minor">
+            <a:schemeClr val="lt1"/>
+          </a:fontRef>
+        </p:style>
+        <p:txBody>
+          <a:bodyPr rtlCol="0" anchor="ctr"/>
+          <a:lstStyle/>
+          <a:p>
+            <a:pPr algn="ctr"/>
+            <a:endParaRPr lang="en-CN" dirty="0"/>
+          </a:p>
+        </p:txBody>
+      </p:sp>
+      <p:sp>
+        <p:nvSpPr>
+          <p:cNvPr id="35" name="Oval 34">
+            <a:extLst>
+              <a:ext uri="{FF2B5EF4-FFF2-40B4-BE49-F238E27FC236}">
+                <a16:creationId xmlns:a16="http://schemas.microsoft.com/office/drawing/2014/main" id="{2EECD2D4-406E-094F-863D-52CB21B95032}"/>
+              </a:ext>
+            </a:extLst>
+          </p:cNvPr>
+          <p:cNvSpPr/>
+          <p:nvPr/>
+        </p:nvSpPr>
+        <p:spPr>
+          <a:xfrm>
+            <a:off x="11375822" y="5651903"/>
+            <a:ext cx="152514" cy="152514"/>
+          </a:xfrm>
+          <a:prstGeom prst="ellipse">
+            <a:avLst/>
+          </a:prstGeom>
+        </p:spPr>
+        <p:style>
+          <a:lnRef idx="2">
+            <a:schemeClr val="accent1">
+              <a:shade val="50000"/>
+            </a:schemeClr>
+          </a:lnRef>
+          <a:fillRef idx="1">
+            <a:schemeClr val="accent1"/>
+          </a:fillRef>
+          <a:effectRef idx="0">
+            <a:schemeClr val="accent1"/>
+          </a:effectRef>
+          <a:fontRef idx="minor">
+            <a:schemeClr val="lt1"/>
+          </a:fontRef>
+        </p:style>
+        <p:txBody>
+          <a:bodyPr rtlCol="0" anchor="ctr"/>
+          <a:lstStyle/>
+          <a:p>
+            <a:pPr algn="ctr"/>
+            <a:endParaRPr lang="en-CN" dirty="0"/>
+          </a:p>
+        </p:txBody>
+      </p:sp>
+      <p:sp>
+        <p:nvSpPr>
+          <p:cNvPr id="36" name="Freeform 35">
+            <a:extLst>
+              <a:ext uri="{FF2B5EF4-FFF2-40B4-BE49-F238E27FC236}">
+                <a16:creationId xmlns:a16="http://schemas.microsoft.com/office/drawing/2014/main" id="{A29EC7ED-E3E0-AB48-8A4B-569E952205F7}"/>
+              </a:ext>
+            </a:extLst>
+          </p:cNvPr>
+          <p:cNvSpPr/>
+          <p:nvPr/>
+        </p:nvSpPr>
+        <p:spPr>
+          <a:xfrm rot="11216647">
+            <a:off x="9693232" y="4947684"/>
+            <a:ext cx="231895" cy="83408"/>
+          </a:xfrm>
+          <a:custGeom>
+            <a:avLst/>
+            <a:gdLst>
+              <a:gd name="connsiteX0" fmla="*/ 0 w 690664"/>
+              <a:gd name="connsiteY0" fmla="*/ 0 h 145914"/>
+              <a:gd name="connsiteX1" fmla="*/ 379379 w 690664"/>
+              <a:gd name="connsiteY1" fmla="*/ 145914 h 145914"/>
+              <a:gd name="connsiteX2" fmla="*/ 690664 w 690664"/>
+              <a:gd name="connsiteY2" fmla="*/ 0 h 145914"/>
+            </a:gdLst>
+            <a:ahLst/>
+            <a:cxnLst>
+              <a:cxn ang="0">
+                <a:pos x="connsiteX0" y="connsiteY0"/>
+              </a:cxn>
+              <a:cxn ang="0">
+                <a:pos x="connsiteX1" y="connsiteY1"/>
+              </a:cxn>
+              <a:cxn ang="0">
+                <a:pos x="connsiteX2" y="connsiteY2"/>
+              </a:cxn>
+            </a:cxnLst>
+            <a:rect l="l" t="t" r="r" b="b"/>
+            <a:pathLst>
+              <a:path w="690664" h="145914">
+                <a:moveTo>
+                  <a:pt x="0" y="0"/>
+                </a:moveTo>
+                <a:cubicBezTo>
+                  <a:pt x="132134" y="72957"/>
+                  <a:pt x="264268" y="145914"/>
+                  <a:pt x="379379" y="145914"/>
+                </a:cubicBezTo>
+                <a:cubicBezTo>
+                  <a:pt x="494490" y="145914"/>
+                  <a:pt x="638783" y="17834"/>
+                  <a:pt x="690664" y="0"/>
+                </a:cubicBezTo>
+              </a:path>
+            </a:pathLst>
+          </a:custGeom>
+          <a:noFill/>
+        </p:spPr>
+        <p:style>
+          <a:lnRef idx="2">
+            <a:schemeClr val="accent1">
+              <a:shade val="50000"/>
+            </a:schemeClr>
+          </a:lnRef>
+          <a:fillRef idx="1">
+            <a:schemeClr val="accent1"/>
+          </a:fillRef>
+          <a:effectRef idx="0">
+            <a:schemeClr val="accent1"/>
+          </a:effectRef>
+          <a:fontRef idx="minor">
+            <a:schemeClr val="lt1"/>
+          </a:fontRef>
+        </p:style>
+        <p:txBody>
+          <a:bodyPr rtlCol="0" anchor="ctr"/>
+          <a:lstStyle/>
+          <a:p>
+            <a:pPr algn="ctr"/>
+            <a:endParaRPr lang="en-CN"/>
+          </a:p>
+        </p:txBody>
+      </p:sp>
+      <mc:AlternateContent xmlns:mc="http://schemas.openxmlformats.org/markup-compatibility/2006" xmlns:a14="http://schemas.microsoft.com/office/drawing/2010/main">
+        <mc:Choice Requires="a14">
+          <p:sp>
+            <p:nvSpPr>
+              <p:cNvPr id="37" name="TextBox 36">
+                <a:extLst>
+                  <a:ext uri="{FF2B5EF4-FFF2-40B4-BE49-F238E27FC236}">
+                    <a16:creationId xmlns:a16="http://schemas.microsoft.com/office/drawing/2014/main" id="{F6910F55-1A2C-504F-BA0C-63CB92356BA2}"/>
+                  </a:ext>
+                </a:extLst>
+              </p:cNvPr>
+              <p:cNvSpPr txBox="1"/>
+              <p:nvPr/>
+            </p:nvSpPr>
+            <p:spPr>
+              <a:xfrm>
+                <a:off x="9763313" y="4649245"/>
+                <a:ext cx="166006" cy="276999"/>
+              </a:xfrm>
+              <a:prstGeom prst="rect">
+                <a:avLst/>
+              </a:prstGeom>
+              <a:noFill/>
+            </p:spPr>
+            <p:txBody>
+              <a:bodyPr wrap="none" lIns="0" tIns="0" rIns="0" bIns="0" rtlCol="0">
+                <a:spAutoFit/>
+              </a:bodyPr>
+              <a:lstStyle/>
+              <a:p>
+                <a:pPr/>
+                <a14:m>
+                  <m:oMathPara xmlns:m="http://schemas.openxmlformats.org/officeDocument/2006/math">
+                    <m:oMathParaPr>
+                      <m:jc m:val="centerGroup"/>
+                    </m:oMathParaPr>
+                    <m:oMath xmlns:m="http://schemas.openxmlformats.org/officeDocument/2006/math">
+                      <m:r>
+                        <a:rPr lang="en-US" b="0" i="1" smtClean="0">
+                          <a:latin typeface="Cambria Math" panose="02040503050406030204" pitchFamily="18" charset="0"/>
+                        </a:rPr>
+                        <m:t>𝑐</m:t>
+                      </m:r>
+                    </m:oMath>
+                  </m:oMathPara>
+                </a14:m>
+                <a:endParaRPr lang="en-CN" dirty="0"/>
+              </a:p>
+            </p:txBody>
+          </p:sp>
+        </mc:Choice>
+        <mc:Fallback xmlns="">
+          <p:sp>
+            <p:nvSpPr>
+              <p:cNvPr id="37" name="TextBox 36">
+                <a:extLst>
+                  <a:ext uri="{FF2B5EF4-FFF2-40B4-BE49-F238E27FC236}">
+                    <a16:creationId xmlns:a16="http://schemas.microsoft.com/office/drawing/2014/main" id="{F6910F55-1A2C-504F-BA0C-63CB92356BA2}"/>
+                  </a:ext>
+                </a:extLst>
+              </p:cNvPr>
+              <p:cNvSpPr txBox="1">
+                <a:spLocks noRot="1" noChangeAspect="1" noMove="1" noResize="1" noEditPoints="1" noAdjustHandles="1" noChangeArrowheads="1" noChangeShapeType="1" noTextEdit="1"/>
+              </p:cNvSpPr>
+              <p:nvPr/>
+            </p:nvSpPr>
+            <p:spPr>
+              <a:xfrm>
+                <a:off x="9763313" y="4649245"/>
+                <a:ext cx="166006" cy="276999"/>
+              </a:xfrm>
+              <a:prstGeom prst="rect">
+                <a:avLst/>
+              </a:prstGeom>
+              <a:blipFill>
+                <a:blip r:embed="rId7"/>
+                <a:stretch>
+                  <a:fillRect l="-14286" r="-14286"/>
+                </a:stretch>
+              </a:blipFill>
+            </p:spPr>
+            <p:txBody>
+              <a:bodyPr/>
+              <a:lstStyle/>
+              <a:p>
+                <a:r>
+                  <a:rPr lang="en-CN">
+                    <a:noFill/>
+                  </a:rPr>
+                  <a:t> </a:t>
+                </a:r>
+              </a:p>
+            </p:txBody>
+          </p:sp>
+        </mc:Fallback>
+      </mc:AlternateContent>
+      <p:cxnSp>
+        <p:nvCxnSpPr>
+          <p:cNvPr id="38" name="Straight Arrow Connector 37">
+            <a:extLst>
+              <a:ext uri="{FF2B5EF4-FFF2-40B4-BE49-F238E27FC236}">
+                <a16:creationId xmlns:a16="http://schemas.microsoft.com/office/drawing/2014/main" id="{82DBE2C7-BF65-DC4F-AD08-7EFB9F60C73F}"/>
+              </a:ext>
+            </a:extLst>
+          </p:cNvPr>
+          <p:cNvCxnSpPr>
+            <a:cxnSpLocks/>
+          </p:cNvCxnSpPr>
+          <p:nvPr/>
+        </p:nvCxnSpPr>
+        <p:spPr>
+          <a:xfrm flipH="1">
+            <a:off x="10113420" y="3344180"/>
+            <a:ext cx="1" cy="601543"/>
+          </a:xfrm>
+          <a:prstGeom prst="straightConnector1">
+            <a:avLst/>
+          </a:prstGeom>
+          <a:ln w="38100">
+            <a:solidFill>
+              <a:schemeClr val="tx1">
+                <a:alpha val="75000"/>
+              </a:schemeClr>
+            </a:solidFill>
+            <a:prstDash val="dash"/>
+            <a:tailEnd type="triangle"/>
+          </a:ln>
+        </p:spPr>
+        <p:style>
+          <a:lnRef idx="1">
+            <a:schemeClr val="accent1"/>
+          </a:lnRef>
+          <a:fillRef idx="0">
+            <a:schemeClr val="accent1"/>
+          </a:fillRef>
+          <a:effectRef idx="0">
+            <a:schemeClr val="accent1"/>
+          </a:effectRef>
+          <a:fontRef idx="minor">
+            <a:schemeClr val="tx1"/>
+          </a:fontRef>
+        </p:style>
+      </p:cxnSp>
+      <mc:AlternateContent xmlns:mc="http://schemas.openxmlformats.org/markup-compatibility/2006" xmlns:a14="http://schemas.microsoft.com/office/drawing/2010/main">
+        <mc:Choice Requires="a14">
+          <p:sp>
+            <p:nvSpPr>
+              <p:cNvPr id="39" name="TextBox 38">
+                <a:extLst>
+                  <a:ext uri="{FF2B5EF4-FFF2-40B4-BE49-F238E27FC236}">
+                    <a16:creationId xmlns:a16="http://schemas.microsoft.com/office/drawing/2014/main" id="{755D1080-988A-4044-8666-EB1F403F6F7D}"/>
+                  </a:ext>
+                </a:extLst>
+              </p:cNvPr>
+              <p:cNvSpPr txBox="1"/>
+              <p:nvPr/>
+            </p:nvSpPr>
+            <p:spPr>
+              <a:xfrm>
+                <a:off x="8262881" y="4787744"/>
+                <a:ext cx="274499" cy="276999"/>
+              </a:xfrm>
+              <a:prstGeom prst="rect">
+                <a:avLst/>
+              </a:prstGeom>
+              <a:noFill/>
+            </p:spPr>
+            <p:txBody>
+              <a:bodyPr wrap="none" lIns="0" tIns="0" rIns="0" bIns="0" rtlCol="0">
+                <a:spAutoFit/>
+              </a:bodyPr>
+              <a:lstStyle/>
+              <a:p>
+                <a:pPr/>
+                <a14:m>
+                  <m:oMathPara xmlns:m="http://schemas.openxmlformats.org/officeDocument/2006/math">
+                    <m:oMathParaPr>
+                      <m:jc m:val="centerGroup"/>
+                    </m:oMathParaPr>
+                    <m:oMath xmlns:m="http://schemas.openxmlformats.org/officeDocument/2006/math">
+                      <m:sSub>
+                        <m:sSubPr>
+                          <m:ctrlPr>
+                            <a:rPr lang="en-US" b="0" i="1" smtClean="0">
+                              <a:latin typeface="Cambria Math" panose="02040503050406030204" pitchFamily="18" charset="0"/>
+                            </a:rPr>
+                          </m:ctrlPr>
+                        </m:sSubPr>
+                        <m:e>
+                          <m:r>
+                            <a:rPr lang="en-US" b="0" i="1" smtClean="0">
+                              <a:latin typeface="Cambria Math" panose="02040503050406030204" pitchFamily="18" charset="0"/>
+                            </a:rPr>
+                            <m:t>𝑐</m:t>
+                          </m:r>
+                        </m:e>
+                        <m:sub>
+                          <m:r>
+                            <a:rPr lang="en-US" b="0" i="1" smtClean="0">
+                              <a:latin typeface="Cambria Math" panose="02040503050406030204" pitchFamily="18" charset="0"/>
+                            </a:rPr>
+                            <m:t>𝑛</m:t>
+                          </m:r>
+                        </m:sub>
+                      </m:sSub>
+                    </m:oMath>
+                  </m:oMathPara>
+                </a14:m>
+                <a:endParaRPr lang="en-CN" dirty="0"/>
+              </a:p>
+            </p:txBody>
+          </p:sp>
+        </mc:Choice>
+        <mc:Fallback xmlns="">
+          <p:sp>
+            <p:nvSpPr>
+              <p:cNvPr id="39" name="TextBox 38">
+                <a:extLst>
+                  <a:ext uri="{FF2B5EF4-FFF2-40B4-BE49-F238E27FC236}">
+                    <a16:creationId xmlns:a16="http://schemas.microsoft.com/office/drawing/2014/main" id="{755D1080-988A-4044-8666-EB1F403F6F7D}"/>
+                  </a:ext>
+                </a:extLst>
+              </p:cNvPr>
+              <p:cNvSpPr txBox="1">
+                <a:spLocks noRot="1" noChangeAspect="1" noMove="1" noResize="1" noEditPoints="1" noAdjustHandles="1" noChangeArrowheads="1" noChangeShapeType="1" noTextEdit="1"/>
+              </p:cNvSpPr>
+              <p:nvPr/>
+            </p:nvSpPr>
+            <p:spPr>
+              <a:xfrm>
+                <a:off x="8262881" y="4787744"/>
+                <a:ext cx="274499" cy="276999"/>
+              </a:xfrm>
+              <a:prstGeom prst="rect">
+                <a:avLst/>
+              </a:prstGeom>
+              <a:blipFill>
+                <a:blip r:embed="rId8"/>
+                <a:stretch>
+                  <a:fillRect l="-9091" r="-4545" b="-8696"/>
+                </a:stretch>
+              </a:blipFill>
+            </p:spPr>
+            <p:txBody>
+              <a:bodyPr/>
+              <a:lstStyle/>
+              <a:p>
+                <a:r>
+                  <a:rPr lang="en-CN">
+                    <a:noFill/>
+                  </a:rPr>
+                  <a:t> </a:t>
+                </a:r>
+              </a:p>
+            </p:txBody>
+          </p:sp>
+        </mc:Fallback>
+      </mc:AlternateContent>
+      <p:sp>
+        <p:nvSpPr>
+          <p:cNvPr id="40" name="Freeform 39">
+            <a:extLst>
+              <a:ext uri="{FF2B5EF4-FFF2-40B4-BE49-F238E27FC236}">
+                <a16:creationId xmlns:a16="http://schemas.microsoft.com/office/drawing/2014/main" id="{C470A246-12D7-DD4B-9CF0-A1100DB75611}"/>
+              </a:ext>
+            </a:extLst>
+          </p:cNvPr>
+          <p:cNvSpPr/>
+          <p:nvPr/>
+        </p:nvSpPr>
+        <p:spPr>
+          <a:xfrm rot="13775256">
+            <a:off x="7857947" y="5056214"/>
+            <a:ext cx="231895" cy="83408"/>
+          </a:xfrm>
+          <a:custGeom>
+            <a:avLst/>
+            <a:gdLst>
+              <a:gd name="connsiteX0" fmla="*/ 0 w 690664"/>
+              <a:gd name="connsiteY0" fmla="*/ 0 h 145914"/>
+              <a:gd name="connsiteX1" fmla="*/ 379379 w 690664"/>
+              <a:gd name="connsiteY1" fmla="*/ 145914 h 145914"/>
+              <a:gd name="connsiteX2" fmla="*/ 690664 w 690664"/>
+              <a:gd name="connsiteY2" fmla="*/ 0 h 145914"/>
+            </a:gdLst>
+            <a:ahLst/>
+            <a:cxnLst>
+              <a:cxn ang="0">
+                <a:pos x="connsiteX0" y="connsiteY0"/>
+              </a:cxn>
+              <a:cxn ang="0">
+                <a:pos x="connsiteX1" y="connsiteY1"/>
+              </a:cxn>
+              <a:cxn ang="0">
+                <a:pos x="connsiteX2" y="connsiteY2"/>
+              </a:cxn>
+            </a:cxnLst>
+            <a:rect l="l" t="t" r="r" b="b"/>
+            <a:pathLst>
+              <a:path w="690664" h="145914">
+                <a:moveTo>
+                  <a:pt x="0" y="0"/>
+                </a:moveTo>
+                <a:cubicBezTo>
+                  <a:pt x="132134" y="72957"/>
+                  <a:pt x="264268" y="145914"/>
+                  <a:pt x="379379" y="145914"/>
+                </a:cubicBezTo>
+                <a:cubicBezTo>
+                  <a:pt x="494490" y="145914"/>
+                  <a:pt x="638783" y="17834"/>
+                  <a:pt x="690664" y="0"/>
+                </a:cubicBezTo>
+              </a:path>
+            </a:pathLst>
+          </a:custGeom>
+          <a:noFill/>
+        </p:spPr>
+        <p:style>
+          <a:lnRef idx="2">
+            <a:schemeClr val="accent1">
+              <a:shade val="50000"/>
+            </a:schemeClr>
+          </a:lnRef>
+          <a:fillRef idx="1">
+            <a:schemeClr val="accent1"/>
+          </a:fillRef>
+          <a:effectRef idx="0">
+            <a:schemeClr val="accent1"/>
+          </a:effectRef>
+          <a:fontRef idx="minor">
+            <a:schemeClr val="lt1"/>
+          </a:fontRef>
+        </p:style>
+        <p:txBody>
+          <a:bodyPr rtlCol="0" anchor="ctr"/>
+          <a:lstStyle/>
+          <a:p>
+            <a:pPr algn="ctr"/>
+            <a:endParaRPr lang="en-CN"/>
+          </a:p>
+        </p:txBody>
+      </p:sp>
+      <p:sp>
+        <p:nvSpPr>
+          <p:cNvPr id="41" name="Freeform 40">
+            <a:extLst>
+              <a:ext uri="{FF2B5EF4-FFF2-40B4-BE49-F238E27FC236}">
+                <a16:creationId xmlns:a16="http://schemas.microsoft.com/office/drawing/2014/main" id="{ABA8E91C-ECDB-3B4A-97B2-5ACBF7BAD7C0}"/>
+              </a:ext>
+            </a:extLst>
+          </p:cNvPr>
+          <p:cNvSpPr/>
+          <p:nvPr/>
+        </p:nvSpPr>
+        <p:spPr>
+          <a:xfrm rot="7488627">
+            <a:off x="10820220" y="3505699"/>
+            <a:ext cx="231895" cy="83408"/>
+          </a:xfrm>
+          <a:custGeom>
+            <a:avLst/>
+            <a:gdLst>
+              <a:gd name="connsiteX0" fmla="*/ 0 w 690664"/>
+              <a:gd name="connsiteY0" fmla="*/ 0 h 145914"/>
+              <a:gd name="connsiteX1" fmla="*/ 379379 w 690664"/>
+              <a:gd name="connsiteY1" fmla="*/ 145914 h 145914"/>
+              <a:gd name="connsiteX2" fmla="*/ 690664 w 690664"/>
+              <a:gd name="connsiteY2" fmla="*/ 0 h 145914"/>
+            </a:gdLst>
+            <a:ahLst/>
+            <a:cxnLst>
+              <a:cxn ang="0">
+                <a:pos x="connsiteX0" y="connsiteY0"/>
+              </a:cxn>
+              <a:cxn ang="0">
+                <a:pos x="connsiteX1" y="connsiteY1"/>
+              </a:cxn>
+              <a:cxn ang="0">
+                <a:pos x="connsiteX2" y="connsiteY2"/>
+              </a:cxn>
+            </a:cxnLst>
+            <a:rect l="l" t="t" r="r" b="b"/>
+            <a:pathLst>
+              <a:path w="690664" h="145914">
+                <a:moveTo>
+                  <a:pt x="0" y="0"/>
+                </a:moveTo>
+                <a:cubicBezTo>
+                  <a:pt x="132134" y="72957"/>
+                  <a:pt x="264268" y="145914"/>
+                  <a:pt x="379379" y="145914"/>
+                </a:cubicBezTo>
+                <a:cubicBezTo>
+                  <a:pt x="494490" y="145914"/>
+                  <a:pt x="638783" y="17834"/>
+                  <a:pt x="690664" y="0"/>
+                </a:cubicBezTo>
+              </a:path>
+            </a:pathLst>
+          </a:custGeom>
+          <a:noFill/>
+        </p:spPr>
+        <p:style>
+          <a:lnRef idx="2">
+            <a:schemeClr val="accent1">
+              <a:shade val="50000"/>
+            </a:schemeClr>
+          </a:lnRef>
+          <a:fillRef idx="1">
+            <a:schemeClr val="accent1"/>
+          </a:fillRef>
+          <a:effectRef idx="0">
+            <a:schemeClr val="accent1"/>
+          </a:effectRef>
+          <a:fontRef idx="minor">
+            <a:schemeClr val="lt1"/>
+          </a:fontRef>
+        </p:style>
+        <p:txBody>
+          <a:bodyPr rtlCol="0" anchor="ctr"/>
+          <a:lstStyle/>
+          <a:p>
+            <a:pPr algn="ctr"/>
+            <a:endParaRPr lang="en-CN"/>
+          </a:p>
+        </p:txBody>
+      </p:sp>
+      <mc:AlternateContent xmlns:mc="http://schemas.openxmlformats.org/markup-compatibility/2006" xmlns:a14="http://schemas.microsoft.com/office/drawing/2010/main">
+        <mc:Choice Requires="a14">
+          <p:sp>
+            <p:nvSpPr>
+              <p:cNvPr id="42" name="TextBox 41">
+                <a:extLst>
+                  <a:ext uri="{FF2B5EF4-FFF2-40B4-BE49-F238E27FC236}">
+                    <a16:creationId xmlns:a16="http://schemas.microsoft.com/office/drawing/2014/main" id="{0510A906-5840-1640-AE4A-722AE246B016}"/>
+                  </a:ext>
+                </a:extLst>
+              </p:cNvPr>
+              <p:cNvSpPr txBox="1"/>
+              <p:nvPr/>
+            </p:nvSpPr>
+            <p:spPr>
+              <a:xfrm>
+                <a:off x="10581389" y="3272254"/>
+                <a:ext cx="270459" cy="298415"/>
+              </a:xfrm>
+              <a:prstGeom prst="rect">
+                <a:avLst/>
+              </a:prstGeom>
+              <a:noFill/>
+            </p:spPr>
+            <p:txBody>
+              <a:bodyPr wrap="none" lIns="0" tIns="0" rIns="0" bIns="0" rtlCol="0">
+                <a:spAutoFit/>
+              </a:bodyPr>
+              <a:lstStyle/>
+              <a:p>
+                <a:pPr/>
+                <a14:m>
+                  <m:oMathPara xmlns:m="http://schemas.openxmlformats.org/officeDocument/2006/math">
+                    <m:oMathParaPr>
+                      <m:jc m:val="centerGroup"/>
+                    </m:oMathParaPr>
+                    <m:oMath xmlns:m="http://schemas.openxmlformats.org/officeDocument/2006/math">
+                      <m:sSub>
+                        <m:sSubPr>
+                          <m:ctrlPr>
+                            <a:rPr lang="en-US" b="0" i="1" smtClean="0">
+                              <a:latin typeface="Cambria Math" panose="02040503050406030204" pitchFamily="18" charset="0"/>
+                            </a:rPr>
+                          </m:ctrlPr>
+                        </m:sSubPr>
+                        <m:e>
+                          <m:r>
+                            <a:rPr lang="en-US" b="0" i="1" smtClean="0">
+                              <a:latin typeface="Cambria Math" panose="02040503050406030204" pitchFamily="18" charset="0"/>
+                            </a:rPr>
+                            <m:t>𝑐</m:t>
+                          </m:r>
+                        </m:e>
+                        <m:sub>
+                          <m:r>
+                            <a:rPr lang="en-US" b="0" i="1" smtClean="0">
+                              <a:latin typeface="Cambria Math" panose="02040503050406030204" pitchFamily="18" charset="0"/>
+                            </a:rPr>
+                            <m:t>𝑝</m:t>
+                          </m:r>
+                        </m:sub>
+                      </m:sSub>
+                    </m:oMath>
+                  </m:oMathPara>
+                </a14:m>
+                <a:endParaRPr lang="en-CN" dirty="0"/>
+              </a:p>
+            </p:txBody>
+          </p:sp>
+        </mc:Choice>
+        <mc:Fallback xmlns="">
+          <p:sp>
+            <p:nvSpPr>
+              <p:cNvPr id="42" name="TextBox 41">
+                <a:extLst>
+                  <a:ext uri="{FF2B5EF4-FFF2-40B4-BE49-F238E27FC236}">
+                    <a16:creationId xmlns:a16="http://schemas.microsoft.com/office/drawing/2014/main" id="{0510A906-5840-1640-AE4A-722AE246B016}"/>
+                  </a:ext>
+                </a:extLst>
+              </p:cNvPr>
+              <p:cNvSpPr txBox="1">
+                <a:spLocks noRot="1" noChangeAspect="1" noMove="1" noResize="1" noEditPoints="1" noAdjustHandles="1" noChangeArrowheads="1" noChangeShapeType="1" noTextEdit="1"/>
+              </p:cNvSpPr>
+              <p:nvPr/>
+            </p:nvSpPr>
+            <p:spPr>
+              <a:xfrm>
+                <a:off x="10581389" y="3272254"/>
+                <a:ext cx="270459" cy="298415"/>
+              </a:xfrm>
+              <a:prstGeom prst="rect">
+                <a:avLst/>
+              </a:prstGeom>
+              <a:blipFill>
+                <a:blip r:embed="rId9"/>
+                <a:stretch>
+                  <a:fillRect l="-13636" r="-9091" b="-20000"/>
+                </a:stretch>
+              </a:blipFill>
+            </p:spPr>
+            <p:txBody>
+              <a:bodyPr/>
+              <a:lstStyle/>
+              <a:p>
+                <a:r>
+                  <a:rPr lang="en-CN">
+                    <a:noFill/>
+                  </a:rPr>
+                  <a:t> </a:t>
+                </a:r>
+              </a:p>
+            </p:txBody>
+          </p:sp>
+        </mc:Fallback>
+      </mc:AlternateContent>
+      <p:cxnSp>
+        <p:nvCxnSpPr>
+          <p:cNvPr id="43" name="Straight Arrow Connector 42">
+            <a:extLst>
+              <a:ext uri="{FF2B5EF4-FFF2-40B4-BE49-F238E27FC236}">
+                <a16:creationId xmlns:a16="http://schemas.microsoft.com/office/drawing/2014/main" id="{AAEE9BB2-0919-F646-B788-8AE3A28DC1F5}"/>
+              </a:ext>
+            </a:extLst>
+          </p:cNvPr>
+          <p:cNvCxnSpPr>
+            <a:cxnSpLocks/>
+          </p:cNvCxnSpPr>
+          <p:nvPr/>
+        </p:nvCxnSpPr>
+        <p:spPr>
+          <a:xfrm flipH="1">
+            <a:off x="8926575" y="4338562"/>
+            <a:ext cx="1149010" cy="449721"/>
+          </a:xfrm>
+          <a:prstGeom prst="straightConnector1">
+            <a:avLst/>
+          </a:prstGeom>
+          <a:ln w="38100">
+            <a:solidFill>
+              <a:schemeClr val="tx1"/>
+            </a:solidFill>
+            <a:tailEnd type="triangle"/>
+          </a:ln>
+        </p:spPr>
+        <p:style>
+          <a:lnRef idx="1">
+            <a:schemeClr val="accent1"/>
+          </a:lnRef>
+          <a:fillRef idx="0">
+            <a:schemeClr val="accent1"/>
+          </a:fillRef>
+          <a:effectRef idx="0">
+            <a:schemeClr val="accent1"/>
+          </a:effectRef>
+          <a:fontRef idx="minor">
+            <a:schemeClr val="tx1"/>
+          </a:fontRef>
+        </p:style>
+      </p:cxnSp>
+      <p:sp>
+        <p:nvSpPr>
+          <p:cNvPr id="44" name="TextBox 43">
+            <a:extLst>
+              <a:ext uri="{FF2B5EF4-FFF2-40B4-BE49-F238E27FC236}">
+                <a16:creationId xmlns:a16="http://schemas.microsoft.com/office/drawing/2014/main" id="{0AE0C2D2-7B0E-7948-A2C4-F52751F94DFC}"/>
+              </a:ext>
+            </a:extLst>
+          </p:cNvPr>
+          <p:cNvSpPr txBox="1"/>
+          <p:nvPr/>
+        </p:nvSpPr>
+        <p:spPr>
+          <a:xfrm>
+            <a:off x="1974153" y="6246016"/>
+            <a:ext cx="1083951" cy="276999"/>
+          </a:xfrm>
+          <a:prstGeom prst="rect">
+            <a:avLst/>
+          </a:prstGeom>
+          <a:noFill/>
+        </p:spPr>
+        <p:txBody>
+          <a:bodyPr wrap="none" lIns="0" tIns="0" rIns="0" bIns="0" rtlCol="0">
+            <a:spAutoFit/>
+          </a:bodyPr>
+          <a:lstStyle/>
+          <a:p>
+            <a:pPr algn="ctr"/>
+            <a:r>
+              <a:rPr lang="en-CN" dirty="0"/>
+              <a:t>Topology_C</a:t>
+            </a:r>
+          </a:p>
+        </p:txBody>
+      </p:sp>
+      <p:sp>
+        <p:nvSpPr>
+          <p:cNvPr id="45" name="TextBox 44">
+            <a:extLst>
+              <a:ext uri="{FF2B5EF4-FFF2-40B4-BE49-F238E27FC236}">
+                <a16:creationId xmlns:a16="http://schemas.microsoft.com/office/drawing/2014/main" id="{300B1265-F5E2-4140-A5F4-AA71E446D79F}"/>
+              </a:ext>
+            </a:extLst>
+          </p:cNvPr>
+          <p:cNvSpPr txBox="1"/>
+          <p:nvPr/>
+        </p:nvSpPr>
+        <p:spPr>
+          <a:xfrm>
+            <a:off x="9396160" y="6239610"/>
+            <a:ext cx="1066318" cy="276999"/>
+          </a:xfrm>
+          <a:prstGeom prst="rect">
+            <a:avLst/>
+          </a:prstGeom>
+          <a:noFill/>
+        </p:spPr>
+        <p:txBody>
+          <a:bodyPr wrap="none" lIns="0" tIns="0" rIns="0" bIns="0" rtlCol="0">
+            <a:spAutoFit/>
+          </a:bodyPr>
+          <a:lstStyle/>
+          <a:p>
+            <a:pPr algn="ctr"/>
+            <a:r>
+              <a:rPr lang="en-CN" dirty="0"/>
+              <a:t>Topology_S</a:t>
+            </a:r>
+          </a:p>
+        </p:txBody>
+      </p:sp>
     </p:spTree>
     <p:extLst>
       <p:ext uri="{BB962C8B-B14F-4D97-AF65-F5344CB8AC3E}">
-        <p14:creationId xmlns:p14="http://schemas.microsoft.com/office/powerpoint/2010/main" val="2038627632"/>
+        <p14:creationId xmlns:p14="http://schemas.microsoft.com/office/powerpoint/2010/main" val="4152336016"/>
       </p:ext>
     </p:extLst>
   </p:cSld>
@@ -25241,68 +29297,230 @@
       </p:grpSpPr>
       <p:sp>
         <p:nvSpPr>
-          <p:cNvPr id="3" name="Title 2">
+          <p:cNvPr id="12" name="TextBox 11">
             <a:extLst>
               <a:ext uri="{FF2B5EF4-FFF2-40B4-BE49-F238E27FC236}">
-                <a16:creationId xmlns:a16="http://schemas.microsoft.com/office/drawing/2014/main" id="{E8B67ED7-19C5-2D44-87D0-3DA202E461F0}"/>
+                <a16:creationId xmlns:a16="http://schemas.microsoft.com/office/drawing/2014/main" id="{45FBD471-5F21-F047-B2E4-E0AA023A48C6}"/>
               </a:ext>
             </a:extLst>
           </p:cNvPr>
-          <p:cNvSpPr>
-            <a:spLocks noGrp="1"/>
-          </p:cNvSpPr>
-          <p:nvPr>
-            <p:ph type="title"/>
-          </p:nvPr>
+          <p:cNvSpPr txBox="1"/>
+          <p:nvPr/>
         </p:nvSpPr>
-        <p:spPr/>
+        <p:spPr>
+          <a:xfrm>
+            <a:off x="379457" y="966639"/>
+            <a:ext cx="3392328" cy="1200329"/>
+          </a:xfrm>
+          <a:prstGeom prst="rect">
+            <a:avLst/>
+          </a:prstGeom>
+          <a:noFill/>
+          <a:ln>
+            <a:solidFill>
+              <a:schemeClr val="tx1"/>
+            </a:solidFill>
+          </a:ln>
+        </p:spPr>
         <p:txBody>
-          <a:bodyPr/>
+          <a:bodyPr wrap="square" rtlCol="0">
+            <a:spAutoFit/>
+          </a:bodyPr>
           <a:lstStyle/>
           <a:p>
             <a:r>
               <a:rPr lang="en-CN" dirty="0"/>
-              <a:t>Draco: Encoding</a:t>
+              <a:t>Connectivity Encoder – </a:t>
+            </a:r>
+            <a:r>
+              <a:rPr lang="en-CN" dirty="0">
+                <a:solidFill>
+                  <a:srgbClr val="0070C0"/>
+                </a:solidFill>
+              </a:rPr>
+              <a:t>EdgeBreaker</a:t>
+            </a:r>
+            <a:r>
+              <a:rPr lang="en-CN" dirty="0"/>
+              <a:t>算法</a:t>
+            </a:r>
+          </a:p>
+          <a:p>
+            <a:pPr marL="285750" indent="-285750">
+              <a:buFont typeface="Arial" panose="020B0604020202020204" pitchFamily="34" charset="0"/>
+              <a:buChar char="•"/>
+            </a:pPr>
+            <a:r>
+              <a:rPr lang="en-CN" dirty="0"/>
+              <a:t>核心思路是dfs</a:t>
+            </a:r>
+            <a:r>
+              <a:rPr lang="zh-CN" altLang="en-US" dirty="0"/>
+              <a:t> </a:t>
+            </a:r>
+            <a:r>
+              <a:rPr lang="en-US" altLang="zh-CN" dirty="0"/>
+              <a:t>face</a:t>
+            </a:r>
+          </a:p>
+          <a:p>
+            <a:pPr marL="285750" indent="-285750">
+              <a:buFont typeface="Arial" panose="020B0604020202020204" pitchFamily="34" charset="0"/>
+              <a:buChar char="•"/>
+            </a:pPr>
+            <a:r>
+              <a:rPr lang="en-CN" dirty="0"/>
+              <a:t>传输过程传输的就是dfs序</a:t>
             </a:r>
           </a:p>
         </p:txBody>
       </p:sp>
-      <p:pic>
-        <p:nvPicPr>
-          <p:cNvPr id="4" name="Picture 3" descr="A picture containing dark, black, lagomorph&#10;&#10;Description automatically generated">
+      <mc:AlternateContent xmlns:mc="http://schemas.openxmlformats.org/markup-compatibility/2006" xmlns:a14="http://schemas.microsoft.com/office/drawing/2010/main">
+        <mc:Choice Requires="a14">
+          <p:sp>
+            <p:nvSpPr>
+              <p:cNvPr id="13" name="TextBox 12">
+                <a:extLst>
+                  <a:ext uri="{FF2B5EF4-FFF2-40B4-BE49-F238E27FC236}">
+                    <a16:creationId xmlns:a16="http://schemas.microsoft.com/office/drawing/2014/main" id="{B5EA1E71-90ED-7D4D-A7F7-0AEF62D37022}"/>
+                  </a:ext>
+                </a:extLst>
+              </p:cNvPr>
+              <p:cNvSpPr txBox="1"/>
+              <p:nvPr/>
+            </p:nvSpPr>
+            <p:spPr>
+              <a:xfrm>
+                <a:off x="2571162" y="0"/>
+                <a:ext cx="7049673" cy="830997"/>
+              </a:xfrm>
+              <a:prstGeom prst="rect">
+                <a:avLst/>
+              </a:prstGeom>
+              <a:noFill/>
+              <a:ln>
+                <a:noFill/>
+              </a:ln>
+            </p:spPr>
+            <p:txBody>
+              <a:bodyPr wrap="square" rtlCol="0">
+                <a:spAutoFit/>
+              </a:bodyPr>
+              <a:lstStyle/>
+              <a:p>
+                <a:pPr algn="ctr"/>
+                <a:r>
+                  <a:rPr lang="en-US" sz="2400" b="1" dirty="0"/>
+                  <a:t>Upper-Layer Encoding Algorithms</a:t>
+                </a:r>
+              </a:p>
+              <a:p>
+                <a:pPr algn="ctr"/>
+                <a:r>
+                  <a:rPr lang="en-US" sz="2400" dirty="0"/>
+                  <a:t>Given a mesh </a:t>
+                </a:r>
+                <a14:m>
+                  <m:oMath xmlns:m="http://schemas.openxmlformats.org/officeDocument/2006/math">
+                    <m:r>
+                      <a:rPr lang="en-US" sz="2400" i="1" smtClean="0">
+                        <a:latin typeface="Cambria Math" panose="02040503050406030204" pitchFamily="18" charset="0"/>
+                        <a:ea typeface="Cambria Math" panose="02040503050406030204" pitchFamily="18" charset="0"/>
+                      </a:rPr>
+                      <m:t>ℳ</m:t>
+                    </m:r>
+                  </m:oMath>
+                </a14:m>
+                <a:r>
+                  <a:rPr lang="en-CN" sz="2400" dirty="0"/>
+                  <a:t> of </a:t>
+                </a:r>
+                <a14:m>
+                  <m:oMath xmlns:m="http://schemas.openxmlformats.org/officeDocument/2006/math">
+                    <m:r>
+                      <a:rPr lang="en-US" sz="2400" b="0" i="1" smtClean="0">
+                        <a:latin typeface="Cambria Math" panose="02040503050406030204" pitchFamily="18" charset="0"/>
+                      </a:rPr>
+                      <m:t>𝑁</m:t>
+                    </m:r>
+                  </m:oMath>
+                </a14:m>
+                <a:r>
+                  <a:rPr lang="en-CN" sz="2400" dirty="0"/>
+                  <a:t> vertices and </a:t>
+                </a:r>
+                <a14:m>
+                  <m:oMath xmlns:m="http://schemas.openxmlformats.org/officeDocument/2006/math">
+                    <m:r>
+                      <a:rPr lang="en-US" sz="2400" b="0" i="1" smtClean="0">
+                        <a:latin typeface="Cambria Math" panose="02040503050406030204" pitchFamily="18" charset="0"/>
+                      </a:rPr>
+                      <m:t>𝑀</m:t>
+                    </m:r>
+                  </m:oMath>
+                </a14:m>
+                <a:r>
+                  <a:rPr lang="en-CN" sz="2400" dirty="0"/>
+                  <a:t> faces</a:t>
+                </a:r>
+              </a:p>
+            </p:txBody>
+          </p:sp>
+        </mc:Choice>
+        <mc:Fallback xmlns="">
+          <p:sp>
+            <p:nvSpPr>
+              <p:cNvPr id="13" name="TextBox 12">
+                <a:extLst>
+                  <a:ext uri="{FF2B5EF4-FFF2-40B4-BE49-F238E27FC236}">
+                    <a16:creationId xmlns:a16="http://schemas.microsoft.com/office/drawing/2014/main" id="{B5EA1E71-90ED-7D4D-A7F7-0AEF62D37022}"/>
+                  </a:ext>
+                </a:extLst>
+              </p:cNvPr>
+              <p:cNvSpPr txBox="1">
+                <a:spLocks noRot="1" noChangeAspect="1" noMove="1" noResize="1" noEditPoints="1" noAdjustHandles="1" noChangeArrowheads="1" noChangeShapeType="1" noTextEdit="1"/>
+              </p:cNvSpPr>
+              <p:nvPr/>
+            </p:nvSpPr>
+            <p:spPr>
+              <a:xfrm>
+                <a:off x="2571162" y="0"/>
+                <a:ext cx="7049673" cy="830997"/>
+              </a:xfrm>
+              <a:prstGeom prst="rect">
+                <a:avLst/>
+              </a:prstGeom>
+              <a:blipFill>
+                <a:blip r:embed="rId2"/>
+                <a:stretch>
+                  <a:fillRect t="-6061" b="-15152"/>
+                </a:stretch>
+              </a:blipFill>
+              <a:ln>
+                <a:noFill/>
+              </a:ln>
+            </p:spPr>
+            <p:txBody>
+              <a:bodyPr/>
+              <a:lstStyle/>
+              <a:p>
+                <a:r>
+                  <a:rPr lang="en-CN">
+                    <a:noFill/>
+                  </a:rPr>
+                  <a:t> </a:t>
+                </a:r>
+              </a:p>
+            </p:txBody>
+          </p:sp>
+        </mc:Fallback>
+      </mc:AlternateContent>
+      <p:sp>
+        <p:nvSpPr>
+          <p:cNvPr id="4" name="Rectangle 3">
             <a:extLst>
               <a:ext uri="{FF2B5EF4-FFF2-40B4-BE49-F238E27FC236}">
-                <a16:creationId xmlns:a16="http://schemas.microsoft.com/office/drawing/2014/main" id="{94F31DA3-4A7C-4442-9793-8FC212075BB9}"/>
-              </a:ext>
-            </a:extLst>
-          </p:cNvPr>
-          <p:cNvPicPr>
-            <a:picLocks noChangeAspect="1"/>
-          </p:cNvPicPr>
-          <p:nvPr/>
-        </p:nvPicPr>
-        <p:blipFill>
-          <a:blip r:embed="rId2"/>
-          <a:stretch>
-            <a:fillRect/>
-          </a:stretch>
-        </p:blipFill>
-        <p:spPr>
-          <a:xfrm>
-            <a:off x="-692725" y="1203546"/>
-            <a:ext cx="2880000" cy="2160000"/>
-          </a:xfrm>
-          <a:prstGeom prst="rect">
-            <a:avLst/>
-          </a:prstGeom>
-        </p:spPr>
-      </p:pic>
-      <p:sp>
-        <p:nvSpPr>
-          <p:cNvPr id="5" name="Rectangle 4">
-            <a:extLst>
-              <a:ext uri="{FF2B5EF4-FFF2-40B4-BE49-F238E27FC236}">
-                <a16:creationId xmlns:a16="http://schemas.microsoft.com/office/drawing/2014/main" id="{3FD048B9-93DE-6149-97F1-388E76B57836}"/>
+                <a16:creationId xmlns:a16="http://schemas.microsoft.com/office/drawing/2014/main" id="{2BE6E60A-997A-9744-8545-E0C531D16795}"/>
               </a:ext>
             </a:extLst>
           </p:cNvPr>
@@ -25311,13 +29529,15 @@
         </p:nvSpPr>
         <p:spPr>
           <a:xfrm>
-            <a:off x="1974854" y="1930706"/>
-            <a:ext cx="1620079" cy="705679"/>
+            <a:off x="3687771" y="6663178"/>
+            <a:ext cx="857250" cy="194822"/>
           </a:xfrm>
           <a:prstGeom prst="rect">
             <a:avLst/>
           </a:prstGeom>
-          <a:noFill/>
+          <a:solidFill>
+            <a:srgbClr val="CFE2F4"/>
+          </a:solidFill>
           <a:ln>
             <a:solidFill>
               <a:schemeClr val="tx1"/>
@@ -25346,22 +29566,22 @@
           <a:p>
             <a:pPr algn="ctr"/>
             <a:r>
-              <a:rPr lang="en-CN" dirty="0">
+              <a:rPr lang="en-CN" sz="1200" dirty="0">
                 <a:solidFill>
                   <a:schemeClr val="tx1"/>
                 </a:solidFill>
               </a:rPr>
-              <a:t>Encoding Header</a:t>
+              <a:t>Visited</a:t>
             </a:r>
           </a:p>
         </p:txBody>
       </p:sp>
       <p:sp>
         <p:nvSpPr>
-          <p:cNvPr id="6" name="Rectangle 5">
+          <p:cNvPr id="5" name="Rectangle 4">
             <a:extLst>
               <a:ext uri="{FF2B5EF4-FFF2-40B4-BE49-F238E27FC236}">
-                <a16:creationId xmlns:a16="http://schemas.microsoft.com/office/drawing/2014/main" id="{79D8C38F-41D2-CC42-BCE4-1606CECA13D9}"/>
+                <a16:creationId xmlns:a16="http://schemas.microsoft.com/office/drawing/2014/main" id="{6E6B7B81-C06F-584F-A777-6027A2088C99}"/>
               </a:ext>
             </a:extLst>
           </p:cNvPr>
@@ -25370,13 +29590,15 @@
         </p:nvSpPr>
         <p:spPr>
           <a:xfrm>
-            <a:off x="4170791" y="1930706"/>
-            <a:ext cx="1620079" cy="705679"/>
+            <a:off x="7335122" y="6663178"/>
+            <a:ext cx="857250" cy="194822"/>
           </a:xfrm>
           <a:prstGeom prst="rect">
             <a:avLst/>
           </a:prstGeom>
-          <a:noFill/>
+          <a:solidFill>
+            <a:schemeClr val="bg1"/>
+          </a:solidFill>
           <a:ln>
             <a:solidFill>
               <a:schemeClr val="tx1"/>
@@ -25405,165 +29627,22 @@
           <a:p>
             <a:pPr algn="ctr"/>
             <a:r>
-              <a:rPr lang="en-CN" dirty="0">
+              <a:rPr lang="en-CN" sz="1200" dirty="0">
                 <a:solidFill>
                   <a:schemeClr val="tx1"/>
                 </a:solidFill>
               </a:rPr>
-              <a:t>Mesh</a:t>
-            </a:r>
-          </a:p>
-          <a:p>
-            <a:pPr algn="ctr"/>
-            <a:r>
-              <a:rPr lang="en-CN" dirty="0">
-                <a:solidFill>
-                  <a:schemeClr val="tx1"/>
-                </a:solidFill>
-              </a:rPr>
-              <a:t>Optimization</a:t>
+              <a:t>Unvisited</a:t>
             </a:r>
           </a:p>
         </p:txBody>
       </p:sp>
-      <p:cxnSp>
-        <p:nvCxnSpPr>
-          <p:cNvPr id="7" name="Straight Arrow Connector 6">
+      <p:sp>
+        <p:nvSpPr>
+          <p:cNvPr id="6" name="Rectangle 5">
             <a:extLst>
               <a:ext uri="{FF2B5EF4-FFF2-40B4-BE49-F238E27FC236}">
-                <a16:creationId xmlns:a16="http://schemas.microsoft.com/office/drawing/2014/main" id="{4A4F96E9-3BCE-1D4C-9694-CA45D56329BA}"/>
-              </a:ext>
-            </a:extLst>
-          </p:cNvPr>
-          <p:cNvCxnSpPr>
-            <a:cxnSpLocks/>
-            <a:stCxn id="5" idx="3"/>
-            <a:endCxn id="6" idx="1"/>
-          </p:cNvCxnSpPr>
-          <p:nvPr/>
-        </p:nvCxnSpPr>
-        <p:spPr>
-          <a:xfrm>
-            <a:off x="3594933" y="2283546"/>
-            <a:ext cx="575858" cy="0"/>
-          </a:xfrm>
-          <a:prstGeom prst="straightConnector1">
-            <a:avLst/>
-          </a:prstGeom>
-          <a:ln>
-            <a:solidFill>
-              <a:schemeClr val="tx1"/>
-            </a:solidFill>
-            <a:tailEnd type="triangle"/>
-          </a:ln>
-        </p:spPr>
-        <p:style>
-          <a:lnRef idx="1">
-            <a:schemeClr val="accent1"/>
-          </a:lnRef>
-          <a:fillRef idx="0">
-            <a:schemeClr val="accent1"/>
-          </a:fillRef>
-          <a:effectRef idx="0">
-            <a:schemeClr val="accent1"/>
-          </a:effectRef>
-          <a:fontRef idx="minor">
-            <a:schemeClr val="tx1"/>
-          </a:fontRef>
-        </p:style>
-      </p:cxnSp>
-      <p:cxnSp>
-        <p:nvCxnSpPr>
-          <p:cNvPr id="8" name="Straight Arrow Connector 7">
-            <a:extLst>
-              <a:ext uri="{FF2B5EF4-FFF2-40B4-BE49-F238E27FC236}">
-                <a16:creationId xmlns:a16="http://schemas.microsoft.com/office/drawing/2014/main" id="{377796E4-500B-6C42-954E-B1D479CDB3C5}"/>
-              </a:ext>
-            </a:extLst>
-          </p:cNvPr>
-          <p:cNvCxnSpPr>
-            <a:cxnSpLocks/>
-          </p:cNvCxnSpPr>
-          <p:nvPr/>
-        </p:nvCxnSpPr>
-        <p:spPr>
-          <a:xfrm>
-            <a:off x="1296140" y="2283545"/>
-            <a:ext cx="683324" cy="0"/>
-          </a:xfrm>
-          <a:prstGeom prst="straightConnector1">
-            <a:avLst/>
-          </a:prstGeom>
-          <a:ln>
-            <a:solidFill>
-              <a:schemeClr val="tx1"/>
-            </a:solidFill>
-            <a:tailEnd type="triangle"/>
-          </a:ln>
-        </p:spPr>
-        <p:style>
-          <a:lnRef idx="1">
-            <a:schemeClr val="accent1"/>
-          </a:lnRef>
-          <a:fillRef idx="0">
-            <a:schemeClr val="accent1"/>
-          </a:fillRef>
-          <a:effectRef idx="0">
-            <a:schemeClr val="accent1"/>
-          </a:effectRef>
-          <a:fontRef idx="minor">
-            <a:schemeClr val="tx1"/>
-          </a:fontRef>
-        </p:style>
-      </p:cxnSp>
-      <p:cxnSp>
-        <p:nvCxnSpPr>
-          <p:cNvPr id="9" name="Straight Arrow Connector 8">
-            <a:extLst>
-              <a:ext uri="{FF2B5EF4-FFF2-40B4-BE49-F238E27FC236}">
-                <a16:creationId xmlns:a16="http://schemas.microsoft.com/office/drawing/2014/main" id="{4F4B0FD7-51CD-CB43-92B3-3D676FF6CA63}"/>
-              </a:ext>
-            </a:extLst>
-          </p:cNvPr>
-          <p:cNvCxnSpPr/>
-          <p:nvPr/>
-        </p:nvCxnSpPr>
-        <p:spPr>
-          <a:xfrm flipV="1">
-            <a:off x="5790870" y="2281981"/>
-            <a:ext cx="523865" cy="1564"/>
-          </a:xfrm>
-          <a:prstGeom prst="straightConnector1">
-            <a:avLst/>
-          </a:prstGeom>
-          <a:ln>
-            <a:solidFill>
-              <a:schemeClr val="tx1"/>
-            </a:solidFill>
-            <a:tailEnd type="triangle"/>
-          </a:ln>
-        </p:spPr>
-        <p:style>
-          <a:lnRef idx="1">
-            <a:schemeClr val="accent1"/>
-          </a:lnRef>
-          <a:fillRef idx="0">
-            <a:schemeClr val="accent1"/>
-          </a:fillRef>
-          <a:effectRef idx="0">
-            <a:schemeClr val="accent1"/>
-          </a:effectRef>
-          <a:fontRef idx="minor">
-            <a:schemeClr val="tx1"/>
-          </a:fontRef>
-        </p:style>
-      </p:cxnSp>
-      <p:sp>
-        <p:nvSpPr>
-          <p:cNvPr id="11" name="Rectangle 10">
-            <a:extLst>
-              <a:ext uri="{FF2B5EF4-FFF2-40B4-BE49-F238E27FC236}">
-                <a16:creationId xmlns:a16="http://schemas.microsoft.com/office/drawing/2014/main" id="{6D4E82FA-E504-094B-8919-C04E2C867C55}"/>
+                <a16:creationId xmlns:a16="http://schemas.microsoft.com/office/drawing/2014/main" id="{DED28155-183B-FF4D-8068-8244B38A4BD6}"/>
               </a:ext>
             </a:extLst>
           </p:cNvPr>
@@ -25572,13 +29651,15 @@
         </p:nvSpPr>
         <p:spPr>
           <a:xfrm>
-            <a:off x="6310125" y="1929141"/>
-            <a:ext cx="1620079" cy="705679"/>
+            <a:off x="5594170" y="6663178"/>
+            <a:ext cx="857250" cy="194822"/>
           </a:xfrm>
           <a:prstGeom prst="rect">
             <a:avLst/>
           </a:prstGeom>
-          <a:noFill/>
+          <a:solidFill>
+            <a:srgbClr val="FFFF00"/>
+          </a:solidFill>
           <a:ln>
             <a:solidFill>
               <a:schemeClr val="tx1"/>
@@ -25607,22 +29688,137 @@
           <a:p>
             <a:pPr algn="ctr"/>
             <a:r>
-              <a:rPr lang="en-CN" dirty="0">
+              <a:rPr lang="en-CN" sz="1200" dirty="0">
                 <a:solidFill>
                   <a:schemeClr val="tx1"/>
                 </a:solidFill>
               </a:rPr>
-              <a:t>Encoding Connectivity</a:t>
+              <a:t>Current</a:t>
             </a:r>
           </a:p>
         </p:txBody>
       </p:sp>
+      <mc:AlternateContent xmlns:mc="http://schemas.openxmlformats.org/markup-compatibility/2006" xmlns:a14="http://schemas.microsoft.com/office/drawing/2010/main">
+        <mc:Choice Requires="a14">
+          <p:sp>
+            <p:nvSpPr>
+              <p:cNvPr id="101" name="TextBox 100">
+                <a:extLst>
+                  <a:ext uri="{FF2B5EF4-FFF2-40B4-BE49-F238E27FC236}">
+                    <a16:creationId xmlns:a16="http://schemas.microsoft.com/office/drawing/2014/main" id="{065243F5-8871-7A49-9A23-54B9DFB8C0C6}"/>
+                  </a:ext>
+                </a:extLst>
+              </p:cNvPr>
+              <p:cNvSpPr txBox="1"/>
+              <p:nvPr/>
+            </p:nvSpPr>
+            <p:spPr>
+              <a:xfrm>
+                <a:off x="2250992" y="2562590"/>
+                <a:ext cx="283026" cy="276999"/>
+              </a:xfrm>
+              <a:prstGeom prst="rect">
+                <a:avLst/>
+              </a:prstGeom>
+              <a:noFill/>
+            </p:spPr>
+            <p:txBody>
+              <a:bodyPr wrap="none" lIns="0" tIns="0" rIns="0" bIns="0" rtlCol="0">
+                <a:spAutoFit/>
+              </a:bodyPr>
+              <a:lstStyle/>
+              <a:p>
+                <a:pPr/>
+                <a14:m>
+                  <m:oMathPara xmlns:m="http://schemas.openxmlformats.org/officeDocument/2006/math">
+                    <m:oMathParaPr>
+                      <m:jc m:val="centerGroup"/>
+                    </m:oMathParaPr>
+                    <m:oMath xmlns:m="http://schemas.openxmlformats.org/officeDocument/2006/math">
+                      <m:sSub>
+                        <m:sSubPr>
+                          <m:ctrlPr>
+                            <a:rPr lang="en-US" b="0" i="1" smtClean="0">
+                              <a:latin typeface="Cambria Math" panose="02040503050406030204" pitchFamily="18" charset="0"/>
+                            </a:rPr>
+                          </m:ctrlPr>
+                        </m:sSubPr>
+                        <m:e>
+                          <m:r>
+                            <a:rPr lang="en-US" b="0" i="1" smtClean="0">
+                              <a:latin typeface="Cambria Math" panose="02040503050406030204" pitchFamily="18" charset="0"/>
+                            </a:rPr>
+                            <m:t>𝑣</m:t>
+                          </m:r>
+                        </m:e>
+                        <m:sub>
+                          <m:r>
+                            <a:rPr lang="en-US" b="0" i="1" smtClean="0">
+                              <a:latin typeface="Cambria Math" panose="02040503050406030204" pitchFamily="18" charset="0"/>
+                            </a:rPr>
+                            <m:t>0</m:t>
+                          </m:r>
+                        </m:sub>
+                      </m:sSub>
+                    </m:oMath>
+                  </m:oMathPara>
+                </a14:m>
+                <a:endParaRPr lang="en-CN" dirty="0"/>
+              </a:p>
+            </p:txBody>
+          </p:sp>
+        </mc:Choice>
+        <mc:Fallback xmlns="">
+          <p:sp>
+            <p:nvSpPr>
+              <p:cNvPr id="101" name="TextBox 100">
+                <a:extLst>
+                  <a:ext uri="{FF2B5EF4-FFF2-40B4-BE49-F238E27FC236}">
+                    <a16:creationId xmlns:a16="http://schemas.microsoft.com/office/drawing/2014/main" id="{065243F5-8871-7A49-9A23-54B9DFB8C0C6}"/>
+                  </a:ext>
+                </a:extLst>
+              </p:cNvPr>
+              <p:cNvSpPr txBox="1">
+                <a:spLocks noRot="1" noChangeAspect="1" noMove="1" noResize="1" noEditPoints="1" noAdjustHandles="1" noChangeArrowheads="1" noChangeShapeType="1" noTextEdit="1"/>
+              </p:cNvSpPr>
+              <p:nvPr/>
+            </p:nvSpPr>
+            <p:spPr>
+              <a:xfrm>
+                <a:off x="2250992" y="2562590"/>
+                <a:ext cx="283026" cy="276999"/>
+              </a:xfrm>
+              <a:prstGeom prst="rect">
+                <a:avLst/>
+              </a:prstGeom>
+              <a:blipFill>
+                <a:blip r:embed="rId3"/>
+                <a:stretch>
+                  <a:fillRect l="-13043" r="-4348" b="-13043"/>
+                </a:stretch>
+              </a:blipFill>
+            </p:spPr>
+            <p:txBody>
+              <a:bodyPr/>
+              <a:lstStyle/>
+              <a:p>
+                <a:r>
+                  <a:rPr lang="en-CN">
+                    <a:noFill/>
+                  </a:rPr>
+                  <a:t> </a:t>
+                </a:r>
+              </a:p>
+            </p:txBody>
+          </p:sp>
+        </mc:Fallback>
+      </mc:AlternateContent>
       <p:sp>
         <p:nvSpPr>
-          <p:cNvPr id="12" name="Rectangle 11">
+          <p:cNvPr id="102" name="Triangle 101">
             <a:extLst>
               <a:ext uri="{FF2B5EF4-FFF2-40B4-BE49-F238E27FC236}">
-                <a16:creationId xmlns:a16="http://schemas.microsoft.com/office/drawing/2014/main" id="{FE7C36D9-CC9D-8945-9CCB-CE31E27EA76E}"/>
+                <a16:creationId xmlns:a16="http://schemas.microsoft.com/office/drawing/2014/main" id="{3B8E1225-C45F-1040-A00F-EDC01EE0CE9E}"/>
               </a:ext>
             </a:extLst>
           </p:cNvPr>
@@ -25630,19 +29826,16 @@
           <p:nvPr/>
         </p:nvSpPr>
         <p:spPr>
-          <a:xfrm>
-            <a:off x="8449459" y="1929141"/>
-            <a:ext cx="1620079" cy="705679"/>
+          <a:xfrm rot="3925230">
+            <a:off x="2338147" y="3623689"/>
+            <a:ext cx="1733274" cy="1904215"/>
           </a:xfrm>
-          <a:prstGeom prst="rect">
+          <a:prstGeom prst="triangle">
             <a:avLst/>
           </a:prstGeom>
-          <a:noFill/>
-          <a:ln>
-            <a:solidFill>
-              <a:schemeClr val="tx1"/>
-            </a:solidFill>
-          </a:ln>
+          <a:solidFill>
+            <a:srgbClr val="FFFF00"/>
+          </a:solidFill>
         </p:spPr>
         <p:style>
           <a:lnRef idx="2">
@@ -25665,42 +29858,1084 @@
           <a:lstStyle/>
           <a:p>
             <a:pPr algn="ctr"/>
-            <a:r>
-              <a:rPr lang="en-CN" dirty="0">
-                <a:solidFill>
-                  <a:schemeClr val="tx1"/>
-                </a:solidFill>
-              </a:rPr>
-              <a:t>Encoding Attributes</a:t>
-            </a:r>
+            <a:endParaRPr lang="en-CN"/>
           </a:p>
         </p:txBody>
       </p:sp>
+      <p:sp>
+        <p:nvSpPr>
+          <p:cNvPr id="103" name="Triangle 102">
+            <a:extLst>
+              <a:ext uri="{FF2B5EF4-FFF2-40B4-BE49-F238E27FC236}">
+                <a16:creationId xmlns:a16="http://schemas.microsoft.com/office/drawing/2014/main" id="{B11F0187-095B-634E-B5EA-92CDE6717D4B}"/>
+              </a:ext>
+            </a:extLst>
+          </p:cNvPr>
+          <p:cNvSpPr/>
+          <p:nvPr/>
+        </p:nvSpPr>
+        <p:spPr>
+          <a:xfrm>
+            <a:off x="1978469" y="2272287"/>
+            <a:ext cx="2078776" cy="1904215"/>
+          </a:xfrm>
+          <a:prstGeom prst="triangle">
+            <a:avLst/>
+          </a:prstGeom>
+          <a:solidFill>
+            <a:srgbClr val="CFE2F4"/>
+          </a:solidFill>
+        </p:spPr>
+        <p:style>
+          <a:lnRef idx="2">
+            <a:schemeClr val="accent1">
+              <a:shade val="50000"/>
+            </a:schemeClr>
+          </a:lnRef>
+          <a:fillRef idx="1">
+            <a:schemeClr val="accent1"/>
+          </a:fillRef>
+          <a:effectRef idx="0">
+            <a:schemeClr val="accent1"/>
+          </a:effectRef>
+          <a:fontRef idx="minor">
+            <a:schemeClr val="lt1"/>
+          </a:fontRef>
+        </p:style>
+        <p:txBody>
+          <a:bodyPr rtlCol="0" anchor="ctr"/>
+          <a:lstStyle/>
+          <a:p>
+            <a:pPr algn="ctr"/>
+            <a:endParaRPr lang="en-CN"/>
+          </a:p>
+        </p:txBody>
+      </p:sp>
+      <p:sp>
+        <p:nvSpPr>
+          <p:cNvPr id="104" name="Triangle 103">
+            <a:extLst>
+              <a:ext uri="{FF2B5EF4-FFF2-40B4-BE49-F238E27FC236}">
+                <a16:creationId xmlns:a16="http://schemas.microsoft.com/office/drawing/2014/main" id="{A73D2E7F-9D7B-2949-AA76-532812298FF6}"/>
+              </a:ext>
+            </a:extLst>
+          </p:cNvPr>
+          <p:cNvSpPr/>
+          <p:nvPr/>
+        </p:nvSpPr>
+        <p:spPr>
+          <a:xfrm rot="1028129">
+            <a:off x="2932200" y="4114572"/>
+            <a:ext cx="1733274" cy="1904215"/>
+          </a:xfrm>
+          <a:prstGeom prst="triangle">
+            <a:avLst/>
+          </a:prstGeom>
+          <a:solidFill>
+            <a:schemeClr val="bg1"/>
+          </a:solidFill>
+        </p:spPr>
+        <p:style>
+          <a:lnRef idx="2">
+            <a:schemeClr val="accent1">
+              <a:shade val="50000"/>
+            </a:schemeClr>
+          </a:lnRef>
+          <a:fillRef idx="1">
+            <a:schemeClr val="accent1"/>
+          </a:fillRef>
+          <a:effectRef idx="0">
+            <a:schemeClr val="accent1"/>
+          </a:effectRef>
+          <a:fontRef idx="minor">
+            <a:schemeClr val="lt1"/>
+          </a:fontRef>
+        </p:style>
+        <p:txBody>
+          <a:bodyPr rtlCol="0" anchor="ctr"/>
+          <a:lstStyle/>
+          <a:p>
+            <a:pPr algn="ctr"/>
+            <a:endParaRPr lang="en-CN" b="1" dirty="0"/>
+          </a:p>
+        </p:txBody>
+      </p:sp>
+      <p:sp>
+        <p:nvSpPr>
+          <p:cNvPr id="105" name="Triangle 104">
+            <a:extLst>
+              <a:ext uri="{FF2B5EF4-FFF2-40B4-BE49-F238E27FC236}">
+                <a16:creationId xmlns:a16="http://schemas.microsoft.com/office/drawing/2014/main" id="{E7A24DBF-F90D-2B41-8814-91BC0BB3B83F}"/>
+              </a:ext>
+            </a:extLst>
+          </p:cNvPr>
+          <p:cNvSpPr/>
+          <p:nvPr/>
+        </p:nvSpPr>
+        <p:spPr>
+          <a:xfrm rot="14759253">
+            <a:off x="601135" y="4391384"/>
+            <a:ext cx="1733274" cy="1904215"/>
+          </a:xfrm>
+          <a:prstGeom prst="triangle">
+            <a:avLst/>
+          </a:prstGeom>
+          <a:solidFill>
+            <a:srgbClr val="CFE2F4"/>
+          </a:solidFill>
+        </p:spPr>
+        <p:style>
+          <a:lnRef idx="2">
+            <a:schemeClr val="accent1">
+              <a:shade val="50000"/>
+            </a:schemeClr>
+          </a:lnRef>
+          <a:fillRef idx="1">
+            <a:schemeClr val="accent1"/>
+          </a:fillRef>
+          <a:effectRef idx="0">
+            <a:schemeClr val="accent1"/>
+          </a:effectRef>
+          <a:fontRef idx="minor">
+            <a:schemeClr val="lt1"/>
+          </a:fontRef>
+        </p:style>
+        <p:txBody>
+          <a:bodyPr rtlCol="0" anchor="ctr"/>
+          <a:lstStyle/>
+          <a:p>
+            <a:pPr algn="ctr"/>
+            <a:endParaRPr lang="en-CN"/>
+          </a:p>
+        </p:txBody>
+      </p:sp>
+      <p:sp>
+        <p:nvSpPr>
+          <p:cNvPr id="106" name="Oval 105">
+            <a:extLst>
+              <a:ext uri="{FF2B5EF4-FFF2-40B4-BE49-F238E27FC236}">
+                <a16:creationId xmlns:a16="http://schemas.microsoft.com/office/drawing/2014/main" id="{C1AD0CEB-ED4D-5044-8633-87E3D334ED91}"/>
+              </a:ext>
+            </a:extLst>
+          </p:cNvPr>
+          <p:cNvSpPr/>
+          <p:nvPr/>
+        </p:nvSpPr>
+        <p:spPr>
+          <a:xfrm>
+            <a:off x="4015401" y="4100245"/>
+            <a:ext cx="152514" cy="152514"/>
+          </a:xfrm>
+          <a:prstGeom prst="ellipse">
+            <a:avLst/>
+          </a:prstGeom>
+        </p:spPr>
+        <p:style>
+          <a:lnRef idx="2">
+            <a:schemeClr val="accent1">
+              <a:shade val="50000"/>
+            </a:schemeClr>
+          </a:lnRef>
+          <a:fillRef idx="1">
+            <a:schemeClr val="accent1"/>
+          </a:fillRef>
+          <a:effectRef idx="0">
+            <a:schemeClr val="accent1"/>
+          </a:effectRef>
+          <a:fontRef idx="minor">
+            <a:schemeClr val="lt1"/>
+          </a:fontRef>
+        </p:style>
+        <p:txBody>
+          <a:bodyPr rtlCol="0" anchor="ctr"/>
+          <a:lstStyle/>
+          <a:p>
+            <a:pPr algn="ctr"/>
+            <a:endParaRPr lang="en-CN" dirty="0"/>
+          </a:p>
+        </p:txBody>
+      </p:sp>
+      <p:sp>
+        <p:nvSpPr>
+          <p:cNvPr id="107" name="Oval 106">
+            <a:extLst>
+              <a:ext uri="{FF2B5EF4-FFF2-40B4-BE49-F238E27FC236}">
+                <a16:creationId xmlns:a16="http://schemas.microsoft.com/office/drawing/2014/main" id="{89925517-E2C7-CC45-956E-14A413E0AA04}"/>
+              </a:ext>
+            </a:extLst>
+          </p:cNvPr>
+          <p:cNvSpPr/>
+          <p:nvPr/>
+        </p:nvSpPr>
+        <p:spPr>
+          <a:xfrm>
+            <a:off x="2582797" y="5661397"/>
+            <a:ext cx="152514" cy="152514"/>
+          </a:xfrm>
+          <a:prstGeom prst="ellipse">
+            <a:avLst/>
+          </a:prstGeom>
+        </p:spPr>
+        <p:style>
+          <a:lnRef idx="2">
+            <a:schemeClr val="accent1">
+              <a:shade val="50000"/>
+            </a:schemeClr>
+          </a:lnRef>
+          <a:fillRef idx="1">
+            <a:schemeClr val="accent1"/>
+          </a:fillRef>
+          <a:effectRef idx="0">
+            <a:schemeClr val="accent1"/>
+          </a:effectRef>
+          <a:fontRef idx="minor">
+            <a:schemeClr val="lt1"/>
+          </a:fontRef>
+        </p:style>
+        <p:txBody>
+          <a:bodyPr rtlCol="0" anchor="ctr"/>
+          <a:lstStyle/>
+          <a:p>
+            <a:pPr algn="ctr"/>
+            <a:endParaRPr lang="en-CN" dirty="0"/>
+          </a:p>
+        </p:txBody>
+      </p:sp>
+      <p:sp>
+        <p:nvSpPr>
+          <p:cNvPr id="108" name="Oval 107">
+            <a:extLst>
+              <a:ext uri="{FF2B5EF4-FFF2-40B4-BE49-F238E27FC236}">
+                <a16:creationId xmlns:a16="http://schemas.microsoft.com/office/drawing/2014/main" id="{0695E421-433E-334E-B35D-94A27E32E780}"/>
+              </a:ext>
+            </a:extLst>
+          </p:cNvPr>
+          <p:cNvSpPr/>
+          <p:nvPr/>
+        </p:nvSpPr>
+        <p:spPr>
+          <a:xfrm>
+            <a:off x="1902212" y="4103240"/>
+            <a:ext cx="152514" cy="152514"/>
+          </a:xfrm>
+          <a:prstGeom prst="ellipse">
+            <a:avLst/>
+          </a:prstGeom>
+        </p:spPr>
+        <p:style>
+          <a:lnRef idx="2">
+            <a:schemeClr val="accent1">
+              <a:shade val="50000"/>
+            </a:schemeClr>
+          </a:lnRef>
+          <a:fillRef idx="1">
+            <a:schemeClr val="accent1"/>
+          </a:fillRef>
+          <a:effectRef idx="0">
+            <a:schemeClr val="accent1"/>
+          </a:effectRef>
+          <a:fontRef idx="minor">
+            <a:schemeClr val="lt1"/>
+          </a:fontRef>
+        </p:style>
+        <p:txBody>
+          <a:bodyPr rtlCol="0" anchor="ctr"/>
+          <a:lstStyle/>
+          <a:p>
+            <a:pPr algn="ctr"/>
+            <a:endParaRPr lang="en-CN" dirty="0"/>
+          </a:p>
+        </p:txBody>
+      </p:sp>
+      <p:sp>
+        <p:nvSpPr>
+          <p:cNvPr id="109" name="Oval 108">
+            <a:extLst>
+              <a:ext uri="{FF2B5EF4-FFF2-40B4-BE49-F238E27FC236}">
+                <a16:creationId xmlns:a16="http://schemas.microsoft.com/office/drawing/2014/main" id="{F1405F7E-0CED-4C45-BC05-1618E03D2E87}"/>
+              </a:ext>
+            </a:extLst>
+          </p:cNvPr>
+          <p:cNvSpPr/>
+          <p:nvPr/>
+        </p:nvSpPr>
+        <p:spPr>
+          <a:xfrm>
+            <a:off x="2941600" y="2237000"/>
+            <a:ext cx="152514" cy="152514"/>
+          </a:xfrm>
+          <a:prstGeom prst="ellipse">
+            <a:avLst/>
+          </a:prstGeom>
+        </p:spPr>
+        <p:style>
+          <a:lnRef idx="2">
+            <a:schemeClr val="accent1">
+              <a:shade val="50000"/>
+            </a:schemeClr>
+          </a:lnRef>
+          <a:fillRef idx="1">
+            <a:schemeClr val="accent1"/>
+          </a:fillRef>
+          <a:effectRef idx="0">
+            <a:schemeClr val="accent1"/>
+          </a:effectRef>
+          <a:fontRef idx="minor">
+            <a:schemeClr val="lt1"/>
+          </a:fontRef>
+        </p:style>
+        <p:txBody>
+          <a:bodyPr rtlCol="0" anchor="ctr"/>
+          <a:lstStyle/>
+          <a:p>
+            <a:pPr algn="ctr"/>
+            <a:endParaRPr lang="en-CN" dirty="0"/>
+          </a:p>
+        </p:txBody>
+      </p:sp>
+      <p:sp>
+        <p:nvSpPr>
+          <p:cNvPr id="110" name="Oval 109">
+            <a:extLst>
+              <a:ext uri="{FF2B5EF4-FFF2-40B4-BE49-F238E27FC236}">
+                <a16:creationId xmlns:a16="http://schemas.microsoft.com/office/drawing/2014/main" id="{A8A5F19B-0FEF-344F-A243-E400CCD134D9}"/>
+              </a:ext>
+            </a:extLst>
+          </p:cNvPr>
+          <p:cNvSpPr/>
+          <p:nvPr/>
+        </p:nvSpPr>
+        <p:spPr>
+          <a:xfrm>
+            <a:off x="527323" y="5655699"/>
+            <a:ext cx="152514" cy="152514"/>
+          </a:xfrm>
+          <a:prstGeom prst="ellipse">
+            <a:avLst/>
+          </a:prstGeom>
+        </p:spPr>
+        <p:style>
+          <a:lnRef idx="2">
+            <a:schemeClr val="accent1">
+              <a:shade val="50000"/>
+            </a:schemeClr>
+          </a:lnRef>
+          <a:fillRef idx="1">
+            <a:schemeClr val="accent1"/>
+          </a:fillRef>
+          <a:effectRef idx="0">
+            <a:schemeClr val="accent1"/>
+          </a:effectRef>
+          <a:fontRef idx="minor">
+            <a:schemeClr val="lt1"/>
+          </a:fontRef>
+        </p:style>
+        <p:txBody>
+          <a:bodyPr rtlCol="0" anchor="ctr"/>
+          <a:lstStyle/>
+          <a:p>
+            <a:pPr algn="ctr"/>
+            <a:endParaRPr lang="en-CN" dirty="0"/>
+          </a:p>
+        </p:txBody>
+      </p:sp>
+      <p:sp>
+        <p:nvSpPr>
+          <p:cNvPr id="111" name="Oval 110">
+            <a:extLst>
+              <a:ext uri="{FF2B5EF4-FFF2-40B4-BE49-F238E27FC236}">
+                <a16:creationId xmlns:a16="http://schemas.microsoft.com/office/drawing/2014/main" id="{81D25504-5749-1D4C-92F4-432472B703DA}"/>
+              </a:ext>
+            </a:extLst>
+          </p:cNvPr>
+          <p:cNvSpPr/>
+          <p:nvPr/>
+        </p:nvSpPr>
+        <p:spPr>
+          <a:xfrm>
+            <a:off x="4279371" y="6159490"/>
+            <a:ext cx="152514" cy="152514"/>
+          </a:xfrm>
+          <a:prstGeom prst="ellipse">
+            <a:avLst/>
+          </a:prstGeom>
+        </p:spPr>
+        <p:style>
+          <a:lnRef idx="2">
+            <a:schemeClr val="accent1">
+              <a:shade val="50000"/>
+            </a:schemeClr>
+          </a:lnRef>
+          <a:fillRef idx="1">
+            <a:schemeClr val="accent1"/>
+          </a:fillRef>
+          <a:effectRef idx="0">
+            <a:schemeClr val="accent1"/>
+          </a:effectRef>
+          <a:fontRef idx="minor">
+            <a:schemeClr val="lt1"/>
+          </a:fontRef>
+        </p:style>
+        <p:txBody>
+          <a:bodyPr rtlCol="0" anchor="ctr"/>
+          <a:lstStyle/>
+          <a:p>
+            <a:pPr algn="ctr"/>
+            <a:endParaRPr lang="en-CN" dirty="0"/>
+          </a:p>
+        </p:txBody>
+      </p:sp>
+      <p:sp>
+        <p:nvSpPr>
+          <p:cNvPr id="112" name="Freeform 111">
+            <a:extLst>
+              <a:ext uri="{FF2B5EF4-FFF2-40B4-BE49-F238E27FC236}">
+                <a16:creationId xmlns:a16="http://schemas.microsoft.com/office/drawing/2014/main" id="{FE497C80-480D-C04E-843A-E543D4BECC52}"/>
+              </a:ext>
+            </a:extLst>
+          </p:cNvPr>
+          <p:cNvSpPr/>
+          <p:nvPr/>
+        </p:nvSpPr>
+        <p:spPr>
+          <a:xfrm rot="11216647">
+            <a:off x="2596781" y="5455271"/>
+            <a:ext cx="231895" cy="83408"/>
+          </a:xfrm>
+          <a:custGeom>
+            <a:avLst/>
+            <a:gdLst>
+              <a:gd name="connsiteX0" fmla="*/ 0 w 690664"/>
+              <a:gd name="connsiteY0" fmla="*/ 0 h 145914"/>
+              <a:gd name="connsiteX1" fmla="*/ 379379 w 690664"/>
+              <a:gd name="connsiteY1" fmla="*/ 145914 h 145914"/>
+              <a:gd name="connsiteX2" fmla="*/ 690664 w 690664"/>
+              <a:gd name="connsiteY2" fmla="*/ 0 h 145914"/>
+            </a:gdLst>
+            <a:ahLst/>
+            <a:cxnLst>
+              <a:cxn ang="0">
+                <a:pos x="connsiteX0" y="connsiteY0"/>
+              </a:cxn>
+              <a:cxn ang="0">
+                <a:pos x="connsiteX1" y="connsiteY1"/>
+              </a:cxn>
+              <a:cxn ang="0">
+                <a:pos x="connsiteX2" y="connsiteY2"/>
+              </a:cxn>
+            </a:cxnLst>
+            <a:rect l="l" t="t" r="r" b="b"/>
+            <a:pathLst>
+              <a:path w="690664" h="145914">
+                <a:moveTo>
+                  <a:pt x="0" y="0"/>
+                </a:moveTo>
+                <a:cubicBezTo>
+                  <a:pt x="132134" y="72957"/>
+                  <a:pt x="264268" y="145914"/>
+                  <a:pt x="379379" y="145914"/>
+                </a:cubicBezTo>
+                <a:cubicBezTo>
+                  <a:pt x="494490" y="145914"/>
+                  <a:pt x="638783" y="17834"/>
+                  <a:pt x="690664" y="0"/>
+                </a:cubicBezTo>
+              </a:path>
+            </a:pathLst>
+          </a:custGeom>
+          <a:noFill/>
+        </p:spPr>
+        <p:style>
+          <a:lnRef idx="2">
+            <a:schemeClr val="accent1">
+              <a:shade val="50000"/>
+            </a:schemeClr>
+          </a:lnRef>
+          <a:fillRef idx="1">
+            <a:schemeClr val="accent1"/>
+          </a:fillRef>
+          <a:effectRef idx="0">
+            <a:schemeClr val="accent1"/>
+          </a:effectRef>
+          <a:fontRef idx="minor">
+            <a:schemeClr val="lt1"/>
+          </a:fontRef>
+        </p:style>
+        <p:txBody>
+          <a:bodyPr rtlCol="0" anchor="ctr"/>
+          <a:lstStyle/>
+          <a:p>
+            <a:pPr algn="ctr"/>
+            <a:endParaRPr lang="en-CN"/>
+          </a:p>
+        </p:txBody>
+      </p:sp>
+      <mc:AlternateContent xmlns:mc="http://schemas.openxmlformats.org/markup-compatibility/2006" xmlns:a14="http://schemas.microsoft.com/office/drawing/2010/main">
+        <mc:Choice Requires="a14">
+          <p:sp>
+            <p:nvSpPr>
+              <p:cNvPr id="113" name="TextBox 112">
+                <a:extLst>
+                  <a:ext uri="{FF2B5EF4-FFF2-40B4-BE49-F238E27FC236}">
+                    <a16:creationId xmlns:a16="http://schemas.microsoft.com/office/drawing/2014/main" id="{38E48739-B2E5-8246-B2DF-96AAA4BC44BB}"/>
+                  </a:ext>
+                </a:extLst>
+              </p:cNvPr>
+              <p:cNvSpPr txBox="1"/>
+              <p:nvPr/>
+            </p:nvSpPr>
+            <p:spPr>
+              <a:xfrm>
+                <a:off x="2666862" y="5156832"/>
+                <a:ext cx="166006" cy="276999"/>
+              </a:xfrm>
+              <a:prstGeom prst="rect">
+                <a:avLst/>
+              </a:prstGeom>
+              <a:noFill/>
+            </p:spPr>
+            <p:txBody>
+              <a:bodyPr wrap="none" lIns="0" tIns="0" rIns="0" bIns="0" rtlCol="0">
+                <a:spAutoFit/>
+              </a:bodyPr>
+              <a:lstStyle/>
+              <a:p>
+                <a:pPr/>
+                <a14:m>
+                  <m:oMathPara xmlns:m="http://schemas.openxmlformats.org/officeDocument/2006/math">
+                    <m:oMathParaPr>
+                      <m:jc m:val="centerGroup"/>
+                    </m:oMathParaPr>
+                    <m:oMath xmlns:m="http://schemas.openxmlformats.org/officeDocument/2006/math">
+                      <m:r>
+                        <a:rPr lang="en-US" b="0" i="1" smtClean="0">
+                          <a:latin typeface="Cambria Math" panose="02040503050406030204" pitchFamily="18" charset="0"/>
+                        </a:rPr>
+                        <m:t>𝑐</m:t>
+                      </m:r>
+                    </m:oMath>
+                  </m:oMathPara>
+                </a14:m>
+                <a:endParaRPr lang="en-CN" dirty="0"/>
+              </a:p>
+            </p:txBody>
+          </p:sp>
+        </mc:Choice>
+        <mc:Fallback xmlns="">
+          <p:sp>
+            <p:nvSpPr>
+              <p:cNvPr id="113" name="TextBox 112">
+                <a:extLst>
+                  <a:ext uri="{FF2B5EF4-FFF2-40B4-BE49-F238E27FC236}">
+                    <a16:creationId xmlns:a16="http://schemas.microsoft.com/office/drawing/2014/main" id="{38E48739-B2E5-8246-B2DF-96AAA4BC44BB}"/>
+                  </a:ext>
+                </a:extLst>
+              </p:cNvPr>
+              <p:cNvSpPr txBox="1">
+                <a:spLocks noRot="1" noChangeAspect="1" noMove="1" noResize="1" noEditPoints="1" noAdjustHandles="1" noChangeArrowheads="1" noChangeShapeType="1" noTextEdit="1"/>
+              </p:cNvSpPr>
+              <p:nvPr/>
+            </p:nvSpPr>
+            <p:spPr>
+              <a:xfrm>
+                <a:off x="2666862" y="5156832"/>
+                <a:ext cx="166006" cy="276999"/>
+              </a:xfrm>
+              <a:prstGeom prst="rect">
+                <a:avLst/>
+              </a:prstGeom>
+              <a:blipFill>
+                <a:blip r:embed="rId4"/>
+                <a:stretch>
+                  <a:fillRect l="-13333" r="-13333"/>
+                </a:stretch>
+              </a:blipFill>
+            </p:spPr>
+            <p:txBody>
+              <a:bodyPr/>
+              <a:lstStyle/>
+              <a:p>
+                <a:r>
+                  <a:rPr lang="en-CN">
+                    <a:noFill/>
+                  </a:rPr>
+                  <a:t> </a:t>
+                </a:r>
+              </a:p>
+            </p:txBody>
+          </p:sp>
+        </mc:Fallback>
+      </mc:AlternateContent>
       <p:cxnSp>
         <p:nvCxnSpPr>
-          <p:cNvPr id="13" name="Straight Arrow Connector 12">
+          <p:cNvPr id="114" name="Straight Arrow Connector 113">
             <a:extLst>
               <a:ext uri="{FF2B5EF4-FFF2-40B4-BE49-F238E27FC236}">
-                <a16:creationId xmlns:a16="http://schemas.microsoft.com/office/drawing/2014/main" id="{54C9B3FE-C50B-9743-8F72-1BDD28397856}"/>
+                <a16:creationId xmlns:a16="http://schemas.microsoft.com/office/drawing/2014/main" id="{37BF5F96-4617-FD47-8941-A4C988A7B07E}"/>
               </a:ext>
             </a:extLst>
           </p:cNvPr>
           <p:cNvCxnSpPr>
             <a:cxnSpLocks/>
-            <a:stCxn id="11" idx="3"/>
-            <a:endCxn id="12" idx="1"/>
+          </p:cNvCxnSpPr>
+          <p:nvPr/>
+        </p:nvCxnSpPr>
+        <p:spPr>
+          <a:xfrm flipH="1">
+            <a:off x="3016969" y="3851767"/>
+            <a:ext cx="1" cy="601543"/>
+          </a:xfrm>
+          <a:prstGeom prst="straightConnector1">
+            <a:avLst/>
+          </a:prstGeom>
+          <a:ln w="38100">
+            <a:solidFill>
+              <a:schemeClr val="tx1">
+                <a:alpha val="75000"/>
+              </a:schemeClr>
+            </a:solidFill>
+            <a:prstDash val="dash"/>
+            <a:tailEnd type="triangle"/>
+          </a:ln>
+        </p:spPr>
+        <p:style>
+          <a:lnRef idx="1">
+            <a:schemeClr val="accent1"/>
+          </a:lnRef>
+          <a:fillRef idx="0">
+            <a:schemeClr val="accent1"/>
+          </a:fillRef>
+          <a:effectRef idx="0">
+            <a:schemeClr val="accent1"/>
+          </a:effectRef>
+          <a:fontRef idx="minor">
+            <a:schemeClr val="tx1"/>
+          </a:fontRef>
+        </p:style>
+      </p:cxnSp>
+      <mc:AlternateContent xmlns:mc="http://schemas.openxmlformats.org/markup-compatibility/2006" xmlns:a14="http://schemas.microsoft.com/office/drawing/2010/main">
+        <mc:Choice Requires="a14">
+          <p:sp>
+            <p:nvSpPr>
+              <p:cNvPr id="115" name="TextBox 114">
+                <a:extLst>
+                  <a:ext uri="{FF2B5EF4-FFF2-40B4-BE49-F238E27FC236}">
+                    <a16:creationId xmlns:a16="http://schemas.microsoft.com/office/drawing/2014/main" id="{54CC85FC-5B66-D24B-BEA8-28EF9212995B}"/>
+                  </a:ext>
+                </a:extLst>
+              </p:cNvPr>
+              <p:cNvSpPr txBox="1"/>
+              <p:nvPr/>
+            </p:nvSpPr>
+            <p:spPr>
+              <a:xfrm>
+                <a:off x="3910588" y="5766794"/>
+                <a:ext cx="274499" cy="276999"/>
+              </a:xfrm>
+              <a:prstGeom prst="rect">
+                <a:avLst/>
+              </a:prstGeom>
+              <a:noFill/>
+            </p:spPr>
+            <p:txBody>
+              <a:bodyPr wrap="none" lIns="0" tIns="0" rIns="0" bIns="0" rtlCol="0">
+                <a:spAutoFit/>
+              </a:bodyPr>
+              <a:lstStyle/>
+              <a:p>
+                <a:pPr/>
+                <a14:m>
+                  <m:oMathPara xmlns:m="http://schemas.openxmlformats.org/officeDocument/2006/math">
+                    <m:oMathParaPr>
+                      <m:jc m:val="centerGroup"/>
+                    </m:oMathParaPr>
+                    <m:oMath xmlns:m="http://schemas.openxmlformats.org/officeDocument/2006/math">
+                      <m:sSub>
+                        <m:sSubPr>
+                          <m:ctrlPr>
+                            <a:rPr lang="en-US" b="0" i="1" smtClean="0">
+                              <a:latin typeface="Cambria Math" panose="02040503050406030204" pitchFamily="18" charset="0"/>
+                            </a:rPr>
+                          </m:ctrlPr>
+                        </m:sSubPr>
+                        <m:e>
+                          <m:r>
+                            <a:rPr lang="en-US" b="0" i="1" smtClean="0">
+                              <a:latin typeface="Cambria Math" panose="02040503050406030204" pitchFamily="18" charset="0"/>
+                            </a:rPr>
+                            <m:t>𝑐</m:t>
+                          </m:r>
+                        </m:e>
+                        <m:sub>
+                          <m:r>
+                            <a:rPr lang="en-US" b="0" i="1" smtClean="0">
+                              <a:latin typeface="Cambria Math" panose="02040503050406030204" pitchFamily="18" charset="0"/>
+                            </a:rPr>
+                            <m:t>𝑛</m:t>
+                          </m:r>
+                        </m:sub>
+                      </m:sSub>
+                    </m:oMath>
+                  </m:oMathPara>
+                </a14:m>
+                <a:endParaRPr lang="en-CN" dirty="0"/>
+              </a:p>
+            </p:txBody>
+          </p:sp>
+        </mc:Choice>
+        <mc:Fallback xmlns="">
+          <p:sp>
+            <p:nvSpPr>
+              <p:cNvPr id="115" name="TextBox 114">
+                <a:extLst>
+                  <a:ext uri="{FF2B5EF4-FFF2-40B4-BE49-F238E27FC236}">
+                    <a16:creationId xmlns:a16="http://schemas.microsoft.com/office/drawing/2014/main" id="{54CC85FC-5B66-D24B-BEA8-28EF9212995B}"/>
+                  </a:ext>
+                </a:extLst>
+              </p:cNvPr>
+              <p:cNvSpPr txBox="1">
+                <a:spLocks noRot="1" noChangeAspect="1" noMove="1" noResize="1" noEditPoints="1" noAdjustHandles="1" noChangeArrowheads="1" noChangeShapeType="1" noTextEdit="1"/>
+              </p:cNvSpPr>
+              <p:nvPr/>
+            </p:nvSpPr>
+            <p:spPr>
+              <a:xfrm>
+                <a:off x="3910588" y="5766794"/>
+                <a:ext cx="274499" cy="276999"/>
+              </a:xfrm>
+              <a:prstGeom prst="rect">
+                <a:avLst/>
+              </a:prstGeom>
+              <a:blipFill>
+                <a:blip r:embed="rId5"/>
+                <a:stretch>
+                  <a:fillRect l="-13636" b="-13636"/>
+                </a:stretch>
+              </a:blipFill>
+            </p:spPr>
+            <p:txBody>
+              <a:bodyPr/>
+              <a:lstStyle/>
+              <a:p>
+                <a:r>
+                  <a:rPr lang="en-CN">
+                    <a:noFill/>
+                  </a:rPr>
+                  <a:t> </a:t>
+                </a:r>
+              </a:p>
+            </p:txBody>
+          </p:sp>
+        </mc:Fallback>
+      </mc:AlternateContent>
+      <p:sp>
+        <p:nvSpPr>
+          <p:cNvPr id="116" name="Freeform 115">
+            <a:extLst>
+              <a:ext uri="{FF2B5EF4-FFF2-40B4-BE49-F238E27FC236}">
+                <a16:creationId xmlns:a16="http://schemas.microsoft.com/office/drawing/2014/main" id="{FD810485-C1FF-5640-91FE-707C34CC6A66}"/>
+              </a:ext>
+            </a:extLst>
+          </p:cNvPr>
+          <p:cNvSpPr/>
+          <p:nvPr/>
+        </p:nvSpPr>
+        <p:spPr>
+          <a:xfrm rot="8442522">
+            <a:off x="4057444" y="6018178"/>
+            <a:ext cx="231895" cy="83408"/>
+          </a:xfrm>
+          <a:custGeom>
+            <a:avLst/>
+            <a:gdLst>
+              <a:gd name="connsiteX0" fmla="*/ 0 w 690664"/>
+              <a:gd name="connsiteY0" fmla="*/ 0 h 145914"/>
+              <a:gd name="connsiteX1" fmla="*/ 379379 w 690664"/>
+              <a:gd name="connsiteY1" fmla="*/ 145914 h 145914"/>
+              <a:gd name="connsiteX2" fmla="*/ 690664 w 690664"/>
+              <a:gd name="connsiteY2" fmla="*/ 0 h 145914"/>
+            </a:gdLst>
+            <a:ahLst/>
+            <a:cxnLst>
+              <a:cxn ang="0">
+                <a:pos x="connsiteX0" y="connsiteY0"/>
+              </a:cxn>
+              <a:cxn ang="0">
+                <a:pos x="connsiteX1" y="connsiteY1"/>
+              </a:cxn>
+              <a:cxn ang="0">
+                <a:pos x="connsiteX2" y="connsiteY2"/>
+              </a:cxn>
+            </a:cxnLst>
+            <a:rect l="l" t="t" r="r" b="b"/>
+            <a:pathLst>
+              <a:path w="690664" h="145914">
+                <a:moveTo>
+                  <a:pt x="0" y="0"/>
+                </a:moveTo>
+                <a:cubicBezTo>
+                  <a:pt x="132134" y="72957"/>
+                  <a:pt x="264268" y="145914"/>
+                  <a:pt x="379379" y="145914"/>
+                </a:cubicBezTo>
+                <a:cubicBezTo>
+                  <a:pt x="494490" y="145914"/>
+                  <a:pt x="638783" y="17834"/>
+                  <a:pt x="690664" y="0"/>
+                </a:cubicBezTo>
+              </a:path>
+            </a:pathLst>
+          </a:custGeom>
+          <a:noFill/>
+        </p:spPr>
+        <p:style>
+          <a:lnRef idx="2">
+            <a:schemeClr val="accent1">
+              <a:shade val="50000"/>
+            </a:schemeClr>
+          </a:lnRef>
+          <a:fillRef idx="1">
+            <a:schemeClr val="accent1"/>
+          </a:fillRef>
+          <a:effectRef idx="0">
+            <a:schemeClr val="accent1"/>
+          </a:effectRef>
+          <a:fontRef idx="minor">
+            <a:schemeClr val="lt1"/>
+          </a:fontRef>
+        </p:style>
+        <p:txBody>
+          <a:bodyPr rtlCol="0" anchor="ctr"/>
+          <a:lstStyle/>
+          <a:p>
+            <a:pPr algn="ctr"/>
+            <a:endParaRPr lang="en-CN"/>
+          </a:p>
+        </p:txBody>
+      </p:sp>
+      <p:sp>
+        <p:nvSpPr>
+          <p:cNvPr id="117" name="Freeform 116">
+            <a:extLst>
+              <a:ext uri="{FF2B5EF4-FFF2-40B4-BE49-F238E27FC236}">
+                <a16:creationId xmlns:a16="http://schemas.microsoft.com/office/drawing/2014/main" id="{BB9DB5C5-BB6F-3E4D-9895-2AD86112760E}"/>
+              </a:ext>
+            </a:extLst>
+          </p:cNvPr>
+          <p:cNvSpPr/>
+          <p:nvPr/>
+        </p:nvSpPr>
+        <p:spPr>
+          <a:xfrm rot="7488627">
+            <a:off x="3723769" y="4013286"/>
+            <a:ext cx="231895" cy="83408"/>
+          </a:xfrm>
+          <a:custGeom>
+            <a:avLst/>
+            <a:gdLst>
+              <a:gd name="connsiteX0" fmla="*/ 0 w 690664"/>
+              <a:gd name="connsiteY0" fmla="*/ 0 h 145914"/>
+              <a:gd name="connsiteX1" fmla="*/ 379379 w 690664"/>
+              <a:gd name="connsiteY1" fmla="*/ 145914 h 145914"/>
+              <a:gd name="connsiteX2" fmla="*/ 690664 w 690664"/>
+              <a:gd name="connsiteY2" fmla="*/ 0 h 145914"/>
+            </a:gdLst>
+            <a:ahLst/>
+            <a:cxnLst>
+              <a:cxn ang="0">
+                <a:pos x="connsiteX0" y="connsiteY0"/>
+              </a:cxn>
+              <a:cxn ang="0">
+                <a:pos x="connsiteX1" y="connsiteY1"/>
+              </a:cxn>
+              <a:cxn ang="0">
+                <a:pos x="connsiteX2" y="connsiteY2"/>
+              </a:cxn>
+            </a:cxnLst>
+            <a:rect l="l" t="t" r="r" b="b"/>
+            <a:pathLst>
+              <a:path w="690664" h="145914">
+                <a:moveTo>
+                  <a:pt x="0" y="0"/>
+                </a:moveTo>
+                <a:cubicBezTo>
+                  <a:pt x="132134" y="72957"/>
+                  <a:pt x="264268" y="145914"/>
+                  <a:pt x="379379" y="145914"/>
+                </a:cubicBezTo>
+                <a:cubicBezTo>
+                  <a:pt x="494490" y="145914"/>
+                  <a:pt x="638783" y="17834"/>
+                  <a:pt x="690664" y="0"/>
+                </a:cubicBezTo>
+              </a:path>
+            </a:pathLst>
+          </a:custGeom>
+          <a:noFill/>
+        </p:spPr>
+        <p:style>
+          <a:lnRef idx="2">
+            <a:schemeClr val="accent1">
+              <a:shade val="50000"/>
+            </a:schemeClr>
+          </a:lnRef>
+          <a:fillRef idx="1">
+            <a:schemeClr val="accent1"/>
+          </a:fillRef>
+          <a:effectRef idx="0">
+            <a:schemeClr val="accent1"/>
+          </a:effectRef>
+          <a:fontRef idx="minor">
+            <a:schemeClr val="lt1"/>
+          </a:fontRef>
+        </p:style>
+        <p:txBody>
+          <a:bodyPr rtlCol="0" anchor="ctr"/>
+          <a:lstStyle/>
+          <a:p>
+            <a:pPr algn="ctr"/>
+            <a:endParaRPr lang="en-CN"/>
+          </a:p>
+        </p:txBody>
+      </p:sp>
+      <mc:AlternateContent xmlns:mc="http://schemas.openxmlformats.org/markup-compatibility/2006" xmlns:a14="http://schemas.microsoft.com/office/drawing/2010/main">
+        <mc:Choice Requires="a14">
+          <p:sp>
+            <p:nvSpPr>
+              <p:cNvPr id="118" name="TextBox 117">
+                <a:extLst>
+                  <a:ext uri="{FF2B5EF4-FFF2-40B4-BE49-F238E27FC236}">
+                    <a16:creationId xmlns:a16="http://schemas.microsoft.com/office/drawing/2014/main" id="{838CB046-9C47-344C-BDA7-FADFDFDE9A31}"/>
+                  </a:ext>
+                </a:extLst>
+              </p:cNvPr>
+              <p:cNvSpPr txBox="1"/>
+              <p:nvPr/>
+            </p:nvSpPr>
+            <p:spPr>
+              <a:xfrm>
+                <a:off x="3484938" y="3779841"/>
+                <a:ext cx="270459" cy="298415"/>
+              </a:xfrm>
+              <a:prstGeom prst="rect">
+                <a:avLst/>
+              </a:prstGeom>
+              <a:noFill/>
+            </p:spPr>
+            <p:txBody>
+              <a:bodyPr wrap="none" lIns="0" tIns="0" rIns="0" bIns="0" rtlCol="0">
+                <a:spAutoFit/>
+              </a:bodyPr>
+              <a:lstStyle/>
+              <a:p>
+                <a:pPr/>
+                <a14:m>
+                  <m:oMathPara xmlns:m="http://schemas.openxmlformats.org/officeDocument/2006/math">
+                    <m:oMathParaPr>
+                      <m:jc m:val="centerGroup"/>
+                    </m:oMathParaPr>
+                    <m:oMath xmlns:m="http://schemas.openxmlformats.org/officeDocument/2006/math">
+                      <m:sSub>
+                        <m:sSubPr>
+                          <m:ctrlPr>
+                            <a:rPr lang="en-US" b="0" i="1" smtClean="0">
+                              <a:latin typeface="Cambria Math" panose="02040503050406030204" pitchFamily="18" charset="0"/>
+                            </a:rPr>
+                          </m:ctrlPr>
+                        </m:sSubPr>
+                        <m:e>
+                          <m:r>
+                            <a:rPr lang="en-US" b="0" i="1" smtClean="0">
+                              <a:latin typeface="Cambria Math" panose="02040503050406030204" pitchFamily="18" charset="0"/>
+                            </a:rPr>
+                            <m:t>𝑐</m:t>
+                          </m:r>
+                        </m:e>
+                        <m:sub>
+                          <m:r>
+                            <a:rPr lang="en-US" b="0" i="1" smtClean="0">
+                              <a:latin typeface="Cambria Math" panose="02040503050406030204" pitchFamily="18" charset="0"/>
+                            </a:rPr>
+                            <m:t>𝑝</m:t>
+                          </m:r>
+                        </m:sub>
+                      </m:sSub>
+                    </m:oMath>
+                  </m:oMathPara>
+                </a14:m>
+                <a:endParaRPr lang="en-CN" dirty="0"/>
+              </a:p>
+            </p:txBody>
+          </p:sp>
+        </mc:Choice>
+        <mc:Fallback xmlns="">
+          <p:sp>
+            <p:nvSpPr>
+              <p:cNvPr id="118" name="TextBox 117">
+                <a:extLst>
+                  <a:ext uri="{FF2B5EF4-FFF2-40B4-BE49-F238E27FC236}">
+                    <a16:creationId xmlns:a16="http://schemas.microsoft.com/office/drawing/2014/main" id="{838CB046-9C47-344C-BDA7-FADFDFDE9A31}"/>
+                  </a:ext>
+                </a:extLst>
+              </p:cNvPr>
+              <p:cNvSpPr txBox="1">
+                <a:spLocks noRot="1" noChangeAspect="1" noMove="1" noResize="1" noEditPoints="1" noAdjustHandles="1" noChangeArrowheads="1" noChangeShapeType="1" noTextEdit="1"/>
+              </p:cNvSpPr>
+              <p:nvPr/>
+            </p:nvSpPr>
+            <p:spPr>
+              <a:xfrm>
+                <a:off x="3484938" y="3779841"/>
+                <a:ext cx="270459" cy="298415"/>
+              </a:xfrm>
+              <a:prstGeom prst="rect">
+                <a:avLst/>
+              </a:prstGeom>
+              <a:blipFill>
+                <a:blip r:embed="rId6"/>
+                <a:stretch>
+                  <a:fillRect l="-13636" r="-9091" b="-16000"/>
+                </a:stretch>
+              </a:blipFill>
+            </p:spPr>
+            <p:txBody>
+              <a:bodyPr/>
+              <a:lstStyle/>
+              <a:p>
+                <a:r>
+                  <a:rPr lang="en-CN">
+                    <a:noFill/>
+                  </a:rPr>
+                  <a:t> </a:t>
+                </a:r>
+              </a:p>
+            </p:txBody>
+          </p:sp>
+        </mc:Fallback>
+      </mc:AlternateContent>
+      <p:cxnSp>
+        <p:nvCxnSpPr>
+          <p:cNvPr id="119" name="Straight Arrow Connector 118">
+            <a:extLst>
+              <a:ext uri="{FF2B5EF4-FFF2-40B4-BE49-F238E27FC236}">
+                <a16:creationId xmlns:a16="http://schemas.microsoft.com/office/drawing/2014/main" id="{73A5DAD9-61ED-AC4C-9C2B-2784F85212E1}"/>
+              </a:ext>
+            </a:extLst>
+          </p:cNvPr>
+          <p:cNvCxnSpPr>
+            <a:cxnSpLocks/>
           </p:cNvCxnSpPr>
           <p:nvPr/>
         </p:nvCxnSpPr>
         <p:spPr>
           <a:xfrm>
-            <a:off x="7930204" y="2281981"/>
-            <a:ext cx="519255" cy="0"/>
+            <a:off x="2979134" y="4846149"/>
+            <a:ext cx="760151" cy="595409"/>
           </a:xfrm>
           <a:prstGeom prst="straightConnector1">
             <a:avLst/>
           </a:prstGeom>
-          <a:ln>
+          <a:ln w="38100">
             <a:solidFill>
               <a:schemeClr val="tx1"/>
             </a:solidFill>
@@ -25722,10 +30957,2392 @@
           </a:fontRef>
         </p:style>
       </p:cxnSp>
+      <mc:AlternateContent xmlns:mc="http://schemas.openxmlformats.org/markup-compatibility/2006" xmlns:a14="http://schemas.microsoft.com/office/drawing/2010/main">
+        <mc:Choice Requires="a14">
+          <p:sp>
+            <p:nvSpPr>
+              <p:cNvPr id="138" name="TextBox 137">
+                <a:extLst>
+                  <a:ext uri="{FF2B5EF4-FFF2-40B4-BE49-F238E27FC236}">
+                    <a16:creationId xmlns:a16="http://schemas.microsoft.com/office/drawing/2014/main" id="{ADA742C4-34B5-C640-944A-27795A9AF8F3}"/>
+                  </a:ext>
+                </a:extLst>
+              </p:cNvPr>
+              <p:cNvSpPr txBox="1"/>
+              <p:nvPr/>
+            </p:nvSpPr>
+            <p:spPr>
+              <a:xfrm>
+                <a:off x="6070720" y="1423652"/>
+                <a:ext cx="283026" cy="276999"/>
+              </a:xfrm>
+              <a:prstGeom prst="rect">
+                <a:avLst/>
+              </a:prstGeom>
+              <a:noFill/>
+            </p:spPr>
+            <p:txBody>
+              <a:bodyPr wrap="none" lIns="0" tIns="0" rIns="0" bIns="0" rtlCol="0">
+                <a:spAutoFit/>
+              </a:bodyPr>
+              <a:lstStyle/>
+              <a:p>
+                <a:pPr/>
+                <a14:m>
+                  <m:oMathPara xmlns:m="http://schemas.openxmlformats.org/officeDocument/2006/math">
+                    <m:oMathParaPr>
+                      <m:jc m:val="centerGroup"/>
+                    </m:oMathParaPr>
+                    <m:oMath xmlns:m="http://schemas.openxmlformats.org/officeDocument/2006/math">
+                      <m:sSub>
+                        <m:sSubPr>
+                          <m:ctrlPr>
+                            <a:rPr lang="en-US" b="0" i="1" smtClean="0">
+                              <a:latin typeface="Cambria Math" panose="02040503050406030204" pitchFamily="18" charset="0"/>
+                            </a:rPr>
+                          </m:ctrlPr>
+                        </m:sSubPr>
+                        <m:e>
+                          <m:r>
+                            <a:rPr lang="en-US" b="0" i="1" smtClean="0">
+                              <a:latin typeface="Cambria Math" panose="02040503050406030204" pitchFamily="18" charset="0"/>
+                            </a:rPr>
+                            <m:t>𝑣</m:t>
+                          </m:r>
+                        </m:e>
+                        <m:sub>
+                          <m:r>
+                            <a:rPr lang="en-US" b="0" i="1" smtClean="0">
+                              <a:latin typeface="Cambria Math" panose="02040503050406030204" pitchFamily="18" charset="0"/>
+                            </a:rPr>
+                            <m:t>0</m:t>
+                          </m:r>
+                        </m:sub>
+                      </m:sSub>
+                    </m:oMath>
+                  </m:oMathPara>
+                </a14:m>
+                <a:endParaRPr lang="en-CN" dirty="0"/>
+              </a:p>
+            </p:txBody>
+          </p:sp>
+        </mc:Choice>
+        <mc:Fallback xmlns="">
+          <p:sp>
+            <p:nvSpPr>
+              <p:cNvPr id="138" name="TextBox 137">
+                <a:extLst>
+                  <a:ext uri="{FF2B5EF4-FFF2-40B4-BE49-F238E27FC236}">
+                    <a16:creationId xmlns:a16="http://schemas.microsoft.com/office/drawing/2014/main" id="{ADA742C4-34B5-C640-944A-27795A9AF8F3}"/>
+                  </a:ext>
+                </a:extLst>
+              </p:cNvPr>
+              <p:cNvSpPr txBox="1">
+                <a:spLocks noRot="1" noChangeAspect="1" noMove="1" noResize="1" noEditPoints="1" noAdjustHandles="1" noChangeArrowheads="1" noChangeShapeType="1" noTextEdit="1"/>
+              </p:cNvSpPr>
+              <p:nvPr/>
+            </p:nvSpPr>
+            <p:spPr>
+              <a:xfrm>
+                <a:off x="6070720" y="1423652"/>
+                <a:ext cx="283026" cy="276999"/>
+              </a:xfrm>
+              <a:prstGeom prst="rect">
+                <a:avLst/>
+              </a:prstGeom>
+              <a:blipFill>
+                <a:blip r:embed="rId7"/>
+                <a:stretch>
+                  <a:fillRect l="-13043" r="-4348" b="-13636"/>
+                </a:stretch>
+              </a:blipFill>
+            </p:spPr>
+            <p:txBody>
+              <a:bodyPr/>
+              <a:lstStyle/>
+              <a:p>
+                <a:r>
+                  <a:rPr lang="en-CN">
+                    <a:noFill/>
+                  </a:rPr>
+                  <a:t> </a:t>
+                </a:r>
+              </a:p>
+            </p:txBody>
+          </p:sp>
+        </mc:Fallback>
+      </mc:AlternateContent>
+      <p:sp>
+        <p:nvSpPr>
+          <p:cNvPr id="139" name="Triangle 138">
+            <a:extLst>
+              <a:ext uri="{FF2B5EF4-FFF2-40B4-BE49-F238E27FC236}">
+                <a16:creationId xmlns:a16="http://schemas.microsoft.com/office/drawing/2014/main" id="{17E2D43F-75F7-814C-A690-9A4CAC45B450}"/>
+              </a:ext>
+            </a:extLst>
+          </p:cNvPr>
+          <p:cNvSpPr/>
+          <p:nvPr/>
+        </p:nvSpPr>
+        <p:spPr>
+          <a:xfrm rot="3925230">
+            <a:off x="6157875" y="2484751"/>
+            <a:ext cx="1733274" cy="1904215"/>
+          </a:xfrm>
+          <a:prstGeom prst="triangle">
+            <a:avLst/>
+          </a:prstGeom>
+          <a:solidFill>
+            <a:srgbClr val="FFFF00"/>
+          </a:solidFill>
+        </p:spPr>
+        <p:style>
+          <a:lnRef idx="2">
+            <a:schemeClr val="accent1">
+              <a:shade val="50000"/>
+            </a:schemeClr>
+          </a:lnRef>
+          <a:fillRef idx="1">
+            <a:schemeClr val="accent1"/>
+          </a:fillRef>
+          <a:effectRef idx="0">
+            <a:schemeClr val="accent1"/>
+          </a:effectRef>
+          <a:fontRef idx="minor">
+            <a:schemeClr val="lt1"/>
+          </a:fontRef>
+        </p:style>
+        <p:txBody>
+          <a:bodyPr rtlCol="0" anchor="ctr"/>
+          <a:lstStyle/>
+          <a:p>
+            <a:pPr algn="ctr"/>
+            <a:endParaRPr lang="en-CN"/>
+          </a:p>
+        </p:txBody>
+      </p:sp>
+      <p:sp>
+        <p:nvSpPr>
+          <p:cNvPr id="140" name="Triangle 139">
+            <a:extLst>
+              <a:ext uri="{FF2B5EF4-FFF2-40B4-BE49-F238E27FC236}">
+                <a16:creationId xmlns:a16="http://schemas.microsoft.com/office/drawing/2014/main" id="{D4EDA70E-DB65-C040-99B2-313550B0436F}"/>
+              </a:ext>
+            </a:extLst>
+          </p:cNvPr>
+          <p:cNvSpPr/>
+          <p:nvPr/>
+        </p:nvSpPr>
+        <p:spPr>
+          <a:xfrm>
+            <a:off x="5798197" y="1133349"/>
+            <a:ext cx="2078776" cy="1904215"/>
+          </a:xfrm>
+          <a:prstGeom prst="triangle">
+            <a:avLst/>
+          </a:prstGeom>
+          <a:solidFill>
+            <a:srgbClr val="CFE2F4"/>
+          </a:solidFill>
+        </p:spPr>
+        <p:style>
+          <a:lnRef idx="2">
+            <a:schemeClr val="accent1">
+              <a:shade val="50000"/>
+            </a:schemeClr>
+          </a:lnRef>
+          <a:fillRef idx="1">
+            <a:schemeClr val="accent1"/>
+          </a:fillRef>
+          <a:effectRef idx="0">
+            <a:schemeClr val="accent1"/>
+          </a:effectRef>
+          <a:fontRef idx="minor">
+            <a:schemeClr val="lt1"/>
+          </a:fontRef>
+        </p:style>
+        <p:txBody>
+          <a:bodyPr rtlCol="0" anchor="ctr"/>
+          <a:lstStyle/>
+          <a:p>
+            <a:pPr algn="ctr"/>
+            <a:endParaRPr lang="en-CN"/>
+          </a:p>
+        </p:txBody>
+      </p:sp>
+      <p:sp>
+        <p:nvSpPr>
+          <p:cNvPr id="141" name="Triangle 140">
+            <a:extLst>
+              <a:ext uri="{FF2B5EF4-FFF2-40B4-BE49-F238E27FC236}">
+                <a16:creationId xmlns:a16="http://schemas.microsoft.com/office/drawing/2014/main" id="{C1B5A24F-E443-5846-A6AA-F09F586DDFA2}"/>
+              </a:ext>
+            </a:extLst>
+          </p:cNvPr>
+          <p:cNvSpPr/>
+          <p:nvPr/>
+        </p:nvSpPr>
+        <p:spPr>
+          <a:xfrm rot="1028129">
+            <a:off x="6751928" y="2975634"/>
+            <a:ext cx="1733274" cy="1904215"/>
+          </a:xfrm>
+          <a:prstGeom prst="triangle">
+            <a:avLst/>
+          </a:prstGeom>
+          <a:solidFill>
+            <a:srgbClr val="CFE2F4"/>
+          </a:solidFill>
+        </p:spPr>
+        <p:style>
+          <a:lnRef idx="2">
+            <a:schemeClr val="accent1">
+              <a:shade val="50000"/>
+            </a:schemeClr>
+          </a:lnRef>
+          <a:fillRef idx="1">
+            <a:schemeClr val="accent1"/>
+          </a:fillRef>
+          <a:effectRef idx="0">
+            <a:schemeClr val="accent1"/>
+          </a:effectRef>
+          <a:fontRef idx="minor">
+            <a:schemeClr val="lt1"/>
+          </a:fontRef>
+        </p:style>
+        <p:txBody>
+          <a:bodyPr rtlCol="0" anchor="ctr"/>
+          <a:lstStyle/>
+          <a:p>
+            <a:pPr algn="ctr"/>
+            <a:endParaRPr lang="en-CN" b="1" dirty="0"/>
+          </a:p>
+        </p:txBody>
+      </p:sp>
+      <p:sp>
+        <p:nvSpPr>
+          <p:cNvPr id="142" name="Triangle 141">
+            <a:extLst>
+              <a:ext uri="{FF2B5EF4-FFF2-40B4-BE49-F238E27FC236}">
+                <a16:creationId xmlns:a16="http://schemas.microsoft.com/office/drawing/2014/main" id="{9E36B3FC-D46C-7645-8C38-9ED3CFD77D5A}"/>
+              </a:ext>
+            </a:extLst>
+          </p:cNvPr>
+          <p:cNvSpPr/>
+          <p:nvPr/>
+        </p:nvSpPr>
+        <p:spPr>
+          <a:xfrm rot="14759253">
+            <a:off x="4420863" y="3252446"/>
+            <a:ext cx="1733274" cy="1904215"/>
+          </a:xfrm>
+          <a:prstGeom prst="triangle">
+            <a:avLst/>
+          </a:prstGeom>
+          <a:solidFill>
+            <a:schemeClr val="bg1"/>
+          </a:solidFill>
+        </p:spPr>
+        <p:style>
+          <a:lnRef idx="2">
+            <a:schemeClr val="accent1">
+              <a:shade val="50000"/>
+            </a:schemeClr>
+          </a:lnRef>
+          <a:fillRef idx="1">
+            <a:schemeClr val="accent1"/>
+          </a:fillRef>
+          <a:effectRef idx="0">
+            <a:schemeClr val="accent1"/>
+          </a:effectRef>
+          <a:fontRef idx="minor">
+            <a:schemeClr val="lt1"/>
+          </a:fontRef>
+        </p:style>
+        <p:txBody>
+          <a:bodyPr rtlCol="0" anchor="ctr"/>
+          <a:lstStyle/>
+          <a:p>
+            <a:pPr algn="ctr"/>
+            <a:endParaRPr lang="en-CN"/>
+          </a:p>
+        </p:txBody>
+      </p:sp>
+      <p:sp>
+        <p:nvSpPr>
+          <p:cNvPr id="143" name="Oval 142">
+            <a:extLst>
+              <a:ext uri="{FF2B5EF4-FFF2-40B4-BE49-F238E27FC236}">
+                <a16:creationId xmlns:a16="http://schemas.microsoft.com/office/drawing/2014/main" id="{98699DD5-3056-E34B-A88D-4002034353F2}"/>
+              </a:ext>
+            </a:extLst>
+          </p:cNvPr>
+          <p:cNvSpPr/>
+          <p:nvPr/>
+        </p:nvSpPr>
+        <p:spPr>
+          <a:xfrm>
+            <a:off x="7835129" y="2961307"/>
+            <a:ext cx="152514" cy="152514"/>
+          </a:xfrm>
+          <a:prstGeom prst="ellipse">
+            <a:avLst/>
+          </a:prstGeom>
+        </p:spPr>
+        <p:style>
+          <a:lnRef idx="2">
+            <a:schemeClr val="accent1">
+              <a:shade val="50000"/>
+            </a:schemeClr>
+          </a:lnRef>
+          <a:fillRef idx="1">
+            <a:schemeClr val="accent1"/>
+          </a:fillRef>
+          <a:effectRef idx="0">
+            <a:schemeClr val="accent1"/>
+          </a:effectRef>
+          <a:fontRef idx="minor">
+            <a:schemeClr val="lt1"/>
+          </a:fontRef>
+        </p:style>
+        <p:txBody>
+          <a:bodyPr rtlCol="0" anchor="ctr"/>
+          <a:lstStyle/>
+          <a:p>
+            <a:pPr algn="ctr"/>
+            <a:endParaRPr lang="en-CN" dirty="0"/>
+          </a:p>
+        </p:txBody>
+      </p:sp>
+      <p:sp>
+        <p:nvSpPr>
+          <p:cNvPr id="144" name="Oval 143">
+            <a:extLst>
+              <a:ext uri="{FF2B5EF4-FFF2-40B4-BE49-F238E27FC236}">
+                <a16:creationId xmlns:a16="http://schemas.microsoft.com/office/drawing/2014/main" id="{5B204459-5525-1F40-992A-250D88DF6C75}"/>
+              </a:ext>
+            </a:extLst>
+          </p:cNvPr>
+          <p:cNvSpPr/>
+          <p:nvPr/>
+        </p:nvSpPr>
+        <p:spPr>
+          <a:xfrm>
+            <a:off x="6402525" y="4522459"/>
+            <a:ext cx="152514" cy="152514"/>
+          </a:xfrm>
+          <a:prstGeom prst="ellipse">
+            <a:avLst/>
+          </a:prstGeom>
+        </p:spPr>
+        <p:style>
+          <a:lnRef idx="2">
+            <a:schemeClr val="accent1">
+              <a:shade val="50000"/>
+            </a:schemeClr>
+          </a:lnRef>
+          <a:fillRef idx="1">
+            <a:schemeClr val="accent1"/>
+          </a:fillRef>
+          <a:effectRef idx="0">
+            <a:schemeClr val="accent1"/>
+          </a:effectRef>
+          <a:fontRef idx="minor">
+            <a:schemeClr val="lt1"/>
+          </a:fontRef>
+        </p:style>
+        <p:txBody>
+          <a:bodyPr rtlCol="0" anchor="ctr"/>
+          <a:lstStyle/>
+          <a:p>
+            <a:pPr algn="ctr"/>
+            <a:endParaRPr lang="en-CN" dirty="0"/>
+          </a:p>
+        </p:txBody>
+      </p:sp>
+      <p:sp>
+        <p:nvSpPr>
+          <p:cNvPr id="145" name="Oval 144">
+            <a:extLst>
+              <a:ext uri="{FF2B5EF4-FFF2-40B4-BE49-F238E27FC236}">
+                <a16:creationId xmlns:a16="http://schemas.microsoft.com/office/drawing/2014/main" id="{F71DE626-76E1-BB4D-BD25-B51DB506A251}"/>
+              </a:ext>
+            </a:extLst>
+          </p:cNvPr>
+          <p:cNvSpPr/>
+          <p:nvPr/>
+        </p:nvSpPr>
+        <p:spPr>
+          <a:xfrm>
+            <a:off x="5721940" y="2964302"/>
+            <a:ext cx="152514" cy="152514"/>
+          </a:xfrm>
+          <a:prstGeom prst="ellipse">
+            <a:avLst/>
+          </a:prstGeom>
+        </p:spPr>
+        <p:style>
+          <a:lnRef idx="2">
+            <a:schemeClr val="accent1">
+              <a:shade val="50000"/>
+            </a:schemeClr>
+          </a:lnRef>
+          <a:fillRef idx="1">
+            <a:schemeClr val="accent1"/>
+          </a:fillRef>
+          <a:effectRef idx="0">
+            <a:schemeClr val="accent1"/>
+          </a:effectRef>
+          <a:fontRef idx="minor">
+            <a:schemeClr val="lt1"/>
+          </a:fontRef>
+        </p:style>
+        <p:txBody>
+          <a:bodyPr rtlCol="0" anchor="ctr"/>
+          <a:lstStyle/>
+          <a:p>
+            <a:pPr algn="ctr"/>
+            <a:endParaRPr lang="en-CN" dirty="0"/>
+          </a:p>
+        </p:txBody>
+      </p:sp>
+      <p:sp>
+        <p:nvSpPr>
+          <p:cNvPr id="146" name="Oval 145">
+            <a:extLst>
+              <a:ext uri="{FF2B5EF4-FFF2-40B4-BE49-F238E27FC236}">
+                <a16:creationId xmlns:a16="http://schemas.microsoft.com/office/drawing/2014/main" id="{ABDCF3A4-FA1F-CE42-A58A-6B7EB531E74F}"/>
+              </a:ext>
+            </a:extLst>
+          </p:cNvPr>
+          <p:cNvSpPr/>
+          <p:nvPr/>
+        </p:nvSpPr>
+        <p:spPr>
+          <a:xfrm>
+            <a:off x="6761328" y="1098062"/>
+            <a:ext cx="152514" cy="152514"/>
+          </a:xfrm>
+          <a:prstGeom prst="ellipse">
+            <a:avLst/>
+          </a:prstGeom>
+        </p:spPr>
+        <p:style>
+          <a:lnRef idx="2">
+            <a:schemeClr val="accent1">
+              <a:shade val="50000"/>
+            </a:schemeClr>
+          </a:lnRef>
+          <a:fillRef idx="1">
+            <a:schemeClr val="accent1"/>
+          </a:fillRef>
+          <a:effectRef idx="0">
+            <a:schemeClr val="accent1"/>
+          </a:effectRef>
+          <a:fontRef idx="minor">
+            <a:schemeClr val="lt1"/>
+          </a:fontRef>
+        </p:style>
+        <p:txBody>
+          <a:bodyPr rtlCol="0" anchor="ctr"/>
+          <a:lstStyle/>
+          <a:p>
+            <a:pPr algn="ctr"/>
+            <a:endParaRPr lang="en-CN" dirty="0"/>
+          </a:p>
+        </p:txBody>
+      </p:sp>
+      <p:sp>
+        <p:nvSpPr>
+          <p:cNvPr id="147" name="Oval 146">
+            <a:extLst>
+              <a:ext uri="{FF2B5EF4-FFF2-40B4-BE49-F238E27FC236}">
+                <a16:creationId xmlns:a16="http://schemas.microsoft.com/office/drawing/2014/main" id="{114EE211-8909-6942-91BC-13C0C4484005}"/>
+              </a:ext>
+            </a:extLst>
+          </p:cNvPr>
+          <p:cNvSpPr/>
+          <p:nvPr/>
+        </p:nvSpPr>
+        <p:spPr>
+          <a:xfrm>
+            <a:off x="4347051" y="4516761"/>
+            <a:ext cx="152514" cy="152514"/>
+          </a:xfrm>
+          <a:prstGeom prst="ellipse">
+            <a:avLst/>
+          </a:prstGeom>
+        </p:spPr>
+        <p:style>
+          <a:lnRef idx="2">
+            <a:schemeClr val="accent1">
+              <a:shade val="50000"/>
+            </a:schemeClr>
+          </a:lnRef>
+          <a:fillRef idx="1">
+            <a:schemeClr val="accent1"/>
+          </a:fillRef>
+          <a:effectRef idx="0">
+            <a:schemeClr val="accent1"/>
+          </a:effectRef>
+          <a:fontRef idx="minor">
+            <a:schemeClr val="lt1"/>
+          </a:fontRef>
+        </p:style>
+        <p:txBody>
+          <a:bodyPr rtlCol="0" anchor="ctr"/>
+          <a:lstStyle/>
+          <a:p>
+            <a:pPr algn="ctr"/>
+            <a:endParaRPr lang="en-CN" dirty="0"/>
+          </a:p>
+        </p:txBody>
+      </p:sp>
+      <p:sp>
+        <p:nvSpPr>
+          <p:cNvPr id="148" name="Oval 147">
+            <a:extLst>
+              <a:ext uri="{FF2B5EF4-FFF2-40B4-BE49-F238E27FC236}">
+                <a16:creationId xmlns:a16="http://schemas.microsoft.com/office/drawing/2014/main" id="{6406CDF0-2B92-BD4A-B7A9-7157643630EE}"/>
+              </a:ext>
+            </a:extLst>
+          </p:cNvPr>
+          <p:cNvSpPr/>
+          <p:nvPr/>
+        </p:nvSpPr>
+        <p:spPr>
+          <a:xfrm>
+            <a:off x="8099099" y="5020552"/>
+            <a:ext cx="152514" cy="152514"/>
+          </a:xfrm>
+          <a:prstGeom prst="ellipse">
+            <a:avLst/>
+          </a:prstGeom>
+        </p:spPr>
+        <p:style>
+          <a:lnRef idx="2">
+            <a:schemeClr val="accent1">
+              <a:shade val="50000"/>
+            </a:schemeClr>
+          </a:lnRef>
+          <a:fillRef idx="1">
+            <a:schemeClr val="accent1"/>
+          </a:fillRef>
+          <a:effectRef idx="0">
+            <a:schemeClr val="accent1"/>
+          </a:effectRef>
+          <a:fontRef idx="minor">
+            <a:schemeClr val="lt1"/>
+          </a:fontRef>
+        </p:style>
+        <p:txBody>
+          <a:bodyPr rtlCol="0" anchor="ctr"/>
+          <a:lstStyle/>
+          <a:p>
+            <a:pPr algn="ctr"/>
+            <a:endParaRPr lang="en-CN" dirty="0"/>
+          </a:p>
+        </p:txBody>
+      </p:sp>
+      <p:sp>
+        <p:nvSpPr>
+          <p:cNvPr id="149" name="Freeform 148">
+            <a:extLst>
+              <a:ext uri="{FF2B5EF4-FFF2-40B4-BE49-F238E27FC236}">
+                <a16:creationId xmlns:a16="http://schemas.microsoft.com/office/drawing/2014/main" id="{EF0216D7-3D70-944D-91D3-D7AF69B0DAF2}"/>
+              </a:ext>
+            </a:extLst>
+          </p:cNvPr>
+          <p:cNvSpPr/>
+          <p:nvPr/>
+        </p:nvSpPr>
+        <p:spPr>
+          <a:xfrm rot="11216647">
+            <a:off x="6416509" y="4316333"/>
+            <a:ext cx="231895" cy="83408"/>
+          </a:xfrm>
+          <a:custGeom>
+            <a:avLst/>
+            <a:gdLst>
+              <a:gd name="connsiteX0" fmla="*/ 0 w 690664"/>
+              <a:gd name="connsiteY0" fmla="*/ 0 h 145914"/>
+              <a:gd name="connsiteX1" fmla="*/ 379379 w 690664"/>
+              <a:gd name="connsiteY1" fmla="*/ 145914 h 145914"/>
+              <a:gd name="connsiteX2" fmla="*/ 690664 w 690664"/>
+              <a:gd name="connsiteY2" fmla="*/ 0 h 145914"/>
+            </a:gdLst>
+            <a:ahLst/>
+            <a:cxnLst>
+              <a:cxn ang="0">
+                <a:pos x="connsiteX0" y="connsiteY0"/>
+              </a:cxn>
+              <a:cxn ang="0">
+                <a:pos x="connsiteX1" y="connsiteY1"/>
+              </a:cxn>
+              <a:cxn ang="0">
+                <a:pos x="connsiteX2" y="connsiteY2"/>
+              </a:cxn>
+            </a:cxnLst>
+            <a:rect l="l" t="t" r="r" b="b"/>
+            <a:pathLst>
+              <a:path w="690664" h="145914">
+                <a:moveTo>
+                  <a:pt x="0" y="0"/>
+                </a:moveTo>
+                <a:cubicBezTo>
+                  <a:pt x="132134" y="72957"/>
+                  <a:pt x="264268" y="145914"/>
+                  <a:pt x="379379" y="145914"/>
+                </a:cubicBezTo>
+                <a:cubicBezTo>
+                  <a:pt x="494490" y="145914"/>
+                  <a:pt x="638783" y="17834"/>
+                  <a:pt x="690664" y="0"/>
+                </a:cubicBezTo>
+              </a:path>
+            </a:pathLst>
+          </a:custGeom>
+          <a:noFill/>
+        </p:spPr>
+        <p:style>
+          <a:lnRef idx="2">
+            <a:schemeClr val="accent1">
+              <a:shade val="50000"/>
+            </a:schemeClr>
+          </a:lnRef>
+          <a:fillRef idx="1">
+            <a:schemeClr val="accent1"/>
+          </a:fillRef>
+          <a:effectRef idx="0">
+            <a:schemeClr val="accent1"/>
+          </a:effectRef>
+          <a:fontRef idx="minor">
+            <a:schemeClr val="lt1"/>
+          </a:fontRef>
+        </p:style>
+        <p:txBody>
+          <a:bodyPr rtlCol="0" anchor="ctr"/>
+          <a:lstStyle/>
+          <a:p>
+            <a:pPr algn="ctr"/>
+            <a:endParaRPr lang="en-CN"/>
+          </a:p>
+        </p:txBody>
+      </p:sp>
+      <mc:AlternateContent xmlns:mc="http://schemas.openxmlformats.org/markup-compatibility/2006" xmlns:a14="http://schemas.microsoft.com/office/drawing/2010/main">
+        <mc:Choice Requires="a14">
+          <p:sp>
+            <p:nvSpPr>
+              <p:cNvPr id="150" name="TextBox 149">
+                <a:extLst>
+                  <a:ext uri="{FF2B5EF4-FFF2-40B4-BE49-F238E27FC236}">
+                    <a16:creationId xmlns:a16="http://schemas.microsoft.com/office/drawing/2014/main" id="{0BC4013A-119E-814A-AE0B-4A80CD20ACFF}"/>
+                  </a:ext>
+                </a:extLst>
+              </p:cNvPr>
+              <p:cNvSpPr txBox="1"/>
+              <p:nvPr/>
+            </p:nvSpPr>
+            <p:spPr>
+              <a:xfrm>
+                <a:off x="6486590" y="4017894"/>
+                <a:ext cx="166006" cy="276999"/>
+              </a:xfrm>
+              <a:prstGeom prst="rect">
+                <a:avLst/>
+              </a:prstGeom>
+              <a:noFill/>
+            </p:spPr>
+            <p:txBody>
+              <a:bodyPr wrap="none" lIns="0" tIns="0" rIns="0" bIns="0" rtlCol="0">
+                <a:spAutoFit/>
+              </a:bodyPr>
+              <a:lstStyle/>
+              <a:p>
+                <a:pPr/>
+                <a14:m>
+                  <m:oMathPara xmlns:m="http://schemas.openxmlformats.org/officeDocument/2006/math">
+                    <m:oMathParaPr>
+                      <m:jc m:val="centerGroup"/>
+                    </m:oMathParaPr>
+                    <m:oMath xmlns:m="http://schemas.openxmlformats.org/officeDocument/2006/math">
+                      <m:r>
+                        <a:rPr lang="en-US" b="0" i="1" smtClean="0">
+                          <a:latin typeface="Cambria Math" panose="02040503050406030204" pitchFamily="18" charset="0"/>
+                        </a:rPr>
+                        <m:t>𝑐</m:t>
+                      </m:r>
+                    </m:oMath>
+                  </m:oMathPara>
+                </a14:m>
+                <a:endParaRPr lang="en-CN" dirty="0"/>
+              </a:p>
+            </p:txBody>
+          </p:sp>
+        </mc:Choice>
+        <mc:Fallback xmlns="">
+          <p:sp>
+            <p:nvSpPr>
+              <p:cNvPr id="150" name="TextBox 149">
+                <a:extLst>
+                  <a:ext uri="{FF2B5EF4-FFF2-40B4-BE49-F238E27FC236}">
+                    <a16:creationId xmlns:a16="http://schemas.microsoft.com/office/drawing/2014/main" id="{0BC4013A-119E-814A-AE0B-4A80CD20ACFF}"/>
+                  </a:ext>
+                </a:extLst>
+              </p:cNvPr>
+              <p:cNvSpPr txBox="1">
+                <a:spLocks noRot="1" noChangeAspect="1" noMove="1" noResize="1" noEditPoints="1" noAdjustHandles="1" noChangeArrowheads="1" noChangeShapeType="1" noTextEdit="1"/>
+              </p:cNvSpPr>
+              <p:nvPr/>
+            </p:nvSpPr>
+            <p:spPr>
+              <a:xfrm>
+                <a:off x="6486590" y="4017894"/>
+                <a:ext cx="166006" cy="276999"/>
+              </a:xfrm>
+              <a:prstGeom prst="rect">
+                <a:avLst/>
+              </a:prstGeom>
+              <a:blipFill>
+                <a:blip r:embed="rId8"/>
+                <a:stretch>
+                  <a:fillRect l="-14286" r="-14286"/>
+                </a:stretch>
+              </a:blipFill>
+            </p:spPr>
+            <p:txBody>
+              <a:bodyPr/>
+              <a:lstStyle/>
+              <a:p>
+                <a:r>
+                  <a:rPr lang="en-CN">
+                    <a:noFill/>
+                  </a:rPr>
+                  <a:t> </a:t>
+                </a:r>
+              </a:p>
+            </p:txBody>
+          </p:sp>
+        </mc:Fallback>
+      </mc:AlternateContent>
+      <p:cxnSp>
+        <p:nvCxnSpPr>
+          <p:cNvPr id="151" name="Straight Arrow Connector 150">
+            <a:extLst>
+              <a:ext uri="{FF2B5EF4-FFF2-40B4-BE49-F238E27FC236}">
+                <a16:creationId xmlns:a16="http://schemas.microsoft.com/office/drawing/2014/main" id="{44512938-C052-2A4A-8490-D433AE801803}"/>
+              </a:ext>
+            </a:extLst>
+          </p:cNvPr>
+          <p:cNvCxnSpPr>
+            <a:cxnSpLocks/>
+          </p:cNvCxnSpPr>
+          <p:nvPr/>
+        </p:nvCxnSpPr>
+        <p:spPr>
+          <a:xfrm flipH="1">
+            <a:off x="6836697" y="2712829"/>
+            <a:ext cx="1" cy="601543"/>
+          </a:xfrm>
+          <a:prstGeom prst="straightConnector1">
+            <a:avLst/>
+          </a:prstGeom>
+          <a:ln w="38100">
+            <a:solidFill>
+              <a:schemeClr val="tx1">
+                <a:alpha val="75000"/>
+              </a:schemeClr>
+            </a:solidFill>
+            <a:prstDash val="dash"/>
+            <a:tailEnd type="triangle"/>
+          </a:ln>
+        </p:spPr>
+        <p:style>
+          <a:lnRef idx="1">
+            <a:schemeClr val="accent1"/>
+          </a:lnRef>
+          <a:fillRef idx="0">
+            <a:schemeClr val="accent1"/>
+          </a:fillRef>
+          <a:effectRef idx="0">
+            <a:schemeClr val="accent1"/>
+          </a:effectRef>
+          <a:fontRef idx="minor">
+            <a:schemeClr val="tx1"/>
+          </a:fontRef>
+        </p:style>
+      </p:cxnSp>
+      <mc:AlternateContent xmlns:mc="http://schemas.openxmlformats.org/markup-compatibility/2006" xmlns:a14="http://schemas.microsoft.com/office/drawing/2010/main">
+        <mc:Choice Requires="a14">
+          <p:sp>
+            <p:nvSpPr>
+              <p:cNvPr id="152" name="TextBox 151">
+                <a:extLst>
+                  <a:ext uri="{FF2B5EF4-FFF2-40B4-BE49-F238E27FC236}">
+                    <a16:creationId xmlns:a16="http://schemas.microsoft.com/office/drawing/2014/main" id="{344CE96A-D5E0-BC4F-831F-0BA130AD9B48}"/>
+                  </a:ext>
+                </a:extLst>
+              </p:cNvPr>
+              <p:cNvSpPr txBox="1"/>
+              <p:nvPr/>
+            </p:nvSpPr>
+            <p:spPr>
+              <a:xfrm>
+                <a:off x="4986158" y="4156393"/>
+                <a:ext cx="274499" cy="276999"/>
+              </a:xfrm>
+              <a:prstGeom prst="rect">
+                <a:avLst/>
+              </a:prstGeom>
+              <a:noFill/>
+            </p:spPr>
+            <p:txBody>
+              <a:bodyPr wrap="none" lIns="0" tIns="0" rIns="0" bIns="0" rtlCol="0">
+                <a:spAutoFit/>
+              </a:bodyPr>
+              <a:lstStyle/>
+              <a:p>
+                <a:pPr/>
+                <a14:m>
+                  <m:oMathPara xmlns:m="http://schemas.openxmlformats.org/officeDocument/2006/math">
+                    <m:oMathParaPr>
+                      <m:jc m:val="centerGroup"/>
+                    </m:oMathParaPr>
+                    <m:oMath xmlns:m="http://schemas.openxmlformats.org/officeDocument/2006/math">
+                      <m:sSub>
+                        <m:sSubPr>
+                          <m:ctrlPr>
+                            <a:rPr lang="en-US" b="0" i="1" smtClean="0">
+                              <a:latin typeface="Cambria Math" panose="02040503050406030204" pitchFamily="18" charset="0"/>
+                            </a:rPr>
+                          </m:ctrlPr>
+                        </m:sSubPr>
+                        <m:e>
+                          <m:r>
+                            <a:rPr lang="en-US" b="0" i="1" smtClean="0">
+                              <a:latin typeface="Cambria Math" panose="02040503050406030204" pitchFamily="18" charset="0"/>
+                            </a:rPr>
+                            <m:t>𝑐</m:t>
+                          </m:r>
+                        </m:e>
+                        <m:sub>
+                          <m:r>
+                            <a:rPr lang="en-US" b="0" i="1" smtClean="0">
+                              <a:latin typeface="Cambria Math" panose="02040503050406030204" pitchFamily="18" charset="0"/>
+                            </a:rPr>
+                            <m:t>𝑛</m:t>
+                          </m:r>
+                        </m:sub>
+                      </m:sSub>
+                    </m:oMath>
+                  </m:oMathPara>
+                </a14:m>
+                <a:endParaRPr lang="en-CN" dirty="0"/>
+              </a:p>
+            </p:txBody>
+          </p:sp>
+        </mc:Choice>
+        <mc:Fallback xmlns="">
+          <p:sp>
+            <p:nvSpPr>
+              <p:cNvPr id="152" name="TextBox 151">
+                <a:extLst>
+                  <a:ext uri="{FF2B5EF4-FFF2-40B4-BE49-F238E27FC236}">
+                    <a16:creationId xmlns:a16="http://schemas.microsoft.com/office/drawing/2014/main" id="{344CE96A-D5E0-BC4F-831F-0BA130AD9B48}"/>
+                  </a:ext>
+                </a:extLst>
+              </p:cNvPr>
+              <p:cNvSpPr txBox="1">
+                <a:spLocks noRot="1" noChangeAspect="1" noMove="1" noResize="1" noEditPoints="1" noAdjustHandles="1" noChangeArrowheads="1" noChangeShapeType="1" noTextEdit="1"/>
+              </p:cNvSpPr>
+              <p:nvPr/>
+            </p:nvSpPr>
+            <p:spPr>
+              <a:xfrm>
+                <a:off x="4986158" y="4156393"/>
+                <a:ext cx="274499" cy="276999"/>
+              </a:xfrm>
+              <a:prstGeom prst="rect">
+                <a:avLst/>
+              </a:prstGeom>
+              <a:blipFill>
+                <a:blip r:embed="rId9"/>
+                <a:stretch>
+                  <a:fillRect l="-13043" b="-13636"/>
+                </a:stretch>
+              </a:blipFill>
+            </p:spPr>
+            <p:txBody>
+              <a:bodyPr/>
+              <a:lstStyle/>
+              <a:p>
+                <a:r>
+                  <a:rPr lang="en-CN">
+                    <a:noFill/>
+                  </a:rPr>
+                  <a:t> </a:t>
+                </a:r>
+              </a:p>
+            </p:txBody>
+          </p:sp>
+        </mc:Fallback>
+      </mc:AlternateContent>
+      <p:sp>
+        <p:nvSpPr>
+          <p:cNvPr id="153" name="Freeform 152">
+            <a:extLst>
+              <a:ext uri="{FF2B5EF4-FFF2-40B4-BE49-F238E27FC236}">
+                <a16:creationId xmlns:a16="http://schemas.microsoft.com/office/drawing/2014/main" id="{5F4DDC6A-0B30-6B4F-AE4A-B157249A7B2C}"/>
+              </a:ext>
+            </a:extLst>
+          </p:cNvPr>
+          <p:cNvSpPr/>
+          <p:nvPr/>
+        </p:nvSpPr>
+        <p:spPr>
+          <a:xfrm rot="13775256">
+            <a:off x="4581224" y="4424863"/>
+            <a:ext cx="231895" cy="83408"/>
+          </a:xfrm>
+          <a:custGeom>
+            <a:avLst/>
+            <a:gdLst>
+              <a:gd name="connsiteX0" fmla="*/ 0 w 690664"/>
+              <a:gd name="connsiteY0" fmla="*/ 0 h 145914"/>
+              <a:gd name="connsiteX1" fmla="*/ 379379 w 690664"/>
+              <a:gd name="connsiteY1" fmla="*/ 145914 h 145914"/>
+              <a:gd name="connsiteX2" fmla="*/ 690664 w 690664"/>
+              <a:gd name="connsiteY2" fmla="*/ 0 h 145914"/>
+            </a:gdLst>
+            <a:ahLst/>
+            <a:cxnLst>
+              <a:cxn ang="0">
+                <a:pos x="connsiteX0" y="connsiteY0"/>
+              </a:cxn>
+              <a:cxn ang="0">
+                <a:pos x="connsiteX1" y="connsiteY1"/>
+              </a:cxn>
+              <a:cxn ang="0">
+                <a:pos x="connsiteX2" y="connsiteY2"/>
+              </a:cxn>
+            </a:cxnLst>
+            <a:rect l="l" t="t" r="r" b="b"/>
+            <a:pathLst>
+              <a:path w="690664" h="145914">
+                <a:moveTo>
+                  <a:pt x="0" y="0"/>
+                </a:moveTo>
+                <a:cubicBezTo>
+                  <a:pt x="132134" y="72957"/>
+                  <a:pt x="264268" y="145914"/>
+                  <a:pt x="379379" y="145914"/>
+                </a:cubicBezTo>
+                <a:cubicBezTo>
+                  <a:pt x="494490" y="145914"/>
+                  <a:pt x="638783" y="17834"/>
+                  <a:pt x="690664" y="0"/>
+                </a:cubicBezTo>
+              </a:path>
+            </a:pathLst>
+          </a:custGeom>
+          <a:noFill/>
+        </p:spPr>
+        <p:style>
+          <a:lnRef idx="2">
+            <a:schemeClr val="accent1">
+              <a:shade val="50000"/>
+            </a:schemeClr>
+          </a:lnRef>
+          <a:fillRef idx="1">
+            <a:schemeClr val="accent1"/>
+          </a:fillRef>
+          <a:effectRef idx="0">
+            <a:schemeClr val="accent1"/>
+          </a:effectRef>
+          <a:fontRef idx="minor">
+            <a:schemeClr val="lt1"/>
+          </a:fontRef>
+        </p:style>
+        <p:txBody>
+          <a:bodyPr rtlCol="0" anchor="ctr"/>
+          <a:lstStyle/>
+          <a:p>
+            <a:pPr algn="ctr"/>
+            <a:endParaRPr lang="en-CN"/>
+          </a:p>
+        </p:txBody>
+      </p:sp>
+      <p:sp>
+        <p:nvSpPr>
+          <p:cNvPr id="154" name="Freeform 153">
+            <a:extLst>
+              <a:ext uri="{FF2B5EF4-FFF2-40B4-BE49-F238E27FC236}">
+                <a16:creationId xmlns:a16="http://schemas.microsoft.com/office/drawing/2014/main" id="{41A2C6AF-D1A7-A349-97E6-C24BAD6C545B}"/>
+              </a:ext>
+            </a:extLst>
+          </p:cNvPr>
+          <p:cNvSpPr/>
+          <p:nvPr/>
+        </p:nvSpPr>
+        <p:spPr>
+          <a:xfrm rot="7488627">
+            <a:off x="7543497" y="2874348"/>
+            <a:ext cx="231895" cy="83408"/>
+          </a:xfrm>
+          <a:custGeom>
+            <a:avLst/>
+            <a:gdLst>
+              <a:gd name="connsiteX0" fmla="*/ 0 w 690664"/>
+              <a:gd name="connsiteY0" fmla="*/ 0 h 145914"/>
+              <a:gd name="connsiteX1" fmla="*/ 379379 w 690664"/>
+              <a:gd name="connsiteY1" fmla="*/ 145914 h 145914"/>
+              <a:gd name="connsiteX2" fmla="*/ 690664 w 690664"/>
+              <a:gd name="connsiteY2" fmla="*/ 0 h 145914"/>
+            </a:gdLst>
+            <a:ahLst/>
+            <a:cxnLst>
+              <a:cxn ang="0">
+                <a:pos x="connsiteX0" y="connsiteY0"/>
+              </a:cxn>
+              <a:cxn ang="0">
+                <a:pos x="connsiteX1" y="connsiteY1"/>
+              </a:cxn>
+              <a:cxn ang="0">
+                <a:pos x="connsiteX2" y="connsiteY2"/>
+              </a:cxn>
+            </a:cxnLst>
+            <a:rect l="l" t="t" r="r" b="b"/>
+            <a:pathLst>
+              <a:path w="690664" h="145914">
+                <a:moveTo>
+                  <a:pt x="0" y="0"/>
+                </a:moveTo>
+                <a:cubicBezTo>
+                  <a:pt x="132134" y="72957"/>
+                  <a:pt x="264268" y="145914"/>
+                  <a:pt x="379379" y="145914"/>
+                </a:cubicBezTo>
+                <a:cubicBezTo>
+                  <a:pt x="494490" y="145914"/>
+                  <a:pt x="638783" y="17834"/>
+                  <a:pt x="690664" y="0"/>
+                </a:cubicBezTo>
+              </a:path>
+            </a:pathLst>
+          </a:custGeom>
+          <a:noFill/>
+        </p:spPr>
+        <p:style>
+          <a:lnRef idx="2">
+            <a:schemeClr val="accent1">
+              <a:shade val="50000"/>
+            </a:schemeClr>
+          </a:lnRef>
+          <a:fillRef idx="1">
+            <a:schemeClr val="accent1"/>
+          </a:fillRef>
+          <a:effectRef idx="0">
+            <a:schemeClr val="accent1"/>
+          </a:effectRef>
+          <a:fontRef idx="minor">
+            <a:schemeClr val="lt1"/>
+          </a:fontRef>
+        </p:style>
+        <p:txBody>
+          <a:bodyPr rtlCol="0" anchor="ctr"/>
+          <a:lstStyle/>
+          <a:p>
+            <a:pPr algn="ctr"/>
+            <a:endParaRPr lang="en-CN"/>
+          </a:p>
+        </p:txBody>
+      </p:sp>
+      <mc:AlternateContent xmlns:mc="http://schemas.openxmlformats.org/markup-compatibility/2006" xmlns:a14="http://schemas.microsoft.com/office/drawing/2010/main">
+        <mc:Choice Requires="a14">
+          <p:sp>
+            <p:nvSpPr>
+              <p:cNvPr id="155" name="TextBox 154">
+                <a:extLst>
+                  <a:ext uri="{FF2B5EF4-FFF2-40B4-BE49-F238E27FC236}">
+                    <a16:creationId xmlns:a16="http://schemas.microsoft.com/office/drawing/2014/main" id="{C68A60B1-9010-2547-881E-109048FA8E9F}"/>
+                  </a:ext>
+                </a:extLst>
+              </p:cNvPr>
+              <p:cNvSpPr txBox="1"/>
+              <p:nvPr/>
+            </p:nvSpPr>
+            <p:spPr>
+              <a:xfrm>
+                <a:off x="7304666" y="2640903"/>
+                <a:ext cx="270459" cy="298415"/>
+              </a:xfrm>
+              <a:prstGeom prst="rect">
+                <a:avLst/>
+              </a:prstGeom>
+              <a:noFill/>
+            </p:spPr>
+            <p:txBody>
+              <a:bodyPr wrap="none" lIns="0" tIns="0" rIns="0" bIns="0" rtlCol="0">
+                <a:spAutoFit/>
+              </a:bodyPr>
+              <a:lstStyle/>
+              <a:p>
+                <a:pPr/>
+                <a14:m>
+                  <m:oMathPara xmlns:m="http://schemas.openxmlformats.org/officeDocument/2006/math">
+                    <m:oMathParaPr>
+                      <m:jc m:val="centerGroup"/>
+                    </m:oMathParaPr>
+                    <m:oMath xmlns:m="http://schemas.openxmlformats.org/officeDocument/2006/math">
+                      <m:sSub>
+                        <m:sSubPr>
+                          <m:ctrlPr>
+                            <a:rPr lang="en-US" b="0" i="1" smtClean="0">
+                              <a:latin typeface="Cambria Math" panose="02040503050406030204" pitchFamily="18" charset="0"/>
+                            </a:rPr>
+                          </m:ctrlPr>
+                        </m:sSubPr>
+                        <m:e>
+                          <m:r>
+                            <a:rPr lang="en-US" b="0" i="1" smtClean="0">
+                              <a:latin typeface="Cambria Math" panose="02040503050406030204" pitchFamily="18" charset="0"/>
+                            </a:rPr>
+                            <m:t>𝑐</m:t>
+                          </m:r>
+                        </m:e>
+                        <m:sub>
+                          <m:r>
+                            <a:rPr lang="en-US" b="0" i="1" smtClean="0">
+                              <a:latin typeface="Cambria Math" panose="02040503050406030204" pitchFamily="18" charset="0"/>
+                            </a:rPr>
+                            <m:t>𝑝</m:t>
+                          </m:r>
+                        </m:sub>
+                      </m:sSub>
+                    </m:oMath>
+                  </m:oMathPara>
+                </a14:m>
+                <a:endParaRPr lang="en-CN" dirty="0"/>
+              </a:p>
+            </p:txBody>
+          </p:sp>
+        </mc:Choice>
+        <mc:Fallback xmlns="">
+          <p:sp>
+            <p:nvSpPr>
+              <p:cNvPr id="155" name="TextBox 154">
+                <a:extLst>
+                  <a:ext uri="{FF2B5EF4-FFF2-40B4-BE49-F238E27FC236}">
+                    <a16:creationId xmlns:a16="http://schemas.microsoft.com/office/drawing/2014/main" id="{C68A60B1-9010-2547-881E-109048FA8E9F}"/>
+                  </a:ext>
+                </a:extLst>
+              </p:cNvPr>
+              <p:cNvSpPr txBox="1">
+                <a:spLocks noRot="1" noChangeAspect="1" noMove="1" noResize="1" noEditPoints="1" noAdjustHandles="1" noChangeArrowheads="1" noChangeShapeType="1" noTextEdit="1"/>
+              </p:cNvSpPr>
+              <p:nvPr/>
+            </p:nvSpPr>
+            <p:spPr>
+              <a:xfrm>
+                <a:off x="7304666" y="2640903"/>
+                <a:ext cx="270459" cy="298415"/>
+              </a:xfrm>
+              <a:prstGeom prst="rect">
+                <a:avLst/>
+              </a:prstGeom>
+              <a:blipFill>
+                <a:blip r:embed="rId10"/>
+                <a:stretch>
+                  <a:fillRect l="-13636" r="-9091" b="-20000"/>
+                </a:stretch>
+              </a:blipFill>
+            </p:spPr>
+            <p:txBody>
+              <a:bodyPr/>
+              <a:lstStyle/>
+              <a:p>
+                <a:r>
+                  <a:rPr lang="en-CN">
+                    <a:noFill/>
+                  </a:rPr>
+                  <a:t> </a:t>
+                </a:r>
+              </a:p>
+            </p:txBody>
+          </p:sp>
+        </mc:Fallback>
+      </mc:AlternateContent>
+      <p:cxnSp>
+        <p:nvCxnSpPr>
+          <p:cNvPr id="156" name="Straight Arrow Connector 155">
+            <a:extLst>
+              <a:ext uri="{FF2B5EF4-FFF2-40B4-BE49-F238E27FC236}">
+                <a16:creationId xmlns:a16="http://schemas.microsoft.com/office/drawing/2014/main" id="{DC641AF9-D774-9445-89E6-AE8F60E4CDA6}"/>
+              </a:ext>
+            </a:extLst>
+          </p:cNvPr>
+          <p:cNvCxnSpPr>
+            <a:cxnSpLocks/>
+          </p:cNvCxnSpPr>
+          <p:nvPr/>
+        </p:nvCxnSpPr>
+        <p:spPr>
+          <a:xfrm flipH="1">
+            <a:off x="5649852" y="3707211"/>
+            <a:ext cx="1149010" cy="449721"/>
+          </a:xfrm>
+          <a:prstGeom prst="straightConnector1">
+            <a:avLst/>
+          </a:prstGeom>
+          <a:ln w="38100">
+            <a:solidFill>
+              <a:schemeClr val="tx1"/>
+            </a:solidFill>
+            <a:tailEnd type="triangle"/>
+          </a:ln>
+        </p:spPr>
+        <p:style>
+          <a:lnRef idx="1">
+            <a:schemeClr val="accent1"/>
+          </a:lnRef>
+          <a:fillRef idx="0">
+            <a:schemeClr val="accent1"/>
+          </a:fillRef>
+          <a:effectRef idx="0">
+            <a:schemeClr val="accent1"/>
+          </a:effectRef>
+          <a:fontRef idx="minor">
+            <a:schemeClr val="tx1"/>
+          </a:fontRef>
+        </p:style>
+      </p:cxnSp>
+      <p:sp>
+        <p:nvSpPr>
+          <p:cNvPr id="157" name="TextBox 156">
+            <a:extLst>
+              <a:ext uri="{FF2B5EF4-FFF2-40B4-BE49-F238E27FC236}">
+                <a16:creationId xmlns:a16="http://schemas.microsoft.com/office/drawing/2014/main" id="{FADE8433-2861-5F42-B1B0-B04985AD9502}"/>
+              </a:ext>
+            </a:extLst>
+          </p:cNvPr>
+          <p:cNvSpPr txBox="1"/>
+          <p:nvPr/>
+        </p:nvSpPr>
+        <p:spPr>
+          <a:xfrm>
+            <a:off x="1986977" y="6246016"/>
+            <a:ext cx="1058303" cy="276999"/>
+          </a:xfrm>
+          <a:prstGeom prst="rect">
+            <a:avLst/>
+          </a:prstGeom>
+          <a:noFill/>
+        </p:spPr>
+        <p:txBody>
+          <a:bodyPr wrap="none" lIns="0" tIns="0" rIns="0" bIns="0" rtlCol="0">
+            <a:spAutoFit/>
+          </a:bodyPr>
+          <a:lstStyle/>
+          <a:p>
+            <a:pPr algn="ctr"/>
+            <a:r>
+              <a:rPr lang="en-CN" dirty="0"/>
+              <a:t>Topology_L</a:t>
+            </a:r>
+          </a:p>
+        </p:txBody>
+      </p:sp>
+      <p:sp>
+        <p:nvSpPr>
+          <p:cNvPr id="158" name="TextBox 157">
+            <a:extLst>
+              <a:ext uri="{FF2B5EF4-FFF2-40B4-BE49-F238E27FC236}">
+                <a16:creationId xmlns:a16="http://schemas.microsoft.com/office/drawing/2014/main" id="{1020AE61-283C-7746-AF6B-D7E47A5F5243}"/>
+              </a:ext>
+            </a:extLst>
+          </p:cNvPr>
+          <p:cNvSpPr txBox="1"/>
+          <p:nvPr/>
+        </p:nvSpPr>
+        <p:spPr>
+          <a:xfrm>
+            <a:off x="5908643" y="6107516"/>
+            <a:ext cx="1085554" cy="276999"/>
+          </a:xfrm>
+          <a:prstGeom prst="rect">
+            <a:avLst/>
+          </a:prstGeom>
+          <a:noFill/>
+        </p:spPr>
+        <p:txBody>
+          <a:bodyPr wrap="none" lIns="0" tIns="0" rIns="0" bIns="0" rtlCol="0">
+            <a:spAutoFit/>
+          </a:bodyPr>
+          <a:lstStyle/>
+          <a:p>
+            <a:pPr algn="ctr"/>
+            <a:r>
+              <a:rPr lang="en-CN" dirty="0"/>
+              <a:t>Topology_R</a:t>
+            </a:r>
+          </a:p>
+        </p:txBody>
+      </p:sp>
+      <mc:AlternateContent xmlns:mc="http://schemas.openxmlformats.org/markup-compatibility/2006" xmlns:a14="http://schemas.microsoft.com/office/drawing/2010/main">
+        <mc:Choice Requires="a14">
+          <p:sp>
+            <p:nvSpPr>
+              <p:cNvPr id="159" name="TextBox 158">
+                <a:extLst>
+                  <a:ext uri="{FF2B5EF4-FFF2-40B4-BE49-F238E27FC236}">
+                    <a16:creationId xmlns:a16="http://schemas.microsoft.com/office/drawing/2014/main" id="{F32809DB-6170-2C4D-8FEF-B65C61BC6784}"/>
+                  </a:ext>
+                </a:extLst>
+              </p:cNvPr>
+              <p:cNvSpPr txBox="1"/>
+              <p:nvPr/>
+            </p:nvSpPr>
+            <p:spPr>
+              <a:xfrm>
+                <a:off x="9998209" y="1216106"/>
+                <a:ext cx="283026" cy="276999"/>
+              </a:xfrm>
+              <a:prstGeom prst="rect">
+                <a:avLst/>
+              </a:prstGeom>
+              <a:noFill/>
+            </p:spPr>
+            <p:txBody>
+              <a:bodyPr wrap="none" lIns="0" tIns="0" rIns="0" bIns="0" rtlCol="0">
+                <a:spAutoFit/>
+              </a:bodyPr>
+              <a:lstStyle/>
+              <a:p>
+                <a:pPr/>
+                <a14:m>
+                  <m:oMathPara xmlns:m="http://schemas.openxmlformats.org/officeDocument/2006/math">
+                    <m:oMathParaPr>
+                      <m:jc m:val="centerGroup"/>
+                    </m:oMathParaPr>
+                    <m:oMath xmlns:m="http://schemas.openxmlformats.org/officeDocument/2006/math">
+                      <m:sSub>
+                        <m:sSubPr>
+                          <m:ctrlPr>
+                            <a:rPr lang="en-US" b="0" i="1" smtClean="0">
+                              <a:latin typeface="Cambria Math" panose="02040503050406030204" pitchFamily="18" charset="0"/>
+                            </a:rPr>
+                          </m:ctrlPr>
+                        </m:sSubPr>
+                        <m:e>
+                          <m:r>
+                            <a:rPr lang="en-US" b="0" i="1" smtClean="0">
+                              <a:latin typeface="Cambria Math" panose="02040503050406030204" pitchFamily="18" charset="0"/>
+                            </a:rPr>
+                            <m:t>𝑣</m:t>
+                          </m:r>
+                        </m:e>
+                        <m:sub>
+                          <m:r>
+                            <a:rPr lang="en-US" b="0" i="1" smtClean="0">
+                              <a:latin typeface="Cambria Math" panose="02040503050406030204" pitchFamily="18" charset="0"/>
+                            </a:rPr>
+                            <m:t>0</m:t>
+                          </m:r>
+                        </m:sub>
+                      </m:sSub>
+                    </m:oMath>
+                  </m:oMathPara>
+                </a14:m>
+                <a:endParaRPr lang="en-CN" dirty="0"/>
+              </a:p>
+            </p:txBody>
+          </p:sp>
+        </mc:Choice>
+        <mc:Fallback xmlns="">
+          <p:sp>
+            <p:nvSpPr>
+              <p:cNvPr id="159" name="TextBox 158">
+                <a:extLst>
+                  <a:ext uri="{FF2B5EF4-FFF2-40B4-BE49-F238E27FC236}">
+                    <a16:creationId xmlns:a16="http://schemas.microsoft.com/office/drawing/2014/main" id="{F32809DB-6170-2C4D-8FEF-B65C61BC6784}"/>
+                  </a:ext>
+                </a:extLst>
+              </p:cNvPr>
+              <p:cNvSpPr txBox="1">
+                <a:spLocks noRot="1" noChangeAspect="1" noMove="1" noResize="1" noEditPoints="1" noAdjustHandles="1" noChangeArrowheads="1" noChangeShapeType="1" noTextEdit="1"/>
+              </p:cNvSpPr>
+              <p:nvPr/>
+            </p:nvSpPr>
+            <p:spPr>
+              <a:xfrm>
+                <a:off x="9998209" y="1216106"/>
+                <a:ext cx="283026" cy="276999"/>
+              </a:xfrm>
+              <a:prstGeom prst="rect">
+                <a:avLst/>
+              </a:prstGeom>
+              <a:blipFill>
+                <a:blip r:embed="rId3"/>
+                <a:stretch>
+                  <a:fillRect l="-13043" r="-4348" b="-13043"/>
+                </a:stretch>
+              </a:blipFill>
+            </p:spPr>
+            <p:txBody>
+              <a:bodyPr/>
+              <a:lstStyle/>
+              <a:p>
+                <a:r>
+                  <a:rPr lang="en-CN">
+                    <a:noFill/>
+                  </a:rPr>
+                  <a:t> </a:t>
+                </a:r>
+              </a:p>
+            </p:txBody>
+          </p:sp>
+        </mc:Fallback>
+      </mc:AlternateContent>
+      <p:sp>
+        <p:nvSpPr>
+          <p:cNvPr id="160" name="Triangle 159">
+            <a:extLst>
+              <a:ext uri="{FF2B5EF4-FFF2-40B4-BE49-F238E27FC236}">
+                <a16:creationId xmlns:a16="http://schemas.microsoft.com/office/drawing/2014/main" id="{CBA41588-24F2-014A-BB8A-2DA4AE26820A}"/>
+              </a:ext>
+            </a:extLst>
+          </p:cNvPr>
+          <p:cNvSpPr/>
+          <p:nvPr/>
+        </p:nvSpPr>
+        <p:spPr>
+          <a:xfrm rot="3925230">
+            <a:off x="10085364" y="2277205"/>
+            <a:ext cx="1733274" cy="1904215"/>
+          </a:xfrm>
+          <a:prstGeom prst="triangle">
+            <a:avLst/>
+          </a:prstGeom>
+          <a:solidFill>
+            <a:srgbClr val="FFFF00"/>
+          </a:solidFill>
+        </p:spPr>
+        <p:style>
+          <a:lnRef idx="2">
+            <a:schemeClr val="accent1">
+              <a:shade val="50000"/>
+            </a:schemeClr>
+          </a:lnRef>
+          <a:fillRef idx="1">
+            <a:schemeClr val="accent1"/>
+          </a:fillRef>
+          <a:effectRef idx="0">
+            <a:schemeClr val="accent1"/>
+          </a:effectRef>
+          <a:fontRef idx="minor">
+            <a:schemeClr val="lt1"/>
+          </a:fontRef>
+        </p:style>
+        <p:txBody>
+          <a:bodyPr rtlCol="0" anchor="ctr"/>
+          <a:lstStyle/>
+          <a:p>
+            <a:pPr algn="ctr"/>
+            <a:endParaRPr lang="en-CN"/>
+          </a:p>
+        </p:txBody>
+      </p:sp>
+      <p:sp>
+        <p:nvSpPr>
+          <p:cNvPr id="161" name="Triangle 160">
+            <a:extLst>
+              <a:ext uri="{FF2B5EF4-FFF2-40B4-BE49-F238E27FC236}">
+                <a16:creationId xmlns:a16="http://schemas.microsoft.com/office/drawing/2014/main" id="{122C0AAC-32FD-3B46-BE9D-7427B7F543DB}"/>
+              </a:ext>
+            </a:extLst>
+          </p:cNvPr>
+          <p:cNvSpPr/>
+          <p:nvPr/>
+        </p:nvSpPr>
+        <p:spPr>
+          <a:xfrm>
+            <a:off x="9725686" y="925803"/>
+            <a:ext cx="2078776" cy="1904215"/>
+          </a:xfrm>
+          <a:prstGeom prst="triangle">
+            <a:avLst/>
+          </a:prstGeom>
+          <a:solidFill>
+            <a:srgbClr val="CFE2F4"/>
+          </a:solidFill>
+        </p:spPr>
+        <p:style>
+          <a:lnRef idx="2">
+            <a:schemeClr val="accent1">
+              <a:shade val="50000"/>
+            </a:schemeClr>
+          </a:lnRef>
+          <a:fillRef idx="1">
+            <a:schemeClr val="accent1"/>
+          </a:fillRef>
+          <a:effectRef idx="0">
+            <a:schemeClr val="accent1"/>
+          </a:effectRef>
+          <a:fontRef idx="minor">
+            <a:schemeClr val="lt1"/>
+          </a:fontRef>
+        </p:style>
+        <p:txBody>
+          <a:bodyPr rtlCol="0" anchor="ctr"/>
+          <a:lstStyle/>
+          <a:p>
+            <a:pPr algn="ctr"/>
+            <a:endParaRPr lang="en-CN"/>
+          </a:p>
+        </p:txBody>
+      </p:sp>
+      <p:sp>
+        <p:nvSpPr>
+          <p:cNvPr id="162" name="Triangle 161">
+            <a:extLst>
+              <a:ext uri="{FF2B5EF4-FFF2-40B4-BE49-F238E27FC236}">
+                <a16:creationId xmlns:a16="http://schemas.microsoft.com/office/drawing/2014/main" id="{567267C6-D5E5-7B45-B0E5-4EC45ACD42B0}"/>
+              </a:ext>
+            </a:extLst>
+          </p:cNvPr>
+          <p:cNvSpPr/>
+          <p:nvPr/>
+        </p:nvSpPr>
+        <p:spPr>
+          <a:xfrm rot="1028129">
+            <a:off x="10679417" y="2768088"/>
+            <a:ext cx="1733274" cy="1904215"/>
+          </a:xfrm>
+          <a:prstGeom prst="triangle">
+            <a:avLst/>
+          </a:prstGeom>
+          <a:solidFill>
+            <a:srgbClr val="CFE2F4"/>
+          </a:solidFill>
+        </p:spPr>
+        <p:style>
+          <a:lnRef idx="2">
+            <a:schemeClr val="accent1">
+              <a:shade val="50000"/>
+            </a:schemeClr>
+          </a:lnRef>
+          <a:fillRef idx="1">
+            <a:schemeClr val="accent1"/>
+          </a:fillRef>
+          <a:effectRef idx="0">
+            <a:schemeClr val="accent1"/>
+          </a:effectRef>
+          <a:fontRef idx="minor">
+            <a:schemeClr val="lt1"/>
+          </a:fontRef>
+        </p:style>
+        <p:txBody>
+          <a:bodyPr rtlCol="0" anchor="ctr"/>
+          <a:lstStyle/>
+          <a:p>
+            <a:pPr algn="ctr"/>
+            <a:endParaRPr lang="en-CN" b="1" dirty="0"/>
+          </a:p>
+        </p:txBody>
+      </p:sp>
+      <p:sp>
+        <p:nvSpPr>
+          <p:cNvPr id="163" name="Triangle 162">
+            <a:extLst>
+              <a:ext uri="{FF2B5EF4-FFF2-40B4-BE49-F238E27FC236}">
+                <a16:creationId xmlns:a16="http://schemas.microsoft.com/office/drawing/2014/main" id="{9EC76E50-0DD9-CC47-A06C-39A1235EEA25}"/>
+              </a:ext>
+            </a:extLst>
+          </p:cNvPr>
+          <p:cNvSpPr/>
+          <p:nvPr/>
+        </p:nvSpPr>
+        <p:spPr>
+          <a:xfrm rot="14759253">
+            <a:off x="8348352" y="3044900"/>
+            <a:ext cx="1733274" cy="1904215"/>
+          </a:xfrm>
+          <a:prstGeom prst="triangle">
+            <a:avLst/>
+          </a:prstGeom>
+          <a:solidFill>
+            <a:srgbClr val="CFE2F4"/>
+          </a:solidFill>
+        </p:spPr>
+        <p:style>
+          <a:lnRef idx="2">
+            <a:schemeClr val="accent1">
+              <a:shade val="50000"/>
+            </a:schemeClr>
+          </a:lnRef>
+          <a:fillRef idx="1">
+            <a:schemeClr val="accent1"/>
+          </a:fillRef>
+          <a:effectRef idx="0">
+            <a:schemeClr val="accent1"/>
+          </a:effectRef>
+          <a:fontRef idx="minor">
+            <a:schemeClr val="lt1"/>
+          </a:fontRef>
+        </p:style>
+        <p:txBody>
+          <a:bodyPr rtlCol="0" anchor="ctr"/>
+          <a:lstStyle/>
+          <a:p>
+            <a:pPr algn="ctr"/>
+            <a:endParaRPr lang="en-CN"/>
+          </a:p>
+        </p:txBody>
+      </p:sp>
+      <p:sp>
+        <p:nvSpPr>
+          <p:cNvPr id="164" name="Oval 163">
+            <a:extLst>
+              <a:ext uri="{FF2B5EF4-FFF2-40B4-BE49-F238E27FC236}">
+                <a16:creationId xmlns:a16="http://schemas.microsoft.com/office/drawing/2014/main" id="{C80BEB64-643B-224D-A836-9D1E6F26A51C}"/>
+              </a:ext>
+            </a:extLst>
+          </p:cNvPr>
+          <p:cNvSpPr/>
+          <p:nvPr/>
+        </p:nvSpPr>
+        <p:spPr>
+          <a:xfrm>
+            <a:off x="11762618" y="2753761"/>
+            <a:ext cx="152514" cy="152514"/>
+          </a:xfrm>
+          <a:prstGeom prst="ellipse">
+            <a:avLst/>
+          </a:prstGeom>
+        </p:spPr>
+        <p:style>
+          <a:lnRef idx="2">
+            <a:schemeClr val="accent1">
+              <a:shade val="50000"/>
+            </a:schemeClr>
+          </a:lnRef>
+          <a:fillRef idx="1">
+            <a:schemeClr val="accent1"/>
+          </a:fillRef>
+          <a:effectRef idx="0">
+            <a:schemeClr val="accent1"/>
+          </a:effectRef>
+          <a:fontRef idx="minor">
+            <a:schemeClr val="lt1"/>
+          </a:fontRef>
+        </p:style>
+        <p:txBody>
+          <a:bodyPr rtlCol="0" anchor="ctr"/>
+          <a:lstStyle/>
+          <a:p>
+            <a:pPr algn="ctr"/>
+            <a:endParaRPr lang="en-CN" dirty="0"/>
+          </a:p>
+        </p:txBody>
+      </p:sp>
+      <p:sp>
+        <p:nvSpPr>
+          <p:cNvPr id="165" name="Oval 164">
+            <a:extLst>
+              <a:ext uri="{FF2B5EF4-FFF2-40B4-BE49-F238E27FC236}">
+                <a16:creationId xmlns:a16="http://schemas.microsoft.com/office/drawing/2014/main" id="{86216E4F-F2C4-4846-9D58-833969E17F7E}"/>
+              </a:ext>
+            </a:extLst>
+          </p:cNvPr>
+          <p:cNvSpPr/>
+          <p:nvPr/>
+        </p:nvSpPr>
+        <p:spPr>
+          <a:xfrm>
+            <a:off x="10330014" y="4314913"/>
+            <a:ext cx="152514" cy="152514"/>
+          </a:xfrm>
+          <a:prstGeom prst="ellipse">
+            <a:avLst/>
+          </a:prstGeom>
+        </p:spPr>
+        <p:style>
+          <a:lnRef idx="2">
+            <a:schemeClr val="accent1">
+              <a:shade val="50000"/>
+            </a:schemeClr>
+          </a:lnRef>
+          <a:fillRef idx="1">
+            <a:schemeClr val="accent1"/>
+          </a:fillRef>
+          <a:effectRef idx="0">
+            <a:schemeClr val="accent1"/>
+          </a:effectRef>
+          <a:fontRef idx="minor">
+            <a:schemeClr val="lt1"/>
+          </a:fontRef>
+        </p:style>
+        <p:txBody>
+          <a:bodyPr rtlCol="0" anchor="ctr"/>
+          <a:lstStyle/>
+          <a:p>
+            <a:pPr algn="ctr"/>
+            <a:endParaRPr lang="en-CN" dirty="0"/>
+          </a:p>
+        </p:txBody>
+      </p:sp>
+      <p:sp>
+        <p:nvSpPr>
+          <p:cNvPr id="166" name="Oval 165">
+            <a:extLst>
+              <a:ext uri="{FF2B5EF4-FFF2-40B4-BE49-F238E27FC236}">
+                <a16:creationId xmlns:a16="http://schemas.microsoft.com/office/drawing/2014/main" id="{896A2137-40AB-004A-AA77-B7462468B121}"/>
+              </a:ext>
+            </a:extLst>
+          </p:cNvPr>
+          <p:cNvSpPr/>
+          <p:nvPr/>
+        </p:nvSpPr>
+        <p:spPr>
+          <a:xfrm>
+            <a:off x="9649429" y="2756756"/>
+            <a:ext cx="152514" cy="152514"/>
+          </a:xfrm>
+          <a:prstGeom prst="ellipse">
+            <a:avLst/>
+          </a:prstGeom>
+        </p:spPr>
+        <p:style>
+          <a:lnRef idx="2">
+            <a:schemeClr val="accent1">
+              <a:shade val="50000"/>
+            </a:schemeClr>
+          </a:lnRef>
+          <a:fillRef idx="1">
+            <a:schemeClr val="accent1"/>
+          </a:fillRef>
+          <a:effectRef idx="0">
+            <a:schemeClr val="accent1"/>
+          </a:effectRef>
+          <a:fontRef idx="minor">
+            <a:schemeClr val="lt1"/>
+          </a:fontRef>
+        </p:style>
+        <p:txBody>
+          <a:bodyPr rtlCol="0" anchor="ctr"/>
+          <a:lstStyle/>
+          <a:p>
+            <a:pPr algn="ctr"/>
+            <a:endParaRPr lang="en-CN" dirty="0"/>
+          </a:p>
+        </p:txBody>
+      </p:sp>
+      <p:sp>
+        <p:nvSpPr>
+          <p:cNvPr id="167" name="Oval 166">
+            <a:extLst>
+              <a:ext uri="{FF2B5EF4-FFF2-40B4-BE49-F238E27FC236}">
+                <a16:creationId xmlns:a16="http://schemas.microsoft.com/office/drawing/2014/main" id="{00727757-D42F-F446-9455-44B988F713F9}"/>
+              </a:ext>
+            </a:extLst>
+          </p:cNvPr>
+          <p:cNvSpPr/>
+          <p:nvPr/>
+        </p:nvSpPr>
+        <p:spPr>
+          <a:xfrm>
+            <a:off x="10688817" y="890516"/>
+            <a:ext cx="152514" cy="152514"/>
+          </a:xfrm>
+          <a:prstGeom prst="ellipse">
+            <a:avLst/>
+          </a:prstGeom>
+        </p:spPr>
+        <p:style>
+          <a:lnRef idx="2">
+            <a:schemeClr val="accent1">
+              <a:shade val="50000"/>
+            </a:schemeClr>
+          </a:lnRef>
+          <a:fillRef idx="1">
+            <a:schemeClr val="accent1"/>
+          </a:fillRef>
+          <a:effectRef idx="0">
+            <a:schemeClr val="accent1"/>
+          </a:effectRef>
+          <a:fontRef idx="minor">
+            <a:schemeClr val="lt1"/>
+          </a:fontRef>
+        </p:style>
+        <p:txBody>
+          <a:bodyPr rtlCol="0" anchor="ctr"/>
+          <a:lstStyle/>
+          <a:p>
+            <a:pPr algn="ctr"/>
+            <a:endParaRPr lang="en-CN" dirty="0"/>
+          </a:p>
+        </p:txBody>
+      </p:sp>
+      <p:sp>
+        <p:nvSpPr>
+          <p:cNvPr id="168" name="Oval 167">
+            <a:extLst>
+              <a:ext uri="{FF2B5EF4-FFF2-40B4-BE49-F238E27FC236}">
+                <a16:creationId xmlns:a16="http://schemas.microsoft.com/office/drawing/2014/main" id="{CB858AD3-9C0E-2F4B-8B22-569A161F32FC}"/>
+              </a:ext>
+            </a:extLst>
+          </p:cNvPr>
+          <p:cNvSpPr/>
+          <p:nvPr/>
+        </p:nvSpPr>
+        <p:spPr>
+          <a:xfrm>
+            <a:off x="8274540" y="4309215"/>
+            <a:ext cx="152514" cy="152514"/>
+          </a:xfrm>
+          <a:prstGeom prst="ellipse">
+            <a:avLst/>
+          </a:prstGeom>
+        </p:spPr>
+        <p:style>
+          <a:lnRef idx="2">
+            <a:schemeClr val="accent1">
+              <a:shade val="50000"/>
+            </a:schemeClr>
+          </a:lnRef>
+          <a:fillRef idx="1">
+            <a:schemeClr val="accent1"/>
+          </a:fillRef>
+          <a:effectRef idx="0">
+            <a:schemeClr val="accent1"/>
+          </a:effectRef>
+          <a:fontRef idx="minor">
+            <a:schemeClr val="lt1"/>
+          </a:fontRef>
+        </p:style>
+        <p:txBody>
+          <a:bodyPr rtlCol="0" anchor="ctr"/>
+          <a:lstStyle/>
+          <a:p>
+            <a:pPr algn="ctr"/>
+            <a:endParaRPr lang="en-CN" dirty="0"/>
+          </a:p>
+        </p:txBody>
+      </p:sp>
+      <p:sp>
+        <p:nvSpPr>
+          <p:cNvPr id="169" name="Oval 168">
+            <a:extLst>
+              <a:ext uri="{FF2B5EF4-FFF2-40B4-BE49-F238E27FC236}">
+                <a16:creationId xmlns:a16="http://schemas.microsoft.com/office/drawing/2014/main" id="{628588B6-298A-C944-9F13-77EEE759D4AE}"/>
+              </a:ext>
+            </a:extLst>
+          </p:cNvPr>
+          <p:cNvSpPr/>
+          <p:nvPr/>
+        </p:nvSpPr>
+        <p:spPr>
+          <a:xfrm>
+            <a:off x="12026588" y="4813006"/>
+            <a:ext cx="152514" cy="152514"/>
+          </a:xfrm>
+          <a:prstGeom prst="ellipse">
+            <a:avLst/>
+          </a:prstGeom>
+        </p:spPr>
+        <p:style>
+          <a:lnRef idx="2">
+            <a:schemeClr val="accent1">
+              <a:shade val="50000"/>
+            </a:schemeClr>
+          </a:lnRef>
+          <a:fillRef idx="1">
+            <a:schemeClr val="accent1"/>
+          </a:fillRef>
+          <a:effectRef idx="0">
+            <a:schemeClr val="accent1"/>
+          </a:effectRef>
+          <a:fontRef idx="minor">
+            <a:schemeClr val="lt1"/>
+          </a:fontRef>
+        </p:style>
+        <p:txBody>
+          <a:bodyPr rtlCol="0" anchor="ctr"/>
+          <a:lstStyle/>
+          <a:p>
+            <a:pPr algn="ctr"/>
+            <a:endParaRPr lang="en-CN" dirty="0"/>
+          </a:p>
+        </p:txBody>
+      </p:sp>
+      <p:sp>
+        <p:nvSpPr>
+          <p:cNvPr id="170" name="Freeform 169">
+            <a:extLst>
+              <a:ext uri="{FF2B5EF4-FFF2-40B4-BE49-F238E27FC236}">
+                <a16:creationId xmlns:a16="http://schemas.microsoft.com/office/drawing/2014/main" id="{C45BEF27-F962-8747-B5EA-823ED689763E}"/>
+              </a:ext>
+            </a:extLst>
+          </p:cNvPr>
+          <p:cNvSpPr/>
+          <p:nvPr/>
+        </p:nvSpPr>
+        <p:spPr>
+          <a:xfrm rot="11216647">
+            <a:off x="10343998" y="4108787"/>
+            <a:ext cx="231895" cy="83408"/>
+          </a:xfrm>
+          <a:custGeom>
+            <a:avLst/>
+            <a:gdLst>
+              <a:gd name="connsiteX0" fmla="*/ 0 w 690664"/>
+              <a:gd name="connsiteY0" fmla="*/ 0 h 145914"/>
+              <a:gd name="connsiteX1" fmla="*/ 379379 w 690664"/>
+              <a:gd name="connsiteY1" fmla="*/ 145914 h 145914"/>
+              <a:gd name="connsiteX2" fmla="*/ 690664 w 690664"/>
+              <a:gd name="connsiteY2" fmla="*/ 0 h 145914"/>
+            </a:gdLst>
+            <a:ahLst/>
+            <a:cxnLst>
+              <a:cxn ang="0">
+                <a:pos x="connsiteX0" y="connsiteY0"/>
+              </a:cxn>
+              <a:cxn ang="0">
+                <a:pos x="connsiteX1" y="connsiteY1"/>
+              </a:cxn>
+              <a:cxn ang="0">
+                <a:pos x="connsiteX2" y="connsiteY2"/>
+              </a:cxn>
+            </a:cxnLst>
+            <a:rect l="l" t="t" r="r" b="b"/>
+            <a:pathLst>
+              <a:path w="690664" h="145914">
+                <a:moveTo>
+                  <a:pt x="0" y="0"/>
+                </a:moveTo>
+                <a:cubicBezTo>
+                  <a:pt x="132134" y="72957"/>
+                  <a:pt x="264268" y="145914"/>
+                  <a:pt x="379379" y="145914"/>
+                </a:cubicBezTo>
+                <a:cubicBezTo>
+                  <a:pt x="494490" y="145914"/>
+                  <a:pt x="638783" y="17834"/>
+                  <a:pt x="690664" y="0"/>
+                </a:cubicBezTo>
+              </a:path>
+            </a:pathLst>
+          </a:custGeom>
+          <a:noFill/>
+        </p:spPr>
+        <p:style>
+          <a:lnRef idx="2">
+            <a:schemeClr val="accent1">
+              <a:shade val="50000"/>
+            </a:schemeClr>
+          </a:lnRef>
+          <a:fillRef idx="1">
+            <a:schemeClr val="accent1"/>
+          </a:fillRef>
+          <a:effectRef idx="0">
+            <a:schemeClr val="accent1"/>
+          </a:effectRef>
+          <a:fontRef idx="minor">
+            <a:schemeClr val="lt1"/>
+          </a:fontRef>
+        </p:style>
+        <p:txBody>
+          <a:bodyPr rtlCol="0" anchor="ctr"/>
+          <a:lstStyle/>
+          <a:p>
+            <a:pPr algn="ctr"/>
+            <a:endParaRPr lang="en-CN"/>
+          </a:p>
+        </p:txBody>
+      </p:sp>
+      <mc:AlternateContent xmlns:mc="http://schemas.openxmlformats.org/markup-compatibility/2006" xmlns:a14="http://schemas.microsoft.com/office/drawing/2010/main">
+        <mc:Choice Requires="a14">
+          <p:sp>
+            <p:nvSpPr>
+              <p:cNvPr id="171" name="TextBox 170">
+                <a:extLst>
+                  <a:ext uri="{FF2B5EF4-FFF2-40B4-BE49-F238E27FC236}">
+                    <a16:creationId xmlns:a16="http://schemas.microsoft.com/office/drawing/2014/main" id="{2BE1A0A0-03B2-E94C-9E5C-E8C624611459}"/>
+                  </a:ext>
+                </a:extLst>
+              </p:cNvPr>
+              <p:cNvSpPr txBox="1"/>
+              <p:nvPr/>
+            </p:nvSpPr>
+            <p:spPr>
+              <a:xfrm>
+                <a:off x="10414079" y="3810348"/>
+                <a:ext cx="166006" cy="276999"/>
+              </a:xfrm>
+              <a:prstGeom prst="rect">
+                <a:avLst/>
+              </a:prstGeom>
+              <a:noFill/>
+            </p:spPr>
+            <p:txBody>
+              <a:bodyPr wrap="none" lIns="0" tIns="0" rIns="0" bIns="0" rtlCol="0">
+                <a:spAutoFit/>
+              </a:bodyPr>
+              <a:lstStyle/>
+              <a:p>
+                <a:pPr/>
+                <a14:m>
+                  <m:oMathPara xmlns:m="http://schemas.openxmlformats.org/officeDocument/2006/math">
+                    <m:oMathParaPr>
+                      <m:jc m:val="centerGroup"/>
+                    </m:oMathParaPr>
+                    <m:oMath xmlns:m="http://schemas.openxmlformats.org/officeDocument/2006/math">
+                      <m:r>
+                        <a:rPr lang="en-US" b="0" i="1" smtClean="0">
+                          <a:latin typeface="Cambria Math" panose="02040503050406030204" pitchFamily="18" charset="0"/>
+                        </a:rPr>
+                        <m:t>𝑐</m:t>
+                      </m:r>
+                    </m:oMath>
+                  </m:oMathPara>
+                </a14:m>
+                <a:endParaRPr lang="en-CN" dirty="0"/>
+              </a:p>
+            </p:txBody>
+          </p:sp>
+        </mc:Choice>
+        <mc:Fallback xmlns="">
+          <p:sp>
+            <p:nvSpPr>
+              <p:cNvPr id="171" name="TextBox 170">
+                <a:extLst>
+                  <a:ext uri="{FF2B5EF4-FFF2-40B4-BE49-F238E27FC236}">
+                    <a16:creationId xmlns:a16="http://schemas.microsoft.com/office/drawing/2014/main" id="{2BE1A0A0-03B2-E94C-9E5C-E8C624611459}"/>
+                  </a:ext>
+                </a:extLst>
+              </p:cNvPr>
+              <p:cNvSpPr txBox="1">
+                <a:spLocks noRot="1" noChangeAspect="1" noMove="1" noResize="1" noEditPoints="1" noAdjustHandles="1" noChangeArrowheads="1" noChangeShapeType="1" noTextEdit="1"/>
+              </p:cNvSpPr>
+              <p:nvPr/>
+            </p:nvSpPr>
+            <p:spPr>
+              <a:xfrm>
+                <a:off x="10414079" y="3810348"/>
+                <a:ext cx="166006" cy="276999"/>
+              </a:xfrm>
+              <a:prstGeom prst="rect">
+                <a:avLst/>
+              </a:prstGeom>
+              <a:blipFill>
+                <a:blip r:embed="rId11"/>
+                <a:stretch>
+                  <a:fillRect l="-13333" r="-13333"/>
+                </a:stretch>
+              </a:blipFill>
+            </p:spPr>
+            <p:txBody>
+              <a:bodyPr/>
+              <a:lstStyle/>
+              <a:p>
+                <a:r>
+                  <a:rPr lang="en-CN">
+                    <a:noFill/>
+                  </a:rPr>
+                  <a:t> </a:t>
+                </a:r>
+              </a:p>
+            </p:txBody>
+          </p:sp>
+        </mc:Fallback>
+      </mc:AlternateContent>
+      <p:cxnSp>
+        <p:nvCxnSpPr>
+          <p:cNvPr id="172" name="Straight Arrow Connector 171">
+            <a:extLst>
+              <a:ext uri="{FF2B5EF4-FFF2-40B4-BE49-F238E27FC236}">
+                <a16:creationId xmlns:a16="http://schemas.microsoft.com/office/drawing/2014/main" id="{A851EA5B-32E2-3042-AA2C-94938E7F7104}"/>
+              </a:ext>
+            </a:extLst>
+          </p:cNvPr>
+          <p:cNvCxnSpPr>
+            <a:cxnSpLocks/>
+          </p:cNvCxnSpPr>
+          <p:nvPr/>
+        </p:nvCxnSpPr>
+        <p:spPr>
+          <a:xfrm flipH="1">
+            <a:off x="10764186" y="2505283"/>
+            <a:ext cx="1" cy="601543"/>
+          </a:xfrm>
+          <a:prstGeom prst="straightConnector1">
+            <a:avLst/>
+          </a:prstGeom>
+          <a:ln w="38100">
+            <a:solidFill>
+              <a:schemeClr val="tx1">
+                <a:alpha val="75000"/>
+              </a:schemeClr>
+            </a:solidFill>
+            <a:prstDash val="dash"/>
+            <a:tailEnd type="triangle"/>
+          </a:ln>
+        </p:spPr>
+        <p:style>
+          <a:lnRef idx="1">
+            <a:schemeClr val="accent1"/>
+          </a:lnRef>
+          <a:fillRef idx="0">
+            <a:schemeClr val="accent1"/>
+          </a:fillRef>
+          <a:effectRef idx="0">
+            <a:schemeClr val="accent1"/>
+          </a:effectRef>
+          <a:fontRef idx="minor">
+            <a:schemeClr val="tx1"/>
+          </a:fontRef>
+        </p:style>
+      </p:cxnSp>
+      <p:sp>
+        <p:nvSpPr>
+          <p:cNvPr id="173" name="Freeform 172">
+            <a:extLst>
+              <a:ext uri="{FF2B5EF4-FFF2-40B4-BE49-F238E27FC236}">
+                <a16:creationId xmlns:a16="http://schemas.microsoft.com/office/drawing/2014/main" id="{7E56BBC3-7DED-D342-82C2-7C3F5F34A039}"/>
+              </a:ext>
+            </a:extLst>
+          </p:cNvPr>
+          <p:cNvSpPr/>
+          <p:nvPr/>
+        </p:nvSpPr>
+        <p:spPr>
+          <a:xfrm rot="7488627">
+            <a:off x="11470986" y="2666802"/>
+            <a:ext cx="231895" cy="83408"/>
+          </a:xfrm>
+          <a:custGeom>
+            <a:avLst/>
+            <a:gdLst>
+              <a:gd name="connsiteX0" fmla="*/ 0 w 690664"/>
+              <a:gd name="connsiteY0" fmla="*/ 0 h 145914"/>
+              <a:gd name="connsiteX1" fmla="*/ 379379 w 690664"/>
+              <a:gd name="connsiteY1" fmla="*/ 145914 h 145914"/>
+              <a:gd name="connsiteX2" fmla="*/ 690664 w 690664"/>
+              <a:gd name="connsiteY2" fmla="*/ 0 h 145914"/>
+            </a:gdLst>
+            <a:ahLst/>
+            <a:cxnLst>
+              <a:cxn ang="0">
+                <a:pos x="connsiteX0" y="connsiteY0"/>
+              </a:cxn>
+              <a:cxn ang="0">
+                <a:pos x="connsiteX1" y="connsiteY1"/>
+              </a:cxn>
+              <a:cxn ang="0">
+                <a:pos x="connsiteX2" y="connsiteY2"/>
+              </a:cxn>
+            </a:cxnLst>
+            <a:rect l="l" t="t" r="r" b="b"/>
+            <a:pathLst>
+              <a:path w="690664" h="145914">
+                <a:moveTo>
+                  <a:pt x="0" y="0"/>
+                </a:moveTo>
+                <a:cubicBezTo>
+                  <a:pt x="132134" y="72957"/>
+                  <a:pt x="264268" y="145914"/>
+                  <a:pt x="379379" y="145914"/>
+                </a:cubicBezTo>
+                <a:cubicBezTo>
+                  <a:pt x="494490" y="145914"/>
+                  <a:pt x="638783" y="17834"/>
+                  <a:pt x="690664" y="0"/>
+                </a:cubicBezTo>
+              </a:path>
+            </a:pathLst>
+          </a:custGeom>
+          <a:noFill/>
+        </p:spPr>
+        <p:style>
+          <a:lnRef idx="2">
+            <a:schemeClr val="accent1">
+              <a:shade val="50000"/>
+            </a:schemeClr>
+          </a:lnRef>
+          <a:fillRef idx="1">
+            <a:schemeClr val="accent1"/>
+          </a:fillRef>
+          <a:effectRef idx="0">
+            <a:schemeClr val="accent1"/>
+          </a:effectRef>
+          <a:fontRef idx="minor">
+            <a:schemeClr val="lt1"/>
+          </a:fontRef>
+        </p:style>
+        <p:txBody>
+          <a:bodyPr rtlCol="0" anchor="ctr"/>
+          <a:lstStyle/>
+          <a:p>
+            <a:pPr algn="ctr"/>
+            <a:endParaRPr lang="en-CN"/>
+          </a:p>
+        </p:txBody>
+      </p:sp>
+      <mc:AlternateContent xmlns:mc="http://schemas.openxmlformats.org/markup-compatibility/2006" xmlns:a14="http://schemas.microsoft.com/office/drawing/2010/main">
+        <mc:Choice Requires="a14">
+          <p:sp>
+            <p:nvSpPr>
+              <p:cNvPr id="174" name="TextBox 173">
+                <a:extLst>
+                  <a:ext uri="{FF2B5EF4-FFF2-40B4-BE49-F238E27FC236}">
+                    <a16:creationId xmlns:a16="http://schemas.microsoft.com/office/drawing/2014/main" id="{6AB44515-0CDA-B04B-899D-EEC704B616D0}"/>
+                  </a:ext>
+                </a:extLst>
+              </p:cNvPr>
+              <p:cNvSpPr txBox="1"/>
+              <p:nvPr/>
+            </p:nvSpPr>
+            <p:spPr>
+              <a:xfrm>
+                <a:off x="11232155" y="2433357"/>
+                <a:ext cx="270459" cy="298415"/>
+              </a:xfrm>
+              <a:prstGeom prst="rect">
+                <a:avLst/>
+              </a:prstGeom>
+              <a:noFill/>
+            </p:spPr>
+            <p:txBody>
+              <a:bodyPr wrap="none" lIns="0" tIns="0" rIns="0" bIns="0" rtlCol="0">
+                <a:spAutoFit/>
+              </a:bodyPr>
+              <a:lstStyle/>
+              <a:p>
+                <a:pPr/>
+                <a14:m>
+                  <m:oMathPara xmlns:m="http://schemas.openxmlformats.org/officeDocument/2006/math">
+                    <m:oMathParaPr>
+                      <m:jc m:val="centerGroup"/>
+                    </m:oMathParaPr>
+                    <m:oMath xmlns:m="http://schemas.openxmlformats.org/officeDocument/2006/math">
+                      <m:sSub>
+                        <m:sSubPr>
+                          <m:ctrlPr>
+                            <a:rPr lang="en-US" b="0" i="1" smtClean="0">
+                              <a:latin typeface="Cambria Math" panose="02040503050406030204" pitchFamily="18" charset="0"/>
+                            </a:rPr>
+                          </m:ctrlPr>
+                        </m:sSubPr>
+                        <m:e>
+                          <m:r>
+                            <a:rPr lang="en-US" b="0" i="1" smtClean="0">
+                              <a:latin typeface="Cambria Math" panose="02040503050406030204" pitchFamily="18" charset="0"/>
+                            </a:rPr>
+                            <m:t>𝑐</m:t>
+                          </m:r>
+                        </m:e>
+                        <m:sub>
+                          <m:r>
+                            <a:rPr lang="en-US" b="0" i="1" smtClean="0">
+                              <a:latin typeface="Cambria Math" panose="02040503050406030204" pitchFamily="18" charset="0"/>
+                            </a:rPr>
+                            <m:t>𝑝</m:t>
+                          </m:r>
+                        </m:sub>
+                      </m:sSub>
+                    </m:oMath>
+                  </m:oMathPara>
+                </a14:m>
+                <a:endParaRPr lang="en-CN" dirty="0"/>
+              </a:p>
+            </p:txBody>
+          </p:sp>
+        </mc:Choice>
+        <mc:Fallback xmlns="">
+          <p:sp>
+            <p:nvSpPr>
+              <p:cNvPr id="174" name="TextBox 173">
+                <a:extLst>
+                  <a:ext uri="{FF2B5EF4-FFF2-40B4-BE49-F238E27FC236}">
+                    <a16:creationId xmlns:a16="http://schemas.microsoft.com/office/drawing/2014/main" id="{6AB44515-0CDA-B04B-899D-EEC704B616D0}"/>
+                  </a:ext>
+                </a:extLst>
+              </p:cNvPr>
+              <p:cNvSpPr txBox="1">
+                <a:spLocks noRot="1" noChangeAspect="1" noMove="1" noResize="1" noEditPoints="1" noAdjustHandles="1" noChangeArrowheads="1" noChangeShapeType="1" noTextEdit="1"/>
+              </p:cNvSpPr>
+              <p:nvPr/>
+            </p:nvSpPr>
+            <p:spPr>
+              <a:xfrm>
+                <a:off x="11232155" y="2433357"/>
+                <a:ext cx="270459" cy="298415"/>
+              </a:xfrm>
+              <a:prstGeom prst="rect">
+                <a:avLst/>
+              </a:prstGeom>
+              <a:blipFill>
+                <a:blip r:embed="rId6"/>
+                <a:stretch>
+                  <a:fillRect l="-13636" r="-9091" b="-16000"/>
+                </a:stretch>
+              </a:blipFill>
+            </p:spPr>
+            <p:txBody>
+              <a:bodyPr/>
+              <a:lstStyle/>
+              <a:p>
+                <a:r>
+                  <a:rPr lang="en-CN">
+                    <a:noFill/>
+                  </a:rPr>
+                  <a:t> </a:t>
+                </a:r>
+              </a:p>
+            </p:txBody>
+          </p:sp>
+        </mc:Fallback>
+      </mc:AlternateContent>
+      <p:sp>
+        <p:nvSpPr>
+          <p:cNvPr id="175" name="TextBox 174">
+            <a:extLst>
+              <a:ext uri="{FF2B5EF4-FFF2-40B4-BE49-F238E27FC236}">
+                <a16:creationId xmlns:a16="http://schemas.microsoft.com/office/drawing/2014/main" id="{4D507A4C-CFA1-D946-B1E1-F8EB3CC7C4F9}"/>
+              </a:ext>
+            </a:extLst>
+          </p:cNvPr>
+          <p:cNvSpPr txBox="1"/>
+          <p:nvPr/>
+        </p:nvSpPr>
+        <p:spPr>
+          <a:xfrm>
+            <a:off x="10037308" y="6154348"/>
+            <a:ext cx="1085554" cy="276999"/>
+          </a:xfrm>
+          <a:prstGeom prst="rect">
+            <a:avLst/>
+          </a:prstGeom>
+          <a:noFill/>
+        </p:spPr>
+        <p:txBody>
+          <a:bodyPr wrap="none" lIns="0" tIns="0" rIns="0" bIns="0" rtlCol="0">
+            <a:spAutoFit/>
+          </a:bodyPr>
+          <a:lstStyle/>
+          <a:p>
+            <a:pPr algn="ctr"/>
+            <a:r>
+              <a:rPr lang="en-CN" dirty="0"/>
+              <a:t>Topology_E</a:t>
+            </a:r>
+          </a:p>
+        </p:txBody>
+      </p:sp>
     </p:spTree>
     <p:extLst>
       <p:ext uri="{BB962C8B-B14F-4D97-AF65-F5344CB8AC3E}">
-        <p14:creationId xmlns:p14="http://schemas.microsoft.com/office/powerpoint/2010/main" val="1371694900"/>
+        <p14:creationId xmlns:p14="http://schemas.microsoft.com/office/powerpoint/2010/main" val="2038627632"/>
       </p:ext>
     </p:extLst>
   </p:cSld>
